--- a/论文相关/AMT实验.pptx
+++ b/论文相关/AMT实验.pptx
@@ -3,47 +3,45 @@
 <p:presentation xmlns:a="http://schemas.openxmlformats.org/drawingml/2006/main" xmlns:r="http://schemas.openxmlformats.org/officeDocument/2006/relationships" xmlns:p="http://schemas.openxmlformats.org/presentationml/2006/main" saveSubsetFonts="1">
   <p:sldMasterIdLst>
     <p:sldMasterId id="2147483648" r:id="rId1"/>
-    <p:sldMasterId id="2147483661" r:id="rId2"/>
   </p:sldMasterIdLst>
   <p:notesMasterIdLst>
-    <p:notesMasterId r:id="rId38"/>
+    <p:notesMasterId r:id="rId36"/>
   </p:notesMasterIdLst>
   <p:sldIdLst>
-    <p:sldId id="256" r:id="rId3"/>
-    <p:sldId id="258" r:id="rId4"/>
-    <p:sldId id="318" r:id="rId5"/>
-    <p:sldId id="310" r:id="rId6"/>
-    <p:sldId id="311" r:id="rId7"/>
-    <p:sldId id="312" r:id="rId8"/>
-    <p:sldId id="266" r:id="rId9"/>
-    <p:sldId id="284" r:id="rId10"/>
-    <p:sldId id="285" r:id="rId11"/>
-    <p:sldId id="286" r:id="rId12"/>
-    <p:sldId id="299" r:id="rId13"/>
-    <p:sldId id="300" r:id="rId14"/>
-    <p:sldId id="313" r:id="rId15"/>
-    <p:sldId id="315" r:id="rId16"/>
-    <p:sldId id="301" r:id="rId17"/>
-    <p:sldId id="302" r:id="rId18"/>
-    <p:sldId id="304" r:id="rId19"/>
-    <p:sldId id="316" r:id="rId20"/>
-    <p:sldId id="319" r:id="rId21"/>
-    <p:sldId id="320" r:id="rId22"/>
-    <p:sldId id="303" r:id="rId23"/>
-    <p:sldId id="309" r:id="rId24"/>
-    <p:sldId id="306" r:id="rId25"/>
-    <p:sldId id="307" r:id="rId26"/>
-    <p:sldId id="308" r:id="rId27"/>
-    <p:sldId id="317" r:id="rId28"/>
-    <p:sldId id="298" r:id="rId29"/>
-    <p:sldId id="287" r:id="rId30"/>
-    <p:sldId id="288" r:id="rId31"/>
-    <p:sldId id="289" r:id="rId32"/>
-    <p:sldId id="292" r:id="rId33"/>
-    <p:sldId id="293" r:id="rId34"/>
-    <p:sldId id="295" r:id="rId35"/>
-    <p:sldId id="294" r:id="rId36"/>
-    <p:sldId id="283" r:id="rId37"/>
+    <p:sldId id="256" r:id="rId2"/>
+    <p:sldId id="258" r:id="rId3"/>
+    <p:sldId id="318" r:id="rId4"/>
+    <p:sldId id="310" r:id="rId5"/>
+    <p:sldId id="311" r:id="rId6"/>
+    <p:sldId id="312" r:id="rId7"/>
+    <p:sldId id="266" r:id="rId8"/>
+    <p:sldId id="284" r:id="rId9"/>
+    <p:sldId id="285" r:id="rId10"/>
+    <p:sldId id="286" r:id="rId11"/>
+    <p:sldId id="299" r:id="rId12"/>
+    <p:sldId id="300" r:id="rId13"/>
+    <p:sldId id="313" r:id="rId14"/>
+    <p:sldId id="315" r:id="rId15"/>
+    <p:sldId id="301" r:id="rId16"/>
+    <p:sldId id="302" r:id="rId17"/>
+    <p:sldId id="304" r:id="rId18"/>
+    <p:sldId id="316" r:id="rId19"/>
+    <p:sldId id="319" r:id="rId20"/>
+    <p:sldId id="320" r:id="rId21"/>
+    <p:sldId id="303" r:id="rId22"/>
+    <p:sldId id="309" r:id="rId23"/>
+    <p:sldId id="306" r:id="rId24"/>
+    <p:sldId id="307" r:id="rId25"/>
+    <p:sldId id="308" r:id="rId26"/>
+    <p:sldId id="317" r:id="rId27"/>
+    <p:sldId id="298" r:id="rId28"/>
+    <p:sldId id="287" r:id="rId29"/>
+    <p:sldId id="288" r:id="rId30"/>
+    <p:sldId id="289" r:id="rId31"/>
+    <p:sldId id="292" r:id="rId32"/>
+    <p:sldId id="293" r:id="rId33"/>
+    <p:sldId id="295" r:id="rId34"/>
+    <p:sldId id="294" r:id="rId35"/>
   </p:sldIdLst>
   <p:sldSz cx="12192000" cy="6858000"/>
   <p:notesSz cx="6858000" cy="9144000"/>
@@ -1852,6 +1850,13 @@
         </dgm:presLayoutVars>
       </dgm:prSet>
       <dgm:spPr/>
+      <dgm:t>
+        <a:bodyPr/>
+        <a:lstStyle/>
+        <a:p>
+          <a:endParaRPr lang="zh-CN" altLang="en-US"/>
+        </a:p>
+      </dgm:t>
     </dgm:pt>
     <dgm:pt modelId="{A20901BB-611E-4577-A188-86BEDA58AE6B}" type="pres">
       <dgm:prSet presAssocID="{9B8B68BB-3CDC-41CF-AD78-B3B1B19057E5}" presName="root1" presStyleCnt="0"/>
@@ -1864,6 +1869,13 @@
         </dgm:presLayoutVars>
       </dgm:prSet>
       <dgm:spPr/>
+      <dgm:t>
+        <a:bodyPr/>
+        <a:lstStyle/>
+        <a:p>
+          <a:endParaRPr lang="zh-CN" altLang="en-US"/>
+        </a:p>
+      </dgm:t>
     </dgm:pt>
     <dgm:pt modelId="{D0AD976E-A160-430C-80B0-B692B90A21F1}" type="pres">
       <dgm:prSet presAssocID="{9B8B68BB-3CDC-41CF-AD78-B3B1B19057E5}" presName="level2hierChild" presStyleCnt="0"/>
@@ -1872,10 +1884,24 @@
     <dgm:pt modelId="{04396718-57EE-412B-97BB-708643BBB34D}" type="pres">
       <dgm:prSet presAssocID="{47A04AB9-AD0F-4F8B-A680-F75DAC304B94}" presName="conn2-1" presStyleLbl="parChTrans1D2" presStyleIdx="0" presStyleCnt="3"/>
       <dgm:spPr/>
+      <dgm:t>
+        <a:bodyPr/>
+        <a:lstStyle/>
+        <a:p>
+          <a:endParaRPr lang="zh-CN" altLang="en-US"/>
+        </a:p>
+      </dgm:t>
     </dgm:pt>
     <dgm:pt modelId="{B76398EA-8BF5-46ED-A85C-7283BF941250}" type="pres">
       <dgm:prSet presAssocID="{47A04AB9-AD0F-4F8B-A680-F75DAC304B94}" presName="connTx" presStyleLbl="parChTrans1D2" presStyleIdx="0" presStyleCnt="3"/>
       <dgm:spPr/>
+      <dgm:t>
+        <a:bodyPr/>
+        <a:lstStyle/>
+        <a:p>
+          <a:endParaRPr lang="zh-CN" altLang="en-US"/>
+        </a:p>
+      </dgm:t>
     </dgm:pt>
     <dgm:pt modelId="{5F4CAA49-4F54-48F4-BC3B-B5DD30932848}" type="pres">
       <dgm:prSet presAssocID="{A6204115-CCE4-4260-BF50-775C1D0CF95B}" presName="root2" presStyleCnt="0"/>
@@ -1888,6 +1914,13 @@
         </dgm:presLayoutVars>
       </dgm:prSet>
       <dgm:spPr/>
+      <dgm:t>
+        <a:bodyPr/>
+        <a:lstStyle/>
+        <a:p>
+          <a:endParaRPr lang="zh-CN" altLang="en-US"/>
+        </a:p>
+      </dgm:t>
     </dgm:pt>
     <dgm:pt modelId="{DFD6F1A6-C10D-4F9C-A10E-5B32F5B24845}" type="pres">
       <dgm:prSet presAssocID="{A6204115-CCE4-4260-BF50-775C1D0CF95B}" presName="level3hierChild" presStyleCnt="0"/>
@@ -1896,10 +1929,24 @@
     <dgm:pt modelId="{5E93B04E-333C-4D96-9DBF-8147B7D1EA74}" type="pres">
       <dgm:prSet presAssocID="{305EACD8-8876-47DB-8C53-7634FA480B03}" presName="conn2-1" presStyleLbl="parChTrans1D2" presStyleIdx="1" presStyleCnt="3"/>
       <dgm:spPr/>
+      <dgm:t>
+        <a:bodyPr/>
+        <a:lstStyle/>
+        <a:p>
+          <a:endParaRPr lang="zh-CN" altLang="en-US"/>
+        </a:p>
+      </dgm:t>
     </dgm:pt>
     <dgm:pt modelId="{642E07E5-8C36-4D95-BC32-02C2E4F37C1E}" type="pres">
       <dgm:prSet presAssocID="{305EACD8-8876-47DB-8C53-7634FA480B03}" presName="connTx" presStyleLbl="parChTrans1D2" presStyleIdx="1" presStyleCnt="3"/>
       <dgm:spPr/>
+      <dgm:t>
+        <a:bodyPr/>
+        <a:lstStyle/>
+        <a:p>
+          <a:endParaRPr lang="zh-CN" altLang="en-US"/>
+        </a:p>
+      </dgm:t>
     </dgm:pt>
     <dgm:pt modelId="{FA996465-8E7B-4EB3-9D8C-79FA7CF00621}" type="pres">
       <dgm:prSet presAssocID="{0102CCC0-8165-4BEF-B5C5-31FEDDCBDC7D}" presName="root2" presStyleCnt="0"/>
@@ -1912,6 +1959,13 @@
         </dgm:presLayoutVars>
       </dgm:prSet>
       <dgm:spPr/>
+      <dgm:t>
+        <a:bodyPr/>
+        <a:lstStyle/>
+        <a:p>
+          <a:endParaRPr lang="zh-CN" altLang="en-US"/>
+        </a:p>
+      </dgm:t>
     </dgm:pt>
     <dgm:pt modelId="{D352F347-A0F2-4C34-8888-9ED30CD74309}" type="pres">
       <dgm:prSet presAssocID="{0102CCC0-8165-4BEF-B5C5-31FEDDCBDC7D}" presName="level3hierChild" presStyleCnt="0"/>
@@ -1920,10 +1974,24 @@
     <dgm:pt modelId="{83BB3D20-FB18-4C29-B248-C0F41A241F13}" type="pres">
       <dgm:prSet presAssocID="{2B1859B5-2FC3-4BF6-A387-4A5A62F7AE91}" presName="conn2-1" presStyleLbl="parChTrans1D2" presStyleIdx="2" presStyleCnt="3"/>
       <dgm:spPr/>
+      <dgm:t>
+        <a:bodyPr/>
+        <a:lstStyle/>
+        <a:p>
+          <a:endParaRPr lang="zh-CN" altLang="en-US"/>
+        </a:p>
+      </dgm:t>
     </dgm:pt>
     <dgm:pt modelId="{22BD1FEC-A04C-449C-B265-875822E308F6}" type="pres">
       <dgm:prSet presAssocID="{2B1859B5-2FC3-4BF6-A387-4A5A62F7AE91}" presName="connTx" presStyleLbl="parChTrans1D2" presStyleIdx="2" presStyleCnt="3"/>
       <dgm:spPr/>
+      <dgm:t>
+        <a:bodyPr/>
+        <a:lstStyle/>
+        <a:p>
+          <a:endParaRPr lang="zh-CN" altLang="en-US"/>
+        </a:p>
+      </dgm:t>
     </dgm:pt>
     <dgm:pt modelId="{14F7DEC3-37CF-42AD-A3CD-5DC153CA655A}" type="pres">
       <dgm:prSet presAssocID="{858A6E9C-FF22-4999-824A-01F158BCDD4C}" presName="root2" presStyleCnt="0"/>
@@ -1936,6 +2004,13 @@
         </dgm:presLayoutVars>
       </dgm:prSet>
       <dgm:spPr/>
+      <dgm:t>
+        <a:bodyPr/>
+        <a:lstStyle/>
+        <a:p>
+          <a:endParaRPr lang="zh-CN" altLang="en-US"/>
+        </a:p>
+      </dgm:t>
     </dgm:pt>
     <dgm:pt modelId="{D537618B-F2FB-4448-A130-77153190B687}" type="pres">
       <dgm:prSet presAssocID="{858A6E9C-FF22-4999-824A-01F158BCDD4C}" presName="level3hierChild" presStyleCnt="0"/>
@@ -1943,16 +2018,16 @@
     </dgm:pt>
   </dgm:ptLst>
   <dgm:cxnLst>
+    <dgm:cxn modelId="{BB78365C-B1E3-4703-9B00-CD49B0EAF0DE}" type="presOf" srcId="{305EACD8-8876-47DB-8C53-7634FA480B03}" destId="{5E93B04E-333C-4D96-9DBF-8147B7D1EA74}" srcOrd="0" destOrd="0" presId="urn:microsoft.com/office/officeart/2008/layout/HorizontalMultiLevelHierarchy"/>
     <dgm:cxn modelId="{5099ED9E-337C-446E-9D2A-08CCE6E53BEA}" srcId="{9B8B68BB-3CDC-41CF-AD78-B3B1B19057E5}" destId="{A6204115-CCE4-4260-BF50-775C1D0CF95B}" srcOrd="0" destOrd="0" parTransId="{47A04AB9-AD0F-4F8B-A680-F75DAC304B94}" sibTransId="{E709EFA1-8891-4CFD-B3A4-FF36B5243B73}"/>
-    <dgm:cxn modelId="{BB78365C-B1E3-4703-9B00-CD49B0EAF0DE}" type="presOf" srcId="{305EACD8-8876-47DB-8C53-7634FA480B03}" destId="{5E93B04E-333C-4D96-9DBF-8147B7D1EA74}" srcOrd="0" destOrd="0" presId="urn:microsoft.com/office/officeart/2008/layout/HorizontalMultiLevelHierarchy"/>
     <dgm:cxn modelId="{B03DE477-0FB3-4595-B349-5F45B2626104}" type="presOf" srcId="{2B1859B5-2FC3-4BF6-A387-4A5A62F7AE91}" destId="{83BB3D20-FB18-4C29-B248-C0F41A241F13}" srcOrd="0" destOrd="0" presId="urn:microsoft.com/office/officeart/2008/layout/HorizontalMultiLevelHierarchy"/>
     <dgm:cxn modelId="{95DF7170-0B63-4D23-A325-C24FFF63BCB5}" type="presOf" srcId="{EE4680F9-06B5-4DED-BDFD-55056F3EAFC2}" destId="{156F8620-5305-484C-A4E3-50942FBFF9F3}" srcOrd="0" destOrd="0" presId="urn:microsoft.com/office/officeart/2008/layout/HorizontalMultiLevelHierarchy"/>
     <dgm:cxn modelId="{1509A302-D452-4B69-A618-D532E60F8DD6}" type="presOf" srcId="{47A04AB9-AD0F-4F8B-A680-F75DAC304B94}" destId="{04396718-57EE-412B-97BB-708643BBB34D}" srcOrd="0" destOrd="0" presId="urn:microsoft.com/office/officeart/2008/layout/HorizontalMultiLevelHierarchy"/>
+    <dgm:cxn modelId="{EBCEF568-5A4E-4C38-8B6E-E7688D832678}" type="presOf" srcId="{2B1859B5-2FC3-4BF6-A387-4A5A62F7AE91}" destId="{22BD1FEC-A04C-449C-B265-875822E308F6}" srcOrd="1" destOrd="0" presId="urn:microsoft.com/office/officeart/2008/layout/HorizontalMultiLevelHierarchy"/>
     <dgm:cxn modelId="{AF4C078D-16D5-4F50-8223-D72A2F45B8BB}" srcId="{9B8B68BB-3CDC-41CF-AD78-B3B1B19057E5}" destId="{858A6E9C-FF22-4999-824A-01F158BCDD4C}" srcOrd="2" destOrd="0" parTransId="{2B1859B5-2FC3-4BF6-A387-4A5A62F7AE91}" sibTransId="{C38E2D7C-0F3B-4957-B2A6-5188047058FC}"/>
-    <dgm:cxn modelId="{EBCEF568-5A4E-4C38-8B6E-E7688D832678}" type="presOf" srcId="{2B1859B5-2FC3-4BF6-A387-4A5A62F7AE91}" destId="{22BD1FEC-A04C-449C-B265-875822E308F6}" srcOrd="1" destOrd="0" presId="urn:microsoft.com/office/officeart/2008/layout/HorizontalMultiLevelHierarchy"/>
     <dgm:cxn modelId="{B03DD264-3EF9-4E60-BBF5-BFF0AC6100D7}" type="presOf" srcId="{A6204115-CCE4-4260-BF50-775C1D0CF95B}" destId="{12AE114C-10C4-466C-ADA3-CA814540A2CB}" srcOrd="0" destOrd="0" presId="urn:microsoft.com/office/officeart/2008/layout/HorizontalMultiLevelHierarchy"/>
+    <dgm:cxn modelId="{1202594E-2048-434E-BE17-BF608968D4E3}" type="presOf" srcId="{0102CCC0-8165-4BEF-B5C5-31FEDDCBDC7D}" destId="{3267E95E-7CEA-42FF-BB3D-3DA4D1EFAE3D}" srcOrd="0" destOrd="0" presId="urn:microsoft.com/office/officeart/2008/layout/HorizontalMultiLevelHierarchy"/>
     <dgm:cxn modelId="{7683B2EF-4DA0-483D-915D-745366682508}" srcId="{EE4680F9-06B5-4DED-BDFD-55056F3EAFC2}" destId="{9B8B68BB-3CDC-41CF-AD78-B3B1B19057E5}" srcOrd="0" destOrd="0" parTransId="{C2E630BF-82FC-40EB-86ED-2DA79B9B690F}" sibTransId="{8296BAB7-C774-41C5-9C8F-A3665D87EA7B}"/>
-    <dgm:cxn modelId="{1202594E-2048-434E-BE17-BF608968D4E3}" type="presOf" srcId="{0102CCC0-8165-4BEF-B5C5-31FEDDCBDC7D}" destId="{3267E95E-7CEA-42FF-BB3D-3DA4D1EFAE3D}" srcOrd="0" destOrd="0" presId="urn:microsoft.com/office/officeart/2008/layout/HorizontalMultiLevelHierarchy"/>
     <dgm:cxn modelId="{2020F5D3-CBB8-4155-B1D2-5F6D0EABEB1C}" type="presOf" srcId="{47A04AB9-AD0F-4F8B-A680-F75DAC304B94}" destId="{B76398EA-8BF5-46ED-A85C-7283BF941250}" srcOrd="1" destOrd="0" presId="urn:microsoft.com/office/officeart/2008/layout/HorizontalMultiLevelHierarchy"/>
     <dgm:cxn modelId="{DF400CF8-FF44-4C2E-A74D-A4CFB90691C9}" type="presOf" srcId="{9B8B68BB-3CDC-41CF-AD78-B3B1B19057E5}" destId="{59102918-C228-4A6A-B028-7898CBB20BDA}" srcOrd="0" destOrd="0" presId="urn:microsoft.com/office/officeart/2008/layout/HorizontalMultiLevelHierarchy"/>
     <dgm:cxn modelId="{D0053163-B348-4BAB-92DE-22654994CF19}" type="presOf" srcId="{305EACD8-8876-47DB-8C53-7634FA480B03}" destId="{642E07E5-8C36-4D95-BC32-02C2E4F37C1E}" srcOrd="1" destOrd="0" presId="urn:microsoft.com/office/officeart/2008/layout/HorizontalMultiLevelHierarchy"/>
@@ -2283,8 +2358,8 @@
       </dsp:nvSpPr>
       <dsp:spPr>
         <a:xfrm>
-          <a:off x="815302" y="1183331"/>
-          <a:ext cx="294980" cy="562082"/>
+          <a:off x="988259" y="1143749"/>
+          <a:ext cx="285113" cy="543281"/>
         </a:xfrm>
         <a:custGeom>
           <a:avLst/>
@@ -2298,13 +2373,13 @@
                 <a:pt x="0" y="0"/>
               </a:moveTo>
               <a:lnTo>
-                <a:pt x="147490" y="0"/>
+                <a:pt x="142556" y="0"/>
               </a:lnTo>
               <a:lnTo>
-                <a:pt x="147490" y="562082"/>
+                <a:pt x="142556" y="543281"/>
               </a:lnTo>
               <a:lnTo>
-                <a:pt x="294980" y="562082"/>
+                <a:pt x="285113" y="543281"/>
               </a:lnTo>
             </a:path>
           </a:pathLst>
@@ -2358,8 +2433,8 @@
         </a:p>
       </dsp:txBody>
       <dsp:txXfrm>
-        <a:off x="946923" y="1448503"/>
-        <a:ext cx="31739" cy="31739"/>
+        <a:off x="1115477" y="1400051"/>
+        <a:ext cx="30677" cy="30677"/>
       </dsp:txXfrm>
     </dsp:sp>
     <dsp:sp modelId="{5E93B04E-333C-4D96-9DBF-8147B7D1EA74}">
@@ -2369,8 +2444,8 @@
       </dsp:nvSpPr>
       <dsp:spPr>
         <a:xfrm>
-          <a:off x="815302" y="1137611"/>
-          <a:ext cx="294980" cy="91440"/>
+          <a:off x="988259" y="1098029"/>
+          <a:ext cx="285113" cy="91440"/>
         </a:xfrm>
         <a:custGeom>
           <a:avLst/>
@@ -2384,7 +2459,7 @@
                 <a:pt x="0" y="45720"/>
               </a:moveTo>
               <a:lnTo>
-                <a:pt x="294980" y="45720"/>
+                <a:pt x="285113" y="45720"/>
               </a:lnTo>
             </a:path>
           </a:pathLst>
@@ -2438,8 +2513,8 @@
         </a:p>
       </dsp:txBody>
       <dsp:txXfrm>
-        <a:off x="955418" y="1175956"/>
-        <a:ext cx="14749" cy="14749"/>
+        <a:off x="1123688" y="1136621"/>
+        <a:ext cx="14255" cy="14255"/>
       </dsp:txXfrm>
     </dsp:sp>
     <dsp:sp modelId="{04396718-57EE-412B-97BB-708643BBB34D}">
@@ -2449,8 +2524,8 @@
       </dsp:nvSpPr>
       <dsp:spPr>
         <a:xfrm>
-          <a:off x="815302" y="621249"/>
-          <a:ext cx="294980" cy="562082"/>
+          <a:off x="988259" y="600468"/>
+          <a:ext cx="285113" cy="543281"/>
         </a:xfrm>
         <a:custGeom>
           <a:avLst/>
@@ -2461,16 +2536,16 @@
           <a:pathLst>
             <a:path>
               <a:moveTo>
-                <a:pt x="0" y="562082"/>
+                <a:pt x="0" y="543281"/>
               </a:moveTo>
               <a:lnTo>
-                <a:pt x="147490" y="562082"/>
+                <a:pt x="142556" y="543281"/>
               </a:lnTo>
               <a:lnTo>
-                <a:pt x="147490" y="0"/>
+                <a:pt x="142556" y="0"/>
               </a:lnTo>
               <a:lnTo>
-                <a:pt x="294980" y="0"/>
+                <a:pt x="285113" y="0"/>
               </a:lnTo>
             </a:path>
           </a:pathLst>
@@ -2524,8 +2599,8 @@
         </a:p>
       </dsp:txBody>
       <dsp:txXfrm>
-        <a:off x="946923" y="886420"/>
-        <a:ext cx="31739" cy="31739"/>
+        <a:off x="1115477" y="856770"/>
+        <a:ext cx="30677" cy="30677"/>
       </dsp:txXfrm>
     </dsp:sp>
     <dsp:sp modelId="{59102918-C228-4A6A-B028-7898CBB20BDA}">
@@ -2535,8 +2610,8 @@
       </dsp:nvSpPr>
       <dsp:spPr>
         <a:xfrm rot="16200000">
-          <a:off x="-592861" y="958498"/>
-          <a:ext cx="2366663" cy="449665"/>
+          <a:off x="-372802" y="926437"/>
+          <a:ext cx="2287499" cy="434624"/>
         </a:xfrm>
         <a:prstGeom prst="rect">
           <a:avLst/>
@@ -2606,12 +2681,12 @@
         </a:fontRef>
       </dsp:style>
       <dsp:txBody>
-        <a:bodyPr spcFirstLastPara="0" vert="horz" wrap="square" lIns="15240" tIns="15240" rIns="15240" bIns="15240" numCol="1" spcCol="1270" anchor="ctr" anchorCtr="0">
+        <a:bodyPr spcFirstLastPara="0" vert="horz" wrap="square" lIns="14605" tIns="14605" rIns="14605" bIns="14605" numCol="1" spcCol="1270" anchor="ctr" anchorCtr="0">
           <a:noAutofit/>
         </a:bodyPr>
         <a:lstStyle/>
         <a:p>
-          <a:pPr lvl="0" algn="ctr" defTabSz="1066800">
+          <a:pPr lvl="0" algn="ctr" defTabSz="1022350">
             <a:lnSpc>
               <a:spcPct val="90000"/>
             </a:lnSpc>
@@ -2623,21 +2698,21 @@
             </a:spcAft>
           </a:pPr>
           <a:r>
-            <a:rPr lang="zh-CN" altLang="en-US" sz="2400" kern="1200" dirty="0" smtClean="0">
+            <a:rPr lang="zh-CN" altLang="en-US" sz="2300" kern="1200" dirty="0" smtClean="0">
               <a:latin typeface="华文中宋" panose="02010600040101010101" pitchFamily="2" charset="-122"/>
               <a:ea typeface="华文中宋" panose="02010600040101010101" pitchFamily="2" charset="-122"/>
             </a:rPr>
             <a:t>时间</a:t>
           </a:r>
-          <a:endParaRPr lang="zh-CN" altLang="en-US" sz="2400" kern="1200" dirty="0">
+          <a:endParaRPr lang="zh-CN" altLang="en-US" sz="2300" kern="1200" dirty="0">
             <a:latin typeface="华文中宋" panose="02010600040101010101" pitchFamily="2" charset="-122"/>
             <a:ea typeface="华文中宋" panose="02010600040101010101" pitchFamily="2" charset="-122"/>
           </a:endParaRPr>
         </a:p>
       </dsp:txBody>
       <dsp:txXfrm>
-        <a:off x="-592861" y="958498"/>
-        <a:ext cx="2366663" cy="449665"/>
+        <a:off x="-372802" y="926437"/>
+        <a:ext cx="2287499" cy="434624"/>
       </dsp:txXfrm>
     </dsp:sp>
     <dsp:sp modelId="{12AE114C-10C4-466C-ADA3-CA814540A2CB}">
@@ -2647,8 +2722,8 @@
       </dsp:nvSpPr>
       <dsp:spPr>
         <a:xfrm>
-          <a:off x="1110283" y="396416"/>
-          <a:ext cx="1474904" cy="449665"/>
+          <a:off x="1273373" y="383156"/>
+          <a:ext cx="1425569" cy="434624"/>
         </a:xfrm>
         <a:prstGeom prst="rect">
           <a:avLst/>
@@ -2718,12 +2793,12 @@
         </a:fontRef>
       </dsp:style>
       <dsp:txBody>
-        <a:bodyPr spcFirstLastPara="0" vert="horz" wrap="square" lIns="12065" tIns="12065" rIns="12065" bIns="12065" numCol="1" spcCol="1270" anchor="ctr" anchorCtr="0">
+        <a:bodyPr spcFirstLastPara="0" vert="horz" wrap="square" lIns="11430" tIns="11430" rIns="11430" bIns="11430" numCol="1" spcCol="1270" anchor="ctr" anchorCtr="0">
           <a:noAutofit/>
         </a:bodyPr>
         <a:lstStyle/>
         <a:p>
-          <a:pPr lvl="0" algn="ctr" defTabSz="844550">
+          <a:pPr lvl="0" algn="ctr" defTabSz="800100">
             <a:lnSpc>
               <a:spcPct val="90000"/>
             </a:lnSpc>
@@ -2735,21 +2810,21 @@
             </a:spcAft>
           </a:pPr>
           <a:r>
-            <a:rPr lang="zh-CN" altLang="en-US" sz="1900" kern="1200" dirty="0" smtClean="0">
+            <a:rPr lang="zh-CN" altLang="en-US" sz="1800" kern="1200" dirty="0" smtClean="0">
               <a:latin typeface="华文中宋" panose="02010600040101010101" pitchFamily="2" charset="-122"/>
               <a:ea typeface="华文中宋" panose="02010600040101010101" pitchFamily="2" charset="-122"/>
             </a:rPr>
             <a:t>测试用例选择</a:t>
           </a:r>
-          <a:endParaRPr lang="zh-CN" altLang="en-US" sz="1900" kern="1200" dirty="0">
+          <a:endParaRPr lang="zh-CN" altLang="en-US" sz="1800" kern="1200" dirty="0">
             <a:latin typeface="华文中宋" panose="02010600040101010101" pitchFamily="2" charset="-122"/>
             <a:ea typeface="华文中宋" panose="02010600040101010101" pitchFamily="2" charset="-122"/>
           </a:endParaRPr>
         </a:p>
       </dsp:txBody>
       <dsp:txXfrm>
-        <a:off x="1110283" y="396416"/>
-        <a:ext cx="1474904" cy="449665"/>
+        <a:off x="1273373" y="383156"/>
+        <a:ext cx="1425569" cy="434624"/>
       </dsp:txXfrm>
     </dsp:sp>
     <dsp:sp modelId="{3267E95E-7CEA-42FF-BB3D-3DA4D1EFAE3D}">
@@ -2759,8 +2834,8 @@
       </dsp:nvSpPr>
       <dsp:spPr>
         <a:xfrm>
-          <a:off x="1110283" y="958498"/>
-          <a:ext cx="1474904" cy="449665"/>
+          <a:off x="1273373" y="926437"/>
+          <a:ext cx="1425569" cy="434624"/>
         </a:xfrm>
         <a:prstGeom prst="rect">
           <a:avLst/>
@@ -2830,12 +2905,12 @@
         </a:fontRef>
       </dsp:style>
       <dsp:txBody>
-        <a:bodyPr spcFirstLastPara="0" vert="horz" wrap="square" lIns="12065" tIns="12065" rIns="12065" bIns="12065" numCol="1" spcCol="1270" anchor="ctr" anchorCtr="0">
+        <a:bodyPr spcFirstLastPara="0" vert="horz" wrap="square" lIns="11430" tIns="11430" rIns="11430" bIns="11430" numCol="1" spcCol="1270" anchor="ctr" anchorCtr="0">
           <a:noAutofit/>
         </a:bodyPr>
         <a:lstStyle/>
         <a:p>
-          <a:pPr lvl="0" algn="ctr" defTabSz="844550">
+          <a:pPr lvl="0" algn="ctr" defTabSz="800100">
             <a:lnSpc>
               <a:spcPct val="90000"/>
             </a:lnSpc>
@@ -2847,21 +2922,21 @@
             </a:spcAft>
           </a:pPr>
           <a:r>
-            <a:rPr lang="zh-CN" altLang="en-US" sz="1900" kern="1200" dirty="0" smtClean="0">
+            <a:rPr lang="zh-CN" altLang="en-US" sz="1800" kern="1200" dirty="0" smtClean="0">
               <a:latin typeface="华文中宋" panose="02010600040101010101" pitchFamily="2" charset="-122"/>
               <a:ea typeface="华文中宋" panose="02010600040101010101" pitchFamily="2" charset="-122"/>
             </a:rPr>
             <a:t>测试用例生成</a:t>
           </a:r>
-          <a:endParaRPr lang="zh-CN" altLang="en-US" sz="1900" kern="1200" dirty="0">
+          <a:endParaRPr lang="zh-CN" altLang="en-US" sz="1800" kern="1200" dirty="0">
             <a:latin typeface="华文中宋" panose="02010600040101010101" pitchFamily="2" charset="-122"/>
             <a:ea typeface="华文中宋" panose="02010600040101010101" pitchFamily="2" charset="-122"/>
           </a:endParaRPr>
         </a:p>
       </dsp:txBody>
       <dsp:txXfrm>
-        <a:off x="1110283" y="958498"/>
-        <a:ext cx="1474904" cy="449665"/>
+        <a:off x="1273373" y="926437"/>
+        <a:ext cx="1425569" cy="434624"/>
       </dsp:txXfrm>
     </dsp:sp>
     <dsp:sp modelId="{F703AEAE-5006-4F0C-8F8B-67E391796F55}">
@@ -2871,8 +2946,8 @@
       </dsp:nvSpPr>
       <dsp:spPr>
         <a:xfrm>
-          <a:off x="1110283" y="1520580"/>
-          <a:ext cx="1474904" cy="449665"/>
+          <a:off x="1273373" y="1469718"/>
+          <a:ext cx="1425569" cy="434624"/>
         </a:xfrm>
         <a:prstGeom prst="rect">
           <a:avLst/>
@@ -2942,12 +3017,12 @@
         </a:fontRef>
       </dsp:style>
       <dsp:txBody>
-        <a:bodyPr spcFirstLastPara="0" vert="horz" wrap="square" lIns="12065" tIns="12065" rIns="12065" bIns="12065" numCol="1" spcCol="1270" anchor="ctr" anchorCtr="0">
+        <a:bodyPr spcFirstLastPara="0" vert="horz" wrap="square" lIns="11430" tIns="11430" rIns="11430" bIns="11430" numCol="1" spcCol="1270" anchor="ctr" anchorCtr="0">
           <a:noAutofit/>
         </a:bodyPr>
         <a:lstStyle/>
         <a:p>
-          <a:pPr lvl="0" algn="ctr" defTabSz="844550">
+          <a:pPr lvl="0" algn="ctr" defTabSz="800100">
             <a:lnSpc>
               <a:spcPct val="90000"/>
             </a:lnSpc>
@@ -2959,21 +3034,21 @@
             </a:spcAft>
           </a:pPr>
           <a:r>
-            <a:rPr lang="zh-CN" altLang="en-US" sz="1900" kern="1200" dirty="0" smtClean="0">
+            <a:rPr lang="zh-CN" altLang="en-US" sz="1800" kern="1200" dirty="0" smtClean="0">
               <a:latin typeface="华文中宋" panose="02010600040101010101" pitchFamily="2" charset="-122"/>
               <a:ea typeface="华文中宋" panose="02010600040101010101" pitchFamily="2" charset="-122"/>
             </a:rPr>
             <a:t>测试用例执行</a:t>
           </a:r>
-          <a:endParaRPr lang="zh-CN" altLang="en-US" sz="1900" kern="1200" dirty="0">
+          <a:endParaRPr lang="zh-CN" altLang="en-US" sz="1800" kern="1200" dirty="0">
             <a:latin typeface="华文中宋" panose="02010600040101010101" pitchFamily="2" charset="-122"/>
             <a:ea typeface="华文中宋" panose="02010600040101010101" pitchFamily="2" charset="-122"/>
           </a:endParaRPr>
         </a:p>
       </dsp:txBody>
       <dsp:txXfrm>
-        <a:off x="1110283" y="1520580"/>
-        <a:ext cx="1474904" cy="449665"/>
+        <a:off x="1273373" y="1469718"/>
+        <a:ext cx="1425569" cy="434624"/>
       </dsp:txXfrm>
     </dsp:sp>
   </dsp:spTree>
@@ -6223,7 +6298,7 @@
           <a:p>
             <a:fld id="{EAB2F113-03FF-4000-84C1-AC53D350CB9E}" type="datetimeFigureOut">
               <a:rPr lang="zh-CN" altLang="en-US" smtClean="0"/>
-              <a:t>2019/9/5</a:t>
+              <a:t>2019/9/10</a:t>
             </a:fld>
             <a:endParaRPr lang="zh-CN" altLang="en-US"/>
           </a:p>
@@ -6638,7 +6713,7 @@
           <a:p>
             <a:fld id="{F83BAC30-0A52-4917-A8C1-96351948BD0A}" type="datetimeFigureOut">
               <a:rPr lang="zh-CN" altLang="en-US" smtClean="0"/>
-              <a:t>2019/9/5</a:t>
+              <a:t>2019/9/10</a:t>
             </a:fld>
             <a:endParaRPr lang="zh-CN" altLang="en-US"/>
           </a:p>
@@ -6836,7 +6911,7 @@
           <a:p>
             <a:fld id="{F83BAC30-0A52-4917-A8C1-96351948BD0A}" type="datetimeFigureOut">
               <a:rPr lang="zh-CN" altLang="en-US" smtClean="0"/>
-              <a:t>2019/9/5</a:t>
+              <a:t>2019/9/10</a:t>
             </a:fld>
             <a:endParaRPr lang="zh-CN" altLang="en-US"/>
           </a:p>
@@ -7044,7 +7119,7 @@
           <a:p>
             <a:fld id="{F83BAC30-0A52-4917-A8C1-96351948BD0A}" type="datetimeFigureOut">
               <a:rPr lang="zh-CN" altLang="en-US" smtClean="0"/>
-              <a:t>2019/9/5</a:t>
+              <a:t>2019/9/10</a:t>
             </a:fld>
             <a:endParaRPr lang="zh-CN" altLang="en-US"/>
           </a:p>
@@ -7147,1811 +7222,6 @@
 </p:sldLayout>
 </file>
 
-<file path=ppt/slideLayouts/slideLayout13.xml><?xml version="1.0" encoding="utf-8"?>
-<p:sldLayout xmlns:a="http://schemas.openxmlformats.org/drawingml/2006/main" xmlns:r="http://schemas.openxmlformats.org/officeDocument/2006/relationships" xmlns:p="http://schemas.openxmlformats.org/presentationml/2006/main" type="title" preserve="1">
-  <p:cSld name="标题幻灯片">
-    <p:spTree>
-      <p:nvGrpSpPr>
-        <p:cNvPr id="1" name=""/>
-        <p:cNvGrpSpPr/>
-        <p:nvPr/>
-      </p:nvGrpSpPr>
-      <p:grpSpPr>
-        <a:xfrm>
-          <a:off x="0" y="0"/>
-          <a:ext cx="0" cy="0"/>
-          <a:chOff x="0" y="0"/>
-          <a:chExt cx="0" cy="0"/>
-        </a:xfrm>
-      </p:grpSpPr>
-      <p:sp>
-        <p:nvSpPr>
-          <p:cNvPr id="2" name="标题 1"/>
-          <p:cNvSpPr>
-            <a:spLocks noGrp="1"/>
-          </p:cNvSpPr>
-          <p:nvPr>
-            <p:ph type="ctrTitle"/>
-          </p:nvPr>
-        </p:nvSpPr>
-        <p:spPr>
-          <a:xfrm>
-            <a:off x="914400" y="2130426"/>
-            <a:ext cx="10363200" cy="1470025"/>
-          </a:xfrm>
-        </p:spPr>
-        <p:txBody>
-          <a:bodyPr/>
-          <a:lstStyle/>
-          <a:p>
-            <a:r>
-              <a:rPr lang="zh-CN" altLang="en-US" smtClean="0"/>
-              <a:t>单击此处编辑母版标题样式</a:t>
-            </a:r>
-            <a:endParaRPr lang="zh-CN" altLang="en-US"/>
-          </a:p>
-        </p:txBody>
-      </p:sp>
-      <p:sp>
-        <p:nvSpPr>
-          <p:cNvPr id="3" name="副标题 2"/>
-          <p:cNvSpPr>
-            <a:spLocks noGrp="1"/>
-          </p:cNvSpPr>
-          <p:nvPr>
-            <p:ph type="subTitle" idx="1"/>
-          </p:nvPr>
-        </p:nvSpPr>
-        <p:spPr>
-          <a:xfrm>
-            <a:off x="1828800" y="3886200"/>
-            <a:ext cx="8534400" cy="1752600"/>
-          </a:xfrm>
-        </p:spPr>
-        <p:txBody>
-          <a:bodyPr/>
-          <a:lstStyle>
-            <a:lvl1pPr marL="0" indent="0" algn="ctr">
-              <a:buNone/>
-              <a:defRPr>
-                <a:solidFill>
-                  <a:schemeClr val="tx1">
-                    <a:tint val="75000"/>
-                  </a:schemeClr>
-                </a:solidFill>
-              </a:defRPr>
-            </a:lvl1pPr>
-            <a:lvl2pPr marL="457200" indent="0" algn="ctr">
-              <a:buNone/>
-              <a:defRPr>
-                <a:solidFill>
-                  <a:schemeClr val="tx1">
-                    <a:tint val="75000"/>
-                  </a:schemeClr>
-                </a:solidFill>
-              </a:defRPr>
-            </a:lvl2pPr>
-            <a:lvl3pPr marL="914400" indent="0" algn="ctr">
-              <a:buNone/>
-              <a:defRPr>
-                <a:solidFill>
-                  <a:schemeClr val="tx1">
-                    <a:tint val="75000"/>
-                  </a:schemeClr>
-                </a:solidFill>
-              </a:defRPr>
-            </a:lvl3pPr>
-            <a:lvl4pPr marL="1371600" indent="0" algn="ctr">
-              <a:buNone/>
-              <a:defRPr>
-                <a:solidFill>
-                  <a:schemeClr val="tx1">
-                    <a:tint val="75000"/>
-                  </a:schemeClr>
-                </a:solidFill>
-              </a:defRPr>
-            </a:lvl4pPr>
-            <a:lvl5pPr marL="1828800" indent="0" algn="ctr">
-              <a:buNone/>
-              <a:defRPr>
-                <a:solidFill>
-                  <a:schemeClr val="tx1">
-                    <a:tint val="75000"/>
-                  </a:schemeClr>
-                </a:solidFill>
-              </a:defRPr>
-            </a:lvl5pPr>
-            <a:lvl6pPr marL="2286000" indent="0" algn="ctr">
-              <a:buNone/>
-              <a:defRPr>
-                <a:solidFill>
-                  <a:schemeClr val="tx1">
-                    <a:tint val="75000"/>
-                  </a:schemeClr>
-                </a:solidFill>
-              </a:defRPr>
-            </a:lvl6pPr>
-            <a:lvl7pPr marL="2743200" indent="0" algn="ctr">
-              <a:buNone/>
-              <a:defRPr>
-                <a:solidFill>
-                  <a:schemeClr val="tx1">
-                    <a:tint val="75000"/>
-                  </a:schemeClr>
-                </a:solidFill>
-              </a:defRPr>
-            </a:lvl7pPr>
-            <a:lvl8pPr marL="3200400" indent="0" algn="ctr">
-              <a:buNone/>
-              <a:defRPr>
-                <a:solidFill>
-                  <a:schemeClr val="tx1">
-                    <a:tint val="75000"/>
-                  </a:schemeClr>
-                </a:solidFill>
-              </a:defRPr>
-            </a:lvl8pPr>
-            <a:lvl9pPr marL="3657600" indent="0" algn="ctr">
-              <a:buNone/>
-              <a:defRPr>
-                <a:solidFill>
-                  <a:schemeClr val="tx1">
-                    <a:tint val="75000"/>
-                  </a:schemeClr>
-                </a:solidFill>
-              </a:defRPr>
-            </a:lvl9pPr>
-          </a:lstStyle>
-          <a:p>
-            <a:r>
-              <a:rPr lang="zh-CN" altLang="en-US" smtClean="0"/>
-              <a:t>单击此处编辑母版副标题样式</a:t>
-            </a:r>
-            <a:endParaRPr lang="zh-CN" altLang="en-US"/>
-          </a:p>
-        </p:txBody>
-      </p:sp>
-      <p:sp>
-        <p:nvSpPr>
-          <p:cNvPr id="4" name="日期占位符 3"/>
-          <p:cNvSpPr>
-            <a:spLocks noGrp="1"/>
-          </p:cNvSpPr>
-          <p:nvPr>
-            <p:ph type="dt" sz="half" idx="10"/>
-          </p:nvPr>
-        </p:nvSpPr>
-        <p:spPr/>
-        <p:txBody>
-          <a:bodyPr/>
-          <a:lstStyle/>
-          <a:p>
-            <a:fld id="{530820CF-B880-4189-942D-D702A7CBA730}" type="datetimeFigureOut">
-              <a:rPr lang="zh-CN" altLang="en-US" smtClean="0">
-                <a:solidFill>
-                  <a:prstClr val="black">
-                    <a:tint val="75000"/>
-                  </a:prstClr>
-                </a:solidFill>
-              </a:rPr>
-              <a:pPr/>
-              <a:t>2019/9/5</a:t>
-            </a:fld>
-            <a:endParaRPr lang="zh-CN" altLang="en-US">
-              <a:solidFill>
-                <a:prstClr val="black">
-                  <a:tint val="75000"/>
-                </a:prstClr>
-              </a:solidFill>
-            </a:endParaRPr>
-          </a:p>
-        </p:txBody>
-      </p:sp>
-      <p:sp>
-        <p:nvSpPr>
-          <p:cNvPr id="5" name="页脚占位符 4"/>
-          <p:cNvSpPr>
-            <a:spLocks noGrp="1"/>
-          </p:cNvSpPr>
-          <p:nvPr>
-            <p:ph type="ftr" sz="quarter" idx="11"/>
-          </p:nvPr>
-        </p:nvSpPr>
-        <p:spPr/>
-        <p:txBody>
-          <a:bodyPr/>
-          <a:lstStyle/>
-          <a:p>
-            <a:endParaRPr lang="zh-CN" altLang="en-US">
-              <a:solidFill>
-                <a:prstClr val="black">
-                  <a:tint val="75000"/>
-                </a:prstClr>
-              </a:solidFill>
-            </a:endParaRPr>
-          </a:p>
-        </p:txBody>
-      </p:sp>
-      <p:sp>
-        <p:nvSpPr>
-          <p:cNvPr id="6" name="灯片编号占位符 5"/>
-          <p:cNvSpPr>
-            <a:spLocks noGrp="1"/>
-          </p:cNvSpPr>
-          <p:nvPr>
-            <p:ph type="sldNum" sz="quarter" idx="12"/>
-          </p:nvPr>
-        </p:nvSpPr>
-        <p:spPr/>
-        <p:txBody>
-          <a:bodyPr/>
-          <a:lstStyle/>
-          <a:p>
-            <a:fld id="{0C913308-F349-4B6D-A68A-DD1791B4A57B}" type="slidenum">
-              <a:rPr lang="zh-CN" altLang="en-US" smtClean="0">
-                <a:solidFill>
-                  <a:prstClr val="black">
-                    <a:tint val="75000"/>
-                  </a:prstClr>
-                </a:solidFill>
-              </a:rPr>
-              <a:pPr/>
-              <a:t>‹#›</a:t>
-            </a:fld>
-            <a:endParaRPr lang="zh-CN" altLang="en-US">
-              <a:solidFill>
-                <a:prstClr val="black">
-                  <a:tint val="75000"/>
-                </a:prstClr>
-              </a:solidFill>
-            </a:endParaRPr>
-          </a:p>
-        </p:txBody>
-      </p:sp>
-    </p:spTree>
-    <p:extLst>
-      <p:ext uri="{BB962C8B-B14F-4D97-AF65-F5344CB8AC3E}">
-        <p14:creationId xmlns:p14="http://schemas.microsoft.com/office/powerpoint/2010/main" val="1442866443"/>
-      </p:ext>
-    </p:extLst>
-  </p:cSld>
-  <p:clrMapOvr>
-    <a:masterClrMapping/>
-  </p:clrMapOvr>
-</p:sldLayout>
-</file>
-
-<file path=ppt/slideLayouts/slideLayout14.xml><?xml version="1.0" encoding="utf-8"?>
-<p:sldLayout xmlns:a="http://schemas.openxmlformats.org/drawingml/2006/main" xmlns:r="http://schemas.openxmlformats.org/officeDocument/2006/relationships" xmlns:p="http://schemas.openxmlformats.org/presentationml/2006/main" type="obj" preserve="1">
-  <p:cSld name="标题和内容">
-    <p:spTree>
-      <p:nvGrpSpPr>
-        <p:cNvPr id="1" name=""/>
-        <p:cNvGrpSpPr/>
-        <p:nvPr/>
-      </p:nvGrpSpPr>
-      <p:grpSpPr>
-        <a:xfrm>
-          <a:off x="0" y="0"/>
-          <a:ext cx="0" cy="0"/>
-          <a:chOff x="0" y="0"/>
-          <a:chExt cx="0" cy="0"/>
-        </a:xfrm>
-      </p:grpSpPr>
-      <p:sp>
-        <p:nvSpPr>
-          <p:cNvPr id="2" name="标题 1"/>
-          <p:cNvSpPr>
-            <a:spLocks noGrp="1"/>
-          </p:cNvSpPr>
-          <p:nvPr>
-            <p:ph type="title"/>
-          </p:nvPr>
-        </p:nvSpPr>
-        <p:spPr/>
-        <p:txBody>
-          <a:bodyPr/>
-          <a:lstStyle/>
-          <a:p>
-            <a:r>
-              <a:rPr lang="zh-CN" altLang="en-US" smtClean="0"/>
-              <a:t>单击此处编辑母版标题样式</a:t>
-            </a:r>
-            <a:endParaRPr lang="zh-CN" altLang="en-US"/>
-          </a:p>
-        </p:txBody>
-      </p:sp>
-      <p:sp>
-        <p:nvSpPr>
-          <p:cNvPr id="3" name="内容占位符 2"/>
-          <p:cNvSpPr>
-            <a:spLocks noGrp="1"/>
-          </p:cNvSpPr>
-          <p:nvPr>
-            <p:ph idx="1"/>
-          </p:nvPr>
-        </p:nvSpPr>
-        <p:spPr/>
-        <p:txBody>
-          <a:bodyPr/>
-          <a:lstStyle/>
-          <a:p>
-            <a:pPr lvl="0"/>
-            <a:r>
-              <a:rPr lang="zh-CN" altLang="en-US" smtClean="0"/>
-              <a:t>单击此处编辑母版文本样式</a:t>
-            </a:r>
-          </a:p>
-          <a:p>
-            <a:pPr lvl="1"/>
-            <a:r>
-              <a:rPr lang="zh-CN" altLang="en-US" smtClean="0"/>
-              <a:t>第二级</a:t>
-            </a:r>
-          </a:p>
-          <a:p>
-            <a:pPr lvl="2"/>
-            <a:r>
-              <a:rPr lang="zh-CN" altLang="en-US" smtClean="0"/>
-              <a:t>第三级</a:t>
-            </a:r>
-          </a:p>
-          <a:p>
-            <a:pPr lvl="3"/>
-            <a:r>
-              <a:rPr lang="zh-CN" altLang="en-US" smtClean="0"/>
-              <a:t>第四级</a:t>
-            </a:r>
-          </a:p>
-          <a:p>
-            <a:pPr lvl="4"/>
-            <a:r>
-              <a:rPr lang="zh-CN" altLang="en-US" smtClean="0"/>
-              <a:t>第五级</a:t>
-            </a:r>
-            <a:endParaRPr lang="zh-CN" altLang="en-US"/>
-          </a:p>
-        </p:txBody>
-      </p:sp>
-      <p:sp>
-        <p:nvSpPr>
-          <p:cNvPr id="4" name="日期占位符 3"/>
-          <p:cNvSpPr>
-            <a:spLocks noGrp="1"/>
-          </p:cNvSpPr>
-          <p:nvPr>
-            <p:ph type="dt" sz="half" idx="10"/>
-          </p:nvPr>
-        </p:nvSpPr>
-        <p:spPr/>
-        <p:txBody>
-          <a:bodyPr/>
-          <a:lstStyle/>
-          <a:p>
-            <a:fld id="{530820CF-B880-4189-942D-D702A7CBA730}" type="datetimeFigureOut">
-              <a:rPr lang="zh-CN" altLang="en-US" smtClean="0">
-                <a:solidFill>
-                  <a:prstClr val="black">
-                    <a:tint val="75000"/>
-                  </a:prstClr>
-                </a:solidFill>
-              </a:rPr>
-              <a:pPr/>
-              <a:t>2019/9/5</a:t>
-            </a:fld>
-            <a:endParaRPr lang="zh-CN" altLang="en-US">
-              <a:solidFill>
-                <a:prstClr val="black">
-                  <a:tint val="75000"/>
-                </a:prstClr>
-              </a:solidFill>
-            </a:endParaRPr>
-          </a:p>
-        </p:txBody>
-      </p:sp>
-      <p:sp>
-        <p:nvSpPr>
-          <p:cNvPr id="5" name="页脚占位符 4"/>
-          <p:cNvSpPr>
-            <a:spLocks noGrp="1"/>
-          </p:cNvSpPr>
-          <p:nvPr>
-            <p:ph type="ftr" sz="quarter" idx="11"/>
-          </p:nvPr>
-        </p:nvSpPr>
-        <p:spPr/>
-        <p:txBody>
-          <a:bodyPr/>
-          <a:lstStyle/>
-          <a:p>
-            <a:endParaRPr lang="zh-CN" altLang="en-US">
-              <a:solidFill>
-                <a:prstClr val="black">
-                  <a:tint val="75000"/>
-                </a:prstClr>
-              </a:solidFill>
-            </a:endParaRPr>
-          </a:p>
-        </p:txBody>
-      </p:sp>
-      <p:sp>
-        <p:nvSpPr>
-          <p:cNvPr id="6" name="灯片编号占位符 5"/>
-          <p:cNvSpPr>
-            <a:spLocks noGrp="1"/>
-          </p:cNvSpPr>
-          <p:nvPr>
-            <p:ph type="sldNum" sz="quarter" idx="12"/>
-          </p:nvPr>
-        </p:nvSpPr>
-        <p:spPr/>
-        <p:txBody>
-          <a:bodyPr/>
-          <a:lstStyle/>
-          <a:p>
-            <a:fld id="{0C913308-F349-4B6D-A68A-DD1791B4A57B}" type="slidenum">
-              <a:rPr lang="zh-CN" altLang="en-US" smtClean="0">
-                <a:solidFill>
-                  <a:prstClr val="black">
-                    <a:tint val="75000"/>
-                  </a:prstClr>
-                </a:solidFill>
-              </a:rPr>
-              <a:pPr/>
-              <a:t>‹#›</a:t>
-            </a:fld>
-            <a:endParaRPr lang="zh-CN" altLang="en-US">
-              <a:solidFill>
-                <a:prstClr val="black">
-                  <a:tint val="75000"/>
-                </a:prstClr>
-              </a:solidFill>
-            </a:endParaRPr>
-          </a:p>
-        </p:txBody>
-      </p:sp>
-    </p:spTree>
-    <p:extLst>
-      <p:ext uri="{BB962C8B-B14F-4D97-AF65-F5344CB8AC3E}">
-        <p14:creationId xmlns:p14="http://schemas.microsoft.com/office/powerpoint/2010/main" val="2770380233"/>
-      </p:ext>
-    </p:extLst>
-  </p:cSld>
-  <p:clrMapOvr>
-    <a:masterClrMapping/>
-  </p:clrMapOvr>
-</p:sldLayout>
-</file>
-
-<file path=ppt/slideLayouts/slideLayout15.xml><?xml version="1.0" encoding="utf-8"?>
-<p:sldLayout xmlns:a="http://schemas.openxmlformats.org/drawingml/2006/main" xmlns:r="http://schemas.openxmlformats.org/officeDocument/2006/relationships" xmlns:p="http://schemas.openxmlformats.org/presentationml/2006/main" type="secHead" preserve="1">
-  <p:cSld name="节标题">
-    <p:spTree>
-      <p:nvGrpSpPr>
-        <p:cNvPr id="1" name=""/>
-        <p:cNvGrpSpPr/>
-        <p:nvPr/>
-      </p:nvGrpSpPr>
-      <p:grpSpPr>
-        <a:xfrm>
-          <a:off x="0" y="0"/>
-          <a:ext cx="0" cy="0"/>
-          <a:chOff x="0" y="0"/>
-          <a:chExt cx="0" cy="0"/>
-        </a:xfrm>
-      </p:grpSpPr>
-      <p:sp>
-        <p:nvSpPr>
-          <p:cNvPr id="2" name="标题 1"/>
-          <p:cNvSpPr>
-            <a:spLocks noGrp="1"/>
-          </p:cNvSpPr>
-          <p:nvPr>
-            <p:ph type="title"/>
-          </p:nvPr>
-        </p:nvSpPr>
-        <p:spPr>
-          <a:xfrm>
-            <a:off x="963084" y="4406901"/>
-            <a:ext cx="10363200" cy="1362075"/>
-          </a:xfrm>
-        </p:spPr>
-        <p:txBody>
-          <a:bodyPr anchor="t"/>
-          <a:lstStyle>
-            <a:lvl1pPr algn="l">
-              <a:defRPr sz="4000" b="1" cap="all"/>
-            </a:lvl1pPr>
-          </a:lstStyle>
-          <a:p>
-            <a:r>
-              <a:rPr lang="zh-CN" altLang="en-US" smtClean="0"/>
-              <a:t>单击此处编辑母版标题样式</a:t>
-            </a:r>
-            <a:endParaRPr lang="zh-CN" altLang="en-US"/>
-          </a:p>
-        </p:txBody>
-      </p:sp>
-      <p:sp>
-        <p:nvSpPr>
-          <p:cNvPr id="3" name="文本占位符 2"/>
-          <p:cNvSpPr>
-            <a:spLocks noGrp="1"/>
-          </p:cNvSpPr>
-          <p:nvPr>
-            <p:ph type="body" idx="1"/>
-          </p:nvPr>
-        </p:nvSpPr>
-        <p:spPr>
-          <a:xfrm>
-            <a:off x="963084" y="2906713"/>
-            <a:ext cx="10363200" cy="1500187"/>
-          </a:xfrm>
-        </p:spPr>
-        <p:txBody>
-          <a:bodyPr anchor="b"/>
-          <a:lstStyle>
-            <a:lvl1pPr marL="0" indent="0">
-              <a:buNone/>
-              <a:defRPr sz="2000">
-                <a:solidFill>
-                  <a:schemeClr val="tx1">
-                    <a:tint val="75000"/>
-                  </a:schemeClr>
-                </a:solidFill>
-              </a:defRPr>
-            </a:lvl1pPr>
-            <a:lvl2pPr marL="457200" indent="0">
-              <a:buNone/>
-              <a:defRPr sz="1800">
-                <a:solidFill>
-                  <a:schemeClr val="tx1">
-                    <a:tint val="75000"/>
-                  </a:schemeClr>
-                </a:solidFill>
-              </a:defRPr>
-            </a:lvl2pPr>
-            <a:lvl3pPr marL="914400" indent="0">
-              <a:buNone/>
-              <a:defRPr sz="1600">
-                <a:solidFill>
-                  <a:schemeClr val="tx1">
-                    <a:tint val="75000"/>
-                  </a:schemeClr>
-                </a:solidFill>
-              </a:defRPr>
-            </a:lvl3pPr>
-            <a:lvl4pPr marL="1371600" indent="0">
-              <a:buNone/>
-              <a:defRPr sz="1400">
-                <a:solidFill>
-                  <a:schemeClr val="tx1">
-                    <a:tint val="75000"/>
-                  </a:schemeClr>
-                </a:solidFill>
-              </a:defRPr>
-            </a:lvl4pPr>
-            <a:lvl5pPr marL="1828800" indent="0">
-              <a:buNone/>
-              <a:defRPr sz="1400">
-                <a:solidFill>
-                  <a:schemeClr val="tx1">
-                    <a:tint val="75000"/>
-                  </a:schemeClr>
-                </a:solidFill>
-              </a:defRPr>
-            </a:lvl5pPr>
-            <a:lvl6pPr marL="2286000" indent="0">
-              <a:buNone/>
-              <a:defRPr sz="1400">
-                <a:solidFill>
-                  <a:schemeClr val="tx1">
-                    <a:tint val="75000"/>
-                  </a:schemeClr>
-                </a:solidFill>
-              </a:defRPr>
-            </a:lvl6pPr>
-            <a:lvl7pPr marL="2743200" indent="0">
-              <a:buNone/>
-              <a:defRPr sz="1400">
-                <a:solidFill>
-                  <a:schemeClr val="tx1">
-                    <a:tint val="75000"/>
-                  </a:schemeClr>
-                </a:solidFill>
-              </a:defRPr>
-            </a:lvl7pPr>
-            <a:lvl8pPr marL="3200400" indent="0">
-              <a:buNone/>
-              <a:defRPr sz="1400">
-                <a:solidFill>
-                  <a:schemeClr val="tx1">
-                    <a:tint val="75000"/>
-                  </a:schemeClr>
-                </a:solidFill>
-              </a:defRPr>
-            </a:lvl8pPr>
-            <a:lvl9pPr marL="3657600" indent="0">
-              <a:buNone/>
-              <a:defRPr sz="1400">
-                <a:solidFill>
-                  <a:schemeClr val="tx1">
-                    <a:tint val="75000"/>
-                  </a:schemeClr>
-                </a:solidFill>
-              </a:defRPr>
-            </a:lvl9pPr>
-          </a:lstStyle>
-          <a:p>
-            <a:pPr lvl="0"/>
-            <a:r>
-              <a:rPr lang="zh-CN" altLang="en-US" smtClean="0"/>
-              <a:t>单击此处编辑母版文本样式</a:t>
-            </a:r>
-          </a:p>
-        </p:txBody>
-      </p:sp>
-      <p:sp>
-        <p:nvSpPr>
-          <p:cNvPr id="4" name="日期占位符 3"/>
-          <p:cNvSpPr>
-            <a:spLocks noGrp="1"/>
-          </p:cNvSpPr>
-          <p:nvPr>
-            <p:ph type="dt" sz="half" idx="10"/>
-          </p:nvPr>
-        </p:nvSpPr>
-        <p:spPr/>
-        <p:txBody>
-          <a:bodyPr/>
-          <a:lstStyle/>
-          <a:p>
-            <a:fld id="{530820CF-B880-4189-942D-D702A7CBA730}" type="datetimeFigureOut">
-              <a:rPr lang="zh-CN" altLang="en-US" smtClean="0">
-                <a:solidFill>
-                  <a:prstClr val="black">
-                    <a:tint val="75000"/>
-                  </a:prstClr>
-                </a:solidFill>
-              </a:rPr>
-              <a:pPr/>
-              <a:t>2019/9/5</a:t>
-            </a:fld>
-            <a:endParaRPr lang="zh-CN" altLang="en-US">
-              <a:solidFill>
-                <a:prstClr val="black">
-                  <a:tint val="75000"/>
-                </a:prstClr>
-              </a:solidFill>
-            </a:endParaRPr>
-          </a:p>
-        </p:txBody>
-      </p:sp>
-      <p:sp>
-        <p:nvSpPr>
-          <p:cNvPr id="5" name="页脚占位符 4"/>
-          <p:cNvSpPr>
-            <a:spLocks noGrp="1"/>
-          </p:cNvSpPr>
-          <p:nvPr>
-            <p:ph type="ftr" sz="quarter" idx="11"/>
-          </p:nvPr>
-        </p:nvSpPr>
-        <p:spPr/>
-        <p:txBody>
-          <a:bodyPr/>
-          <a:lstStyle/>
-          <a:p>
-            <a:endParaRPr lang="zh-CN" altLang="en-US">
-              <a:solidFill>
-                <a:prstClr val="black">
-                  <a:tint val="75000"/>
-                </a:prstClr>
-              </a:solidFill>
-            </a:endParaRPr>
-          </a:p>
-        </p:txBody>
-      </p:sp>
-      <p:sp>
-        <p:nvSpPr>
-          <p:cNvPr id="6" name="灯片编号占位符 5"/>
-          <p:cNvSpPr>
-            <a:spLocks noGrp="1"/>
-          </p:cNvSpPr>
-          <p:nvPr>
-            <p:ph type="sldNum" sz="quarter" idx="12"/>
-          </p:nvPr>
-        </p:nvSpPr>
-        <p:spPr/>
-        <p:txBody>
-          <a:bodyPr/>
-          <a:lstStyle/>
-          <a:p>
-            <a:fld id="{0C913308-F349-4B6D-A68A-DD1791B4A57B}" type="slidenum">
-              <a:rPr lang="zh-CN" altLang="en-US" smtClean="0">
-                <a:solidFill>
-                  <a:prstClr val="black">
-                    <a:tint val="75000"/>
-                  </a:prstClr>
-                </a:solidFill>
-              </a:rPr>
-              <a:pPr/>
-              <a:t>‹#›</a:t>
-            </a:fld>
-            <a:endParaRPr lang="zh-CN" altLang="en-US">
-              <a:solidFill>
-                <a:prstClr val="black">
-                  <a:tint val="75000"/>
-                </a:prstClr>
-              </a:solidFill>
-            </a:endParaRPr>
-          </a:p>
-        </p:txBody>
-      </p:sp>
-    </p:spTree>
-    <p:extLst>
-      <p:ext uri="{BB962C8B-B14F-4D97-AF65-F5344CB8AC3E}">
-        <p14:creationId xmlns:p14="http://schemas.microsoft.com/office/powerpoint/2010/main" val="2368375710"/>
-      </p:ext>
-    </p:extLst>
-  </p:cSld>
-  <p:clrMapOvr>
-    <a:masterClrMapping/>
-  </p:clrMapOvr>
-</p:sldLayout>
-</file>
-
-<file path=ppt/slideLayouts/slideLayout16.xml><?xml version="1.0" encoding="utf-8"?>
-<p:sldLayout xmlns:a="http://schemas.openxmlformats.org/drawingml/2006/main" xmlns:r="http://schemas.openxmlformats.org/officeDocument/2006/relationships" xmlns:p="http://schemas.openxmlformats.org/presentationml/2006/main" type="twoObj" preserve="1">
-  <p:cSld name="两栏内容">
-    <p:spTree>
-      <p:nvGrpSpPr>
-        <p:cNvPr id="1" name=""/>
-        <p:cNvGrpSpPr/>
-        <p:nvPr/>
-      </p:nvGrpSpPr>
-      <p:grpSpPr>
-        <a:xfrm>
-          <a:off x="0" y="0"/>
-          <a:ext cx="0" cy="0"/>
-          <a:chOff x="0" y="0"/>
-          <a:chExt cx="0" cy="0"/>
-        </a:xfrm>
-      </p:grpSpPr>
-      <p:sp>
-        <p:nvSpPr>
-          <p:cNvPr id="2" name="标题 1"/>
-          <p:cNvSpPr>
-            <a:spLocks noGrp="1"/>
-          </p:cNvSpPr>
-          <p:nvPr>
-            <p:ph type="title"/>
-          </p:nvPr>
-        </p:nvSpPr>
-        <p:spPr/>
-        <p:txBody>
-          <a:bodyPr/>
-          <a:lstStyle/>
-          <a:p>
-            <a:r>
-              <a:rPr lang="zh-CN" altLang="en-US" smtClean="0"/>
-              <a:t>单击此处编辑母版标题样式</a:t>
-            </a:r>
-            <a:endParaRPr lang="zh-CN" altLang="en-US"/>
-          </a:p>
-        </p:txBody>
-      </p:sp>
-      <p:sp>
-        <p:nvSpPr>
-          <p:cNvPr id="3" name="内容占位符 2"/>
-          <p:cNvSpPr>
-            <a:spLocks noGrp="1"/>
-          </p:cNvSpPr>
-          <p:nvPr>
-            <p:ph sz="half" idx="1"/>
-          </p:nvPr>
-        </p:nvSpPr>
-        <p:spPr>
-          <a:xfrm>
-            <a:off x="609600" y="1600201"/>
-            <a:ext cx="5384800" cy="4525963"/>
-          </a:xfrm>
-        </p:spPr>
-        <p:txBody>
-          <a:bodyPr/>
-          <a:lstStyle>
-            <a:lvl1pPr>
-              <a:defRPr sz="2800"/>
-            </a:lvl1pPr>
-            <a:lvl2pPr>
-              <a:defRPr sz="2400"/>
-            </a:lvl2pPr>
-            <a:lvl3pPr>
-              <a:defRPr sz="2000"/>
-            </a:lvl3pPr>
-            <a:lvl4pPr>
-              <a:defRPr sz="1800"/>
-            </a:lvl4pPr>
-            <a:lvl5pPr>
-              <a:defRPr sz="1800"/>
-            </a:lvl5pPr>
-            <a:lvl6pPr>
-              <a:defRPr sz="1800"/>
-            </a:lvl6pPr>
-            <a:lvl7pPr>
-              <a:defRPr sz="1800"/>
-            </a:lvl7pPr>
-            <a:lvl8pPr>
-              <a:defRPr sz="1800"/>
-            </a:lvl8pPr>
-            <a:lvl9pPr>
-              <a:defRPr sz="1800"/>
-            </a:lvl9pPr>
-          </a:lstStyle>
-          <a:p>
-            <a:pPr lvl="0"/>
-            <a:r>
-              <a:rPr lang="zh-CN" altLang="en-US" smtClean="0"/>
-              <a:t>单击此处编辑母版文本样式</a:t>
-            </a:r>
-          </a:p>
-          <a:p>
-            <a:pPr lvl="1"/>
-            <a:r>
-              <a:rPr lang="zh-CN" altLang="en-US" smtClean="0"/>
-              <a:t>第二级</a:t>
-            </a:r>
-          </a:p>
-          <a:p>
-            <a:pPr lvl="2"/>
-            <a:r>
-              <a:rPr lang="zh-CN" altLang="en-US" smtClean="0"/>
-              <a:t>第三级</a:t>
-            </a:r>
-          </a:p>
-          <a:p>
-            <a:pPr lvl="3"/>
-            <a:r>
-              <a:rPr lang="zh-CN" altLang="en-US" smtClean="0"/>
-              <a:t>第四级</a:t>
-            </a:r>
-          </a:p>
-          <a:p>
-            <a:pPr lvl="4"/>
-            <a:r>
-              <a:rPr lang="zh-CN" altLang="en-US" smtClean="0"/>
-              <a:t>第五级</a:t>
-            </a:r>
-            <a:endParaRPr lang="zh-CN" altLang="en-US"/>
-          </a:p>
-        </p:txBody>
-      </p:sp>
-      <p:sp>
-        <p:nvSpPr>
-          <p:cNvPr id="4" name="内容占位符 3"/>
-          <p:cNvSpPr>
-            <a:spLocks noGrp="1"/>
-          </p:cNvSpPr>
-          <p:nvPr>
-            <p:ph sz="half" idx="2"/>
-          </p:nvPr>
-        </p:nvSpPr>
-        <p:spPr>
-          <a:xfrm>
-            <a:off x="6197600" y="1600201"/>
-            <a:ext cx="5384800" cy="4525963"/>
-          </a:xfrm>
-        </p:spPr>
-        <p:txBody>
-          <a:bodyPr/>
-          <a:lstStyle>
-            <a:lvl1pPr>
-              <a:defRPr sz="2800"/>
-            </a:lvl1pPr>
-            <a:lvl2pPr>
-              <a:defRPr sz="2400"/>
-            </a:lvl2pPr>
-            <a:lvl3pPr>
-              <a:defRPr sz="2000"/>
-            </a:lvl3pPr>
-            <a:lvl4pPr>
-              <a:defRPr sz="1800"/>
-            </a:lvl4pPr>
-            <a:lvl5pPr>
-              <a:defRPr sz="1800"/>
-            </a:lvl5pPr>
-            <a:lvl6pPr>
-              <a:defRPr sz="1800"/>
-            </a:lvl6pPr>
-            <a:lvl7pPr>
-              <a:defRPr sz="1800"/>
-            </a:lvl7pPr>
-            <a:lvl8pPr>
-              <a:defRPr sz="1800"/>
-            </a:lvl8pPr>
-            <a:lvl9pPr>
-              <a:defRPr sz="1800"/>
-            </a:lvl9pPr>
-          </a:lstStyle>
-          <a:p>
-            <a:pPr lvl="0"/>
-            <a:r>
-              <a:rPr lang="zh-CN" altLang="en-US" smtClean="0"/>
-              <a:t>单击此处编辑母版文本样式</a:t>
-            </a:r>
-          </a:p>
-          <a:p>
-            <a:pPr lvl="1"/>
-            <a:r>
-              <a:rPr lang="zh-CN" altLang="en-US" smtClean="0"/>
-              <a:t>第二级</a:t>
-            </a:r>
-          </a:p>
-          <a:p>
-            <a:pPr lvl="2"/>
-            <a:r>
-              <a:rPr lang="zh-CN" altLang="en-US" smtClean="0"/>
-              <a:t>第三级</a:t>
-            </a:r>
-          </a:p>
-          <a:p>
-            <a:pPr lvl="3"/>
-            <a:r>
-              <a:rPr lang="zh-CN" altLang="en-US" smtClean="0"/>
-              <a:t>第四级</a:t>
-            </a:r>
-          </a:p>
-          <a:p>
-            <a:pPr lvl="4"/>
-            <a:r>
-              <a:rPr lang="zh-CN" altLang="en-US" smtClean="0"/>
-              <a:t>第五级</a:t>
-            </a:r>
-            <a:endParaRPr lang="zh-CN" altLang="en-US"/>
-          </a:p>
-        </p:txBody>
-      </p:sp>
-      <p:sp>
-        <p:nvSpPr>
-          <p:cNvPr id="5" name="日期占位符 4"/>
-          <p:cNvSpPr>
-            <a:spLocks noGrp="1"/>
-          </p:cNvSpPr>
-          <p:nvPr>
-            <p:ph type="dt" sz="half" idx="10"/>
-          </p:nvPr>
-        </p:nvSpPr>
-        <p:spPr/>
-        <p:txBody>
-          <a:bodyPr/>
-          <a:lstStyle/>
-          <a:p>
-            <a:fld id="{530820CF-B880-4189-942D-D702A7CBA730}" type="datetimeFigureOut">
-              <a:rPr lang="zh-CN" altLang="en-US" smtClean="0">
-                <a:solidFill>
-                  <a:prstClr val="black">
-                    <a:tint val="75000"/>
-                  </a:prstClr>
-                </a:solidFill>
-              </a:rPr>
-              <a:pPr/>
-              <a:t>2019/9/5</a:t>
-            </a:fld>
-            <a:endParaRPr lang="zh-CN" altLang="en-US">
-              <a:solidFill>
-                <a:prstClr val="black">
-                  <a:tint val="75000"/>
-                </a:prstClr>
-              </a:solidFill>
-            </a:endParaRPr>
-          </a:p>
-        </p:txBody>
-      </p:sp>
-      <p:sp>
-        <p:nvSpPr>
-          <p:cNvPr id="6" name="页脚占位符 5"/>
-          <p:cNvSpPr>
-            <a:spLocks noGrp="1"/>
-          </p:cNvSpPr>
-          <p:nvPr>
-            <p:ph type="ftr" sz="quarter" idx="11"/>
-          </p:nvPr>
-        </p:nvSpPr>
-        <p:spPr/>
-        <p:txBody>
-          <a:bodyPr/>
-          <a:lstStyle/>
-          <a:p>
-            <a:endParaRPr lang="zh-CN" altLang="en-US">
-              <a:solidFill>
-                <a:prstClr val="black">
-                  <a:tint val="75000"/>
-                </a:prstClr>
-              </a:solidFill>
-            </a:endParaRPr>
-          </a:p>
-        </p:txBody>
-      </p:sp>
-      <p:sp>
-        <p:nvSpPr>
-          <p:cNvPr id="7" name="灯片编号占位符 6"/>
-          <p:cNvSpPr>
-            <a:spLocks noGrp="1"/>
-          </p:cNvSpPr>
-          <p:nvPr>
-            <p:ph type="sldNum" sz="quarter" idx="12"/>
-          </p:nvPr>
-        </p:nvSpPr>
-        <p:spPr/>
-        <p:txBody>
-          <a:bodyPr/>
-          <a:lstStyle/>
-          <a:p>
-            <a:fld id="{0C913308-F349-4B6D-A68A-DD1791B4A57B}" type="slidenum">
-              <a:rPr lang="zh-CN" altLang="en-US" smtClean="0">
-                <a:solidFill>
-                  <a:prstClr val="black">
-                    <a:tint val="75000"/>
-                  </a:prstClr>
-                </a:solidFill>
-              </a:rPr>
-              <a:pPr/>
-              <a:t>‹#›</a:t>
-            </a:fld>
-            <a:endParaRPr lang="zh-CN" altLang="en-US">
-              <a:solidFill>
-                <a:prstClr val="black">
-                  <a:tint val="75000"/>
-                </a:prstClr>
-              </a:solidFill>
-            </a:endParaRPr>
-          </a:p>
-        </p:txBody>
-      </p:sp>
-    </p:spTree>
-    <p:extLst>
-      <p:ext uri="{BB962C8B-B14F-4D97-AF65-F5344CB8AC3E}">
-        <p14:creationId xmlns:p14="http://schemas.microsoft.com/office/powerpoint/2010/main" val="2515987992"/>
-      </p:ext>
-    </p:extLst>
-  </p:cSld>
-  <p:clrMapOvr>
-    <a:masterClrMapping/>
-  </p:clrMapOvr>
-</p:sldLayout>
-</file>
-
-<file path=ppt/slideLayouts/slideLayout17.xml><?xml version="1.0" encoding="utf-8"?>
-<p:sldLayout xmlns:a="http://schemas.openxmlformats.org/drawingml/2006/main" xmlns:r="http://schemas.openxmlformats.org/officeDocument/2006/relationships" xmlns:p="http://schemas.openxmlformats.org/presentationml/2006/main" type="twoTxTwoObj" preserve="1">
-  <p:cSld name="比较">
-    <p:spTree>
-      <p:nvGrpSpPr>
-        <p:cNvPr id="1" name=""/>
-        <p:cNvGrpSpPr/>
-        <p:nvPr/>
-      </p:nvGrpSpPr>
-      <p:grpSpPr>
-        <a:xfrm>
-          <a:off x="0" y="0"/>
-          <a:ext cx="0" cy="0"/>
-          <a:chOff x="0" y="0"/>
-          <a:chExt cx="0" cy="0"/>
-        </a:xfrm>
-      </p:grpSpPr>
-      <p:sp>
-        <p:nvSpPr>
-          <p:cNvPr id="2" name="标题 1"/>
-          <p:cNvSpPr>
-            <a:spLocks noGrp="1"/>
-          </p:cNvSpPr>
-          <p:nvPr>
-            <p:ph type="title"/>
-          </p:nvPr>
-        </p:nvSpPr>
-        <p:spPr/>
-        <p:txBody>
-          <a:bodyPr/>
-          <a:lstStyle>
-            <a:lvl1pPr>
-              <a:defRPr/>
-            </a:lvl1pPr>
-          </a:lstStyle>
-          <a:p>
-            <a:r>
-              <a:rPr lang="zh-CN" altLang="en-US" smtClean="0"/>
-              <a:t>单击此处编辑母版标题样式</a:t>
-            </a:r>
-            <a:endParaRPr lang="zh-CN" altLang="en-US"/>
-          </a:p>
-        </p:txBody>
-      </p:sp>
-      <p:sp>
-        <p:nvSpPr>
-          <p:cNvPr id="3" name="文本占位符 2"/>
-          <p:cNvSpPr>
-            <a:spLocks noGrp="1"/>
-          </p:cNvSpPr>
-          <p:nvPr>
-            <p:ph type="body" idx="1"/>
-          </p:nvPr>
-        </p:nvSpPr>
-        <p:spPr>
-          <a:xfrm>
-            <a:off x="609600" y="1535113"/>
-            <a:ext cx="5386917" cy="639762"/>
-          </a:xfrm>
-        </p:spPr>
-        <p:txBody>
-          <a:bodyPr anchor="b"/>
-          <a:lstStyle>
-            <a:lvl1pPr marL="0" indent="0">
-              <a:buNone/>
-              <a:defRPr sz="2400" b="1"/>
-            </a:lvl1pPr>
-            <a:lvl2pPr marL="457200" indent="0">
-              <a:buNone/>
-              <a:defRPr sz="2000" b="1"/>
-            </a:lvl2pPr>
-            <a:lvl3pPr marL="914400" indent="0">
-              <a:buNone/>
-              <a:defRPr sz="1800" b="1"/>
-            </a:lvl3pPr>
-            <a:lvl4pPr marL="1371600" indent="0">
-              <a:buNone/>
-              <a:defRPr sz="1600" b="1"/>
-            </a:lvl4pPr>
-            <a:lvl5pPr marL="1828800" indent="0">
-              <a:buNone/>
-              <a:defRPr sz="1600" b="1"/>
-            </a:lvl5pPr>
-            <a:lvl6pPr marL="2286000" indent="0">
-              <a:buNone/>
-              <a:defRPr sz="1600" b="1"/>
-            </a:lvl6pPr>
-            <a:lvl7pPr marL="2743200" indent="0">
-              <a:buNone/>
-              <a:defRPr sz="1600" b="1"/>
-            </a:lvl7pPr>
-            <a:lvl8pPr marL="3200400" indent="0">
-              <a:buNone/>
-              <a:defRPr sz="1600" b="1"/>
-            </a:lvl8pPr>
-            <a:lvl9pPr marL="3657600" indent="0">
-              <a:buNone/>
-              <a:defRPr sz="1600" b="1"/>
-            </a:lvl9pPr>
-          </a:lstStyle>
-          <a:p>
-            <a:pPr lvl="0"/>
-            <a:r>
-              <a:rPr lang="zh-CN" altLang="en-US" smtClean="0"/>
-              <a:t>单击此处编辑母版文本样式</a:t>
-            </a:r>
-          </a:p>
-        </p:txBody>
-      </p:sp>
-      <p:sp>
-        <p:nvSpPr>
-          <p:cNvPr id="4" name="内容占位符 3"/>
-          <p:cNvSpPr>
-            <a:spLocks noGrp="1"/>
-          </p:cNvSpPr>
-          <p:nvPr>
-            <p:ph sz="half" idx="2"/>
-          </p:nvPr>
-        </p:nvSpPr>
-        <p:spPr>
-          <a:xfrm>
-            <a:off x="609600" y="2174875"/>
-            <a:ext cx="5386917" cy="3951288"/>
-          </a:xfrm>
-        </p:spPr>
-        <p:txBody>
-          <a:bodyPr/>
-          <a:lstStyle>
-            <a:lvl1pPr>
-              <a:defRPr sz="2400"/>
-            </a:lvl1pPr>
-            <a:lvl2pPr>
-              <a:defRPr sz="2000"/>
-            </a:lvl2pPr>
-            <a:lvl3pPr>
-              <a:defRPr sz="1800"/>
-            </a:lvl3pPr>
-            <a:lvl4pPr>
-              <a:defRPr sz="1600"/>
-            </a:lvl4pPr>
-            <a:lvl5pPr>
-              <a:defRPr sz="1600"/>
-            </a:lvl5pPr>
-            <a:lvl6pPr>
-              <a:defRPr sz="1600"/>
-            </a:lvl6pPr>
-            <a:lvl7pPr>
-              <a:defRPr sz="1600"/>
-            </a:lvl7pPr>
-            <a:lvl8pPr>
-              <a:defRPr sz="1600"/>
-            </a:lvl8pPr>
-            <a:lvl9pPr>
-              <a:defRPr sz="1600"/>
-            </a:lvl9pPr>
-          </a:lstStyle>
-          <a:p>
-            <a:pPr lvl="0"/>
-            <a:r>
-              <a:rPr lang="zh-CN" altLang="en-US" smtClean="0"/>
-              <a:t>单击此处编辑母版文本样式</a:t>
-            </a:r>
-          </a:p>
-          <a:p>
-            <a:pPr lvl="1"/>
-            <a:r>
-              <a:rPr lang="zh-CN" altLang="en-US" smtClean="0"/>
-              <a:t>第二级</a:t>
-            </a:r>
-          </a:p>
-          <a:p>
-            <a:pPr lvl="2"/>
-            <a:r>
-              <a:rPr lang="zh-CN" altLang="en-US" smtClean="0"/>
-              <a:t>第三级</a:t>
-            </a:r>
-          </a:p>
-          <a:p>
-            <a:pPr lvl="3"/>
-            <a:r>
-              <a:rPr lang="zh-CN" altLang="en-US" smtClean="0"/>
-              <a:t>第四级</a:t>
-            </a:r>
-          </a:p>
-          <a:p>
-            <a:pPr lvl="4"/>
-            <a:r>
-              <a:rPr lang="zh-CN" altLang="en-US" smtClean="0"/>
-              <a:t>第五级</a:t>
-            </a:r>
-            <a:endParaRPr lang="zh-CN" altLang="en-US"/>
-          </a:p>
-        </p:txBody>
-      </p:sp>
-      <p:sp>
-        <p:nvSpPr>
-          <p:cNvPr id="5" name="文本占位符 4"/>
-          <p:cNvSpPr>
-            <a:spLocks noGrp="1"/>
-          </p:cNvSpPr>
-          <p:nvPr>
-            <p:ph type="body" sz="quarter" idx="3"/>
-          </p:nvPr>
-        </p:nvSpPr>
-        <p:spPr>
-          <a:xfrm>
-            <a:off x="6193368" y="1535113"/>
-            <a:ext cx="5389033" cy="639762"/>
-          </a:xfrm>
-        </p:spPr>
-        <p:txBody>
-          <a:bodyPr anchor="b"/>
-          <a:lstStyle>
-            <a:lvl1pPr marL="0" indent="0">
-              <a:buNone/>
-              <a:defRPr sz="2400" b="1"/>
-            </a:lvl1pPr>
-            <a:lvl2pPr marL="457200" indent="0">
-              <a:buNone/>
-              <a:defRPr sz="2000" b="1"/>
-            </a:lvl2pPr>
-            <a:lvl3pPr marL="914400" indent="0">
-              <a:buNone/>
-              <a:defRPr sz="1800" b="1"/>
-            </a:lvl3pPr>
-            <a:lvl4pPr marL="1371600" indent="0">
-              <a:buNone/>
-              <a:defRPr sz="1600" b="1"/>
-            </a:lvl4pPr>
-            <a:lvl5pPr marL="1828800" indent="0">
-              <a:buNone/>
-              <a:defRPr sz="1600" b="1"/>
-            </a:lvl5pPr>
-            <a:lvl6pPr marL="2286000" indent="0">
-              <a:buNone/>
-              <a:defRPr sz="1600" b="1"/>
-            </a:lvl6pPr>
-            <a:lvl7pPr marL="2743200" indent="0">
-              <a:buNone/>
-              <a:defRPr sz="1600" b="1"/>
-            </a:lvl7pPr>
-            <a:lvl8pPr marL="3200400" indent="0">
-              <a:buNone/>
-              <a:defRPr sz="1600" b="1"/>
-            </a:lvl8pPr>
-            <a:lvl9pPr marL="3657600" indent="0">
-              <a:buNone/>
-              <a:defRPr sz="1600" b="1"/>
-            </a:lvl9pPr>
-          </a:lstStyle>
-          <a:p>
-            <a:pPr lvl="0"/>
-            <a:r>
-              <a:rPr lang="zh-CN" altLang="en-US" smtClean="0"/>
-              <a:t>单击此处编辑母版文本样式</a:t>
-            </a:r>
-          </a:p>
-        </p:txBody>
-      </p:sp>
-      <p:sp>
-        <p:nvSpPr>
-          <p:cNvPr id="6" name="内容占位符 5"/>
-          <p:cNvSpPr>
-            <a:spLocks noGrp="1"/>
-          </p:cNvSpPr>
-          <p:nvPr>
-            <p:ph sz="quarter" idx="4"/>
-          </p:nvPr>
-        </p:nvSpPr>
-        <p:spPr>
-          <a:xfrm>
-            <a:off x="6193368" y="2174875"/>
-            <a:ext cx="5389033" cy="3951288"/>
-          </a:xfrm>
-        </p:spPr>
-        <p:txBody>
-          <a:bodyPr/>
-          <a:lstStyle>
-            <a:lvl1pPr>
-              <a:defRPr sz="2400"/>
-            </a:lvl1pPr>
-            <a:lvl2pPr>
-              <a:defRPr sz="2000"/>
-            </a:lvl2pPr>
-            <a:lvl3pPr>
-              <a:defRPr sz="1800"/>
-            </a:lvl3pPr>
-            <a:lvl4pPr>
-              <a:defRPr sz="1600"/>
-            </a:lvl4pPr>
-            <a:lvl5pPr>
-              <a:defRPr sz="1600"/>
-            </a:lvl5pPr>
-            <a:lvl6pPr>
-              <a:defRPr sz="1600"/>
-            </a:lvl6pPr>
-            <a:lvl7pPr>
-              <a:defRPr sz="1600"/>
-            </a:lvl7pPr>
-            <a:lvl8pPr>
-              <a:defRPr sz="1600"/>
-            </a:lvl8pPr>
-            <a:lvl9pPr>
-              <a:defRPr sz="1600"/>
-            </a:lvl9pPr>
-          </a:lstStyle>
-          <a:p>
-            <a:pPr lvl="0"/>
-            <a:r>
-              <a:rPr lang="zh-CN" altLang="en-US" smtClean="0"/>
-              <a:t>单击此处编辑母版文本样式</a:t>
-            </a:r>
-          </a:p>
-          <a:p>
-            <a:pPr lvl="1"/>
-            <a:r>
-              <a:rPr lang="zh-CN" altLang="en-US" smtClean="0"/>
-              <a:t>第二级</a:t>
-            </a:r>
-          </a:p>
-          <a:p>
-            <a:pPr lvl="2"/>
-            <a:r>
-              <a:rPr lang="zh-CN" altLang="en-US" smtClean="0"/>
-              <a:t>第三级</a:t>
-            </a:r>
-          </a:p>
-          <a:p>
-            <a:pPr lvl="3"/>
-            <a:r>
-              <a:rPr lang="zh-CN" altLang="en-US" smtClean="0"/>
-              <a:t>第四级</a:t>
-            </a:r>
-          </a:p>
-          <a:p>
-            <a:pPr lvl="4"/>
-            <a:r>
-              <a:rPr lang="zh-CN" altLang="en-US" smtClean="0"/>
-              <a:t>第五级</a:t>
-            </a:r>
-            <a:endParaRPr lang="zh-CN" altLang="en-US"/>
-          </a:p>
-        </p:txBody>
-      </p:sp>
-      <p:sp>
-        <p:nvSpPr>
-          <p:cNvPr id="7" name="日期占位符 6"/>
-          <p:cNvSpPr>
-            <a:spLocks noGrp="1"/>
-          </p:cNvSpPr>
-          <p:nvPr>
-            <p:ph type="dt" sz="half" idx="10"/>
-          </p:nvPr>
-        </p:nvSpPr>
-        <p:spPr/>
-        <p:txBody>
-          <a:bodyPr/>
-          <a:lstStyle/>
-          <a:p>
-            <a:fld id="{530820CF-B880-4189-942D-D702A7CBA730}" type="datetimeFigureOut">
-              <a:rPr lang="zh-CN" altLang="en-US" smtClean="0">
-                <a:solidFill>
-                  <a:prstClr val="black">
-                    <a:tint val="75000"/>
-                  </a:prstClr>
-                </a:solidFill>
-              </a:rPr>
-              <a:pPr/>
-              <a:t>2019/9/5</a:t>
-            </a:fld>
-            <a:endParaRPr lang="zh-CN" altLang="en-US">
-              <a:solidFill>
-                <a:prstClr val="black">
-                  <a:tint val="75000"/>
-                </a:prstClr>
-              </a:solidFill>
-            </a:endParaRPr>
-          </a:p>
-        </p:txBody>
-      </p:sp>
-      <p:sp>
-        <p:nvSpPr>
-          <p:cNvPr id="8" name="页脚占位符 7"/>
-          <p:cNvSpPr>
-            <a:spLocks noGrp="1"/>
-          </p:cNvSpPr>
-          <p:nvPr>
-            <p:ph type="ftr" sz="quarter" idx="11"/>
-          </p:nvPr>
-        </p:nvSpPr>
-        <p:spPr/>
-        <p:txBody>
-          <a:bodyPr/>
-          <a:lstStyle/>
-          <a:p>
-            <a:endParaRPr lang="zh-CN" altLang="en-US">
-              <a:solidFill>
-                <a:prstClr val="black">
-                  <a:tint val="75000"/>
-                </a:prstClr>
-              </a:solidFill>
-            </a:endParaRPr>
-          </a:p>
-        </p:txBody>
-      </p:sp>
-      <p:sp>
-        <p:nvSpPr>
-          <p:cNvPr id="9" name="灯片编号占位符 8"/>
-          <p:cNvSpPr>
-            <a:spLocks noGrp="1"/>
-          </p:cNvSpPr>
-          <p:nvPr>
-            <p:ph type="sldNum" sz="quarter" idx="12"/>
-          </p:nvPr>
-        </p:nvSpPr>
-        <p:spPr/>
-        <p:txBody>
-          <a:bodyPr/>
-          <a:lstStyle/>
-          <a:p>
-            <a:fld id="{0C913308-F349-4B6D-A68A-DD1791B4A57B}" type="slidenum">
-              <a:rPr lang="zh-CN" altLang="en-US" smtClean="0">
-                <a:solidFill>
-                  <a:prstClr val="black">
-                    <a:tint val="75000"/>
-                  </a:prstClr>
-                </a:solidFill>
-              </a:rPr>
-              <a:pPr/>
-              <a:t>‹#›</a:t>
-            </a:fld>
-            <a:endParaRPr lang="zh-CN" altLang="en-US">
-              <a:solidFill>
-                <a:prstClr val="black">
-                  <a:tint val="75000"/>
-                </a:prstClr>
-              </a:solidFill>
-            </a:endParaRPr>
-          </a:p>
-        </p:txBody>
-      </p:sp>
-    </p:spTree>
-    <p:extLst>
-      <p:ext uri="{BB962C8B-B14F-4D97-AF65-F5344CB8AC3E}">
-        <p14:creationId xmlns:p14="http://schemas.microsoft.com/office/powerpoint/2010/main" val="3591642658"/>
-      </p:ext>
-    </p:extLst>
-  </p:cSld>
-  <p:clrMapOvr>
-    <a:masterClrMapping/>
-  </p:clrMapOvr>
-</p:sldLayout>
-</file>
-
-<file path=ppt/slideLayouts/slideLayout18.xml><?xml version="1.0" encoding="utf-8"?>
-<p:sldLayout xmlns:a="http://schemas.openxmlformats.org/drawingml/2006/main" xmlns:r="http://schemas.openxmlformats.org/officeDocument/2006/relationships" xmlns:p="http://schemas.openxmlformats.org/presentationml/2006/main" type="titleOnly" preserve="1">
-  <p:cSld name="仅标题">
-    <p:spTree>
-      <p:nvGrpSpPr>
-        <p:cNvPr id="1" name=""/>
-        <p:cNvGrpSpPr/>
-        <p:nvPr/>
-      </p:nvGrpSpPr>
-      <p:grpSpPr>
-        <a:xfrm>
-          <a:off x="0" y="0"/>
-          <a:ext cx="0" cy="0"/>
-          <a:chOff x="0" y="0"/>
-          <a:chExt cx="0" cy="0"/>
-        </a:xfrm>
-      </p:grpSpPr>
-      <p:sp>
-        <p:nvSpPr>
-          <p:cNvPr id="2" name="标题 1"/>
-          <p:cNvSpPr>
-            <a:spLocks noGrp="1"/>
-          </p:cNvSpPr>
-          <p:nvPr>
-            <p:ph type="title"/>
-          </p:nvPr>
-        </p:nvSpPr>
-        <p:spPr/>
-        <p:txBody>
-          <a:bodyPr/>
-          <a:lstStyle/>
-          <a:p>
-            <a:r>
-              <a:rPr lang="zh-CN" altLang="en-US" smtClean="0"/>
-              <a:t>单击此处编辑母版标题样式</a:t>
-            </a:r>
-            <a:endParaRPr lang="zh-CN" altLang="en-US"/>
-          </a:p>
-        </p:txBody>
-      </p:sp>
-      <p:sp>
-        <p:nvSpPr>
-          <p:cNvPr id="3" name="日期占位符 2"/>
-          <p:cNvSpPr>
-            <a:spLocks noGrp="1"/>
-          </p:cNvSpPr>
-          <p:nvPr>
-            <p:ph type="dt" sz="half" idx="10"/>
-          </p:nvPr>
-        </p:nvSpPr>
-        <p:spPr/>
-        <p:txBody>
-          <a:bodyPr/>
-          <a:lstStyle/>
-          <a:p>
-            <a:fld id="{530820CF-B880-4189-942D-D702A7CBA730}" type="datetimeFigureOut">
-              <a:rPr lang="zh-CN" altLang="en-US" smtClean="0">
-                <a:solidFill>
-                  <a:prstClr val="black">
-                    <a:tint val="75000"/>
-                  </a:prstClr>
-                </a:solidFill>
-              </a:rPr>
-              <a:pPr/>
-              <a:t>2019/9/5</a:t>
-            </a:fld>
-            <a:endParaRPr lang="zh-CN" altLang="en-US">
-              <a:solidFill>
-                <a:prstClr val="black">
-                  <a:tint val="75000"/>
-                </a:prstClr>
-              </a:solidFill>
-            </a:endParaRPr>
-          </a:p>
-        </p:txBody>
-      </p:sp>
-      <p:sp>
-        <p:nvSpPr>
-          <p:cNvPr id="4" name="页脚占位符 3"/>
-          <p:cNvSpPr>
-            <a:spLocks noGrp="1"/>
-          </p:cNvSpPr>
-          <p:nvPr>
-            <p:ph type="ftr" sz="quarter" idx="11"/>
-          </p:nvPr>
-        </p:nvSpPr>
-        <p:spPr/>
-        <p:txBody>
-          <a:bodyPr/>
-          <a:lstStyle/>
-          <a:p>
-            <a:endParaRPr lang="zh-CN" altLang="en-US">
-              <a:solidFill>
-                <a:prstClr val="black">
-                  <a:tint val="75000"/>
-                </a:prstClr>
-              </a:solidFill>
-            </a:endParaRPr>
-          </a:p>
-        </p:txBody>
-      </p:sp>
-      <p:sp>
-        <p:nvSpPr>
-          <p:cNvPr id="5" name="灯片编号占位符 4"/>
-          <p:cNvSpPr>
-            <a:spLocks noGrp="1"/>
-          </p:cNvSpPr>
-          <p:nvPr>
-            <p:ph type="sldNum" sz="quarter" idx="12"/>
-          </p:nvPr>
-        </p:nvSpPr>
-        <p:spPr/>
-        <p:txBody>
-          <a:bodyPr/>
-          <a:lstStyle/>
-          <a:p>
-            <a:fld id="{0C913308-F349-4B6D-A68A-DD1791B4A57B}" type="slidenum">
-              <a:rPr lang="zh-CN" altLang="en-US" smtClean="0">
-                <a:solidFill>
-                  <a:prstClr val="black">
-                    <a:tint val="75000"/>
-                  </a:prstClr>
-                </a:solidFill>
-              </a:rPr>
-              <a:pPr/>
-              <a:t>‹#›</a:t>
-            </a:fld>
-            <a:endParaRPr lang="zh-CN" altLang="en-US">
-              <a:solidFill>
-                <a:prstClr val="black">
-                  <a:tint val="75000"/>
-                </a:prstClr>
-              </a:solidFill>
-            </a:endParaRPr>
-          </a:p>
-        </p:txBody>
-      </p:sp>
-    </p:spTree>
-    <p:extLst>
-      <p:ext uri="{BB962C8B-B14F-4D97-AF65-F5344CB8AC3E}">
-        <p14:creationId xmlns:p14="http://schemas.microsoft.com/office/powerpoint/2010/main" val="3676902794"/>
-      </p:ext>
-    </p:extLst>
-  </p:cSld>
-  <p:clrMapOvr>
-    <a:masterClrMapping/>
-  </p:clrMapOvr>
-</p:sldLayout>
-</file>
-
-<file path=ppt/slideLayouts/slideLayout19.xml><?xml version="1.0" encoding="utf-8"?>
-<p:sldLayout xmlns:a="http://schemas.openxmlformats.org/drawingml/2006/main" xmlns:r="http://schemas.openxmlformats.org/officeDocument/2006/relationships" xmlns:p="http://schemas.openxmlformats.org/presentationml/2006/main" type="blank" preserve="1">
-  <p:cSld name="空白">
-    <p:spTree>
-      <p:nvGrpSpPr>
-        <p:cNvPr id="1" name=""/>
-        <p:cNvGrpSpPr/>
-        <p:nvPr/>
-      </p:nvGrpSpPr>
-      <p:grpSpPr>
-        <a:xfrm>
-          <a:off x="0" y="0"/>
-          <a:ext cx="0" cy="0"/>
-          <a:chOff x="0" y="0"/>
-          <a:chExt cx="0" cy="0"/>
-        </a:xfrm>
-      </p:grpSpPr>
-      <p:sp>
-        <p:nvSpPr>
-          <p:cNvPr id="2" name="日期占位符 1"/>
-          <p:cNvSpPr>
-            <a:spLocks noGrp="1"/>
-          </p:cNvSpPr>
-          <p:nvPr>
-            <p:ph type="dt" sz="half" idx="10"/>
-          </p:nvPr>
-        </p:nvSpPr>
-        <p:spPr/>
-        <p:txBody>
-          <a:bodyPr/>
-          <a:lstStyle/>
-          <a:p>
-            <a:fld id="{530820CF-B880-4189-942D-D702A7CBA730}" type="datetimeFigureOut">
-              <a:rPr lang="zh-CN" altLang="en-US" smtClean="0">
-                <a:solidFill>
-                  <a:prstClr val="black">
-                    <a:tint val="75000"/>
-                  </a:prstClr>
-                </a:solidFill>
-              </a:rPr>
-              <a:pPr/>
-              <a:t>2019/9/5</a:t>
-            </a:fld>
-            <a:endParaRPr lang="zh-CN" altLang="en-US">
-              <a:solidFill>
-                <a:prstClr val="black">
-                  <a:tint val="75000"/>
-                </a:prstClr>
-              </a:solidFill>
-            </a:endParaRPr>
-          </a:p>
-        </p:txBody>
-      </p:sp>
-      <p:sp>
-        <p:nvSpPr>
-          <p:cNvPr id="3" name="页脚占位符 2"/>
-          <p:cNvSpPr>
-            <a:spLocks noGrp="1"/>
-          </p:cNvSpPr>
-          <p:nvPr>
-            <p:ph type="ftr" sz="quarter" idx="11"/>
-          </p:nvPr>
-        </p:nvSpPr>
-        <p:spPr/>
-        <p:txBody>
-          <a:bodyPr/>
-          <a:lstStyle/>
-          <a:p>
-            <a:endParaRPr lang="zh-CN" altLang="en-US">
-              <a:solidFill>
-                <a:prstClr val="black">
-                  <a:tint val="75000"/>
-                </a:prstClr>
-              </a:solidFill>
-            </a:endParaRPr>
-          </a:p>
-        </p:txBody>
-      </p:sp>
-      <p:sp>
-        <p:nvSpPr>
-          <p:cNvPr id="4" name="灯片编号占位符 3"/>
-          <p:cNvSpPr>
-            <a:spLocks noGrp="1"/>
-          </p:cNvSpPr>
-          <p:nvPr>
-            <p:ph type="sldNum" sz="quarter" idx="12"/>
-          </p:nvPr>
-        </p:nvSpPr>
-        <p:spPr/>
-        <p:txBody>
-          <a:bodyPr/>
-          <a:lstStyle/>
-          <a:p>
-            <a:fld id="{0C913308-F349-4B6D-A68A-DD1791B4A57B}" type="slidenum">
-              <a:rPr lang="zh-CN" altLang="en-US" smtClean="0">
-                <a:solidFill>
-                  <a:prstClr val="black">
-                    <a:tint val="75000"/>
-                  </a:prstClr>
-                </a:solidFill>
-              </a:rPr>
-              <a:pPr/>
-              <a:t>‹#›</a:t>
-            </a:fld>
-            <a:endParaRPr lang="zh-CN" altLang="en-US">
-              <a:solidFill>
-                <a:prstClr val="black">
-                  <a:tint val="75000"/>
-                </a:prstClr>
-              </a:solidFill>
-            </a:endParaRPr>
-          </a:p>
-        </p:txBody>
-      </p:sp>
-    </p:spTree>
-    <p:extLst>
-      <p:ext uri="{BB962C8B-B14F-4D97-AF65-F5344CB8AC3E}">
-        <p14:creationId xmlns:p14="http://schemas.microsoft.com/office/powerpoint/2010/main" val="3867549679"/>
-      </p:ext>
-    </p:extLst>
-  </p:cSld>
-  <p:clrMapOvr>
-    <a:masterClrMapping/>
-  </p:clrMapOvr>
-</p:sldLayout>
-</file>
-
 <file path=ppt/slideLayouts/slideLayout2.xml><?xml version="1.0" encoding="utf-8"?>
 <p:sldLayout xmlns:a="http://schemas.openxmlformats.org/drawingml/2006/main" xmlns:r="http://schemas.openxmlformats.org/officeDocument/2006/relationships" xmlns:p="http://schemas.openxmlformats.org/presentationml/2006/main" type="obj" preserve="1">
   <p:cSld name="标题和内容">
@@ -9077,7 +7347,7 @@
           <a:p>
             <a:fld id="{F83BAC30-0A52-4917-A8C1-96351948BD0A}" type="datetimeFigureOut">
               <a:rPr lang="zh-CN" altLang="en-US" smtClean="0"/>
-              <a:t>2019/9/5</a:t>
+              <a:t>2019/9/10</a:t>
             </a:fld>
             <a:endParaRPr lang="zh-CN" altLang="en-US"/>
           </a:p>
@@ -9141,1014 +7411,6 @@
     <p:extLst>
       <p:ext uri="{BB962C8B-B14F-4D97-AF65-F5344CB8AC3E}">
         <p14:creationId xmlns:p14="http://schemas.microsoft.com/office/powerpoint/2010/main" val="2081157986"/>
-      </p:ext>
-    </p:extLst>
-  </p:cSld>
-  <p:clrMapOvr>
-    <a:masterClrMapping/>
-  </p:clrMapOvr>
-</p:sldLayout>
-</file>
-
-<file path=ppt/slideLayouts/slideLayout20.xml><?xml version="1.0" encoding="utf-8"?>
-<p:sldLayout xmlns:a="http://schemas.openxmlformats.org/drawingml/2006/main" xmlns:r="http://schemas.openxmlformats.org/officeDocument/2006/relationships" xmlns:p="http://schemas.openxmlformats.org/presentationml/2006/main" type="objTx" preserve="1">
-  <p:cSld name="内容与标题">
-    <p:spTree>
-      <p:nvGrpSpPr>
-        <p:cNvPr id="1" name=""/>
-        <p:cNvGrpSpPr/>
-        <p:nvPr/>
-      </p:nvGrpSpPr>
-      <p:grpSpPr>
-        <a:xfrm>
-          <a:off x="0" y="0"/>
-          <a:ext cx="0" cy="0"/>
-          <a:chOff x="0" y="0"/>
-          <a:chExt cx="0" cy="0"/>
-        </a:xfrm>
-      </p:grpSpPr>
-      <p:sp>
-        <p:nvSpPr>
-          <p:cNvPr id="2" name="标题 1"/>
-          <p:cNvSpPr>
-            <a:spLocks noGrp="1"/>
-          </p:cNvSpPr>
-          <p:nvPr>
-            <p:ph type="title"/>
-          </p:nvPr>
-        </p:nvSpPr>
-        <p:spPr>
-          <a:xfrm>
-            <a:off x="609601" y="273050"/>
-            <a:ext cx="4011084" cy="1162050"/>
-          </a:xfrm>
-        </p:spPr>
-        <p:txBody>
-          <a:bodyPr anchor="b"/>
-          <a:lstStyle>
-            <a:lvl1pPr algn="l">
-              <a:defRPr sz="2000" b="1"/>
-            </a:lvl1pPr>
-          </a:lstStyle>
-          <a:p>
-            <a:r>
-              <a:rPr lang="zh-CN" altLang="en-US" smtClean="0"/>
-              <a:t>单击此处编辑母版标题样式</a:t>
-            </a:r>
-            <a:endParaRPr lang="zh-CN" altLang="en-US"/>
-          </a:p>
-        </p:txBody>
-      </p:sp>
-      <p:sp>
-        <p:nvSpPr>
-          <p:cNvPr id="3" name="内容占位符 2"/>
-          <p:cNvSpPr>
-            <a:spLocks noGrp="1"/>
-          </p:cNvSpPr>
-          <p:nvPr>
-            <p:ph idx="1"/>
-          </p:nvPr>
-        </p:nvSpPr>
-        <p:spPr>
-          <a:xfrm>
-            <a:off x="4766733" y="273051"/>
-            <a:ext cx="6815667" cy="5853113"/>
-          </a:xfrm>
-        </p:spPr>
-        <p:txBody>
-          <a:bodyPr/>
-          <a:lstStyle>
-            <a:lvl1pPr>
-              <a:defRPr sz="3200"/>
-            </a:lvl1pPr>
-            <a:lvl2pPr>
-              <a:defRPr sz="2800"/>
-            </a:lvl2pPr>
-            <a:lvl3pPr>
-              <a:defRPr sz="2400"/>
-            </a:lvl3pPr>
-            <a:lvl4pPr>
-              <a:defRPr sz="2000"/>
-            </a:lvl4pPr>
-            <a:lvl5pPr>
-              <a:defRPr sz="2000"/>
-            </a:lvl5pPr>
-            <a:lvl6pPr>
-              <a:defRPr sz="2000"/>
-            </a:lvl6pPr>
-            <a:lvl7pPr>
-              <a:defRPr sz="2000"/>
-            </a:lvl7pPr>
-            <a:lvl8pPr>
-              <a:defRPr sz="2000"/>
-            </a:lvl8pPr>
-            <a:lvl9pPr>
-              <a:defRPr sz="2000"/>
-            </a:lvl9pPr>
-          </a:lstStyle>
-          <a:p>
-            <a:pPr lvl="0"/>
-            <a:r>
-              <a:rPr lang="zh-CN" altLang="en-US" smtClean="0"/>
-              <a:t>单击此处编辑母版文本样式</a:t>
-            </a:r>
-          </a:p>
-          <a:p>
-            <a:pPr lvl="1"/>
-            <a:r>
-              <a:rPr lang="zh-CN" altLang="en-US" smtClean="0"/>
-              <a:t>第二级</a:t>
-            </a:r>
-          </a:p>
-          <a:p>
-            <a:pPr lvl="2"/>
-            <a:r>
-              <a:rPr lang="zh-CN" altLang="en-US" smtClean="0"/>
-              <a:t>第三级</a:t>
-            </a:r>
-          </a:p>
-          <a:p>
-            <a:pPr lvl="3"/>
-            <a:r>
-              <a:rPr lang="zh-CN" altLang="en-US" smtClean="0"/>
-              <a:t>第四级</a:t>
-            </a:r>
-          </a:p>
-          <a:p>
-            <a:pPr lvl="4"/>
-            <a:r>
-              <a:rPr lang="zh-CN" altLang="en-US" smtClean="0"/>
-              <a:t>第五级</a:t>
-            </a:r>
-            <a:endParaRPr lang="zh-CN" altLang="en-US"/>
-          </a:p>
-        </p:txBody>
-      </p:sp>
-      <p:sp>
-        <p:nvSpPr>
-          <p:cNvPr id="4" name="文本占位符 3"/>
-          <p:cNvSpPr>
-            <a:spLocks noGrp="1"/>
-          </p:cNvSpPr>
-          <p:nvPr>
-            <p:ph type="body" sz="half" idx="2"/>
-          </p:nvPr>
-        </p:nvSpPr>
-        <p:spPr>
-          <a:xfrm>
-            <a:off x="609601" y="1435101"/>
-            <a:ext cx="4011084" cy="4691063"/>
-          </a:xfrm>
-        </p:spPr>
-        <p:txBody>
-          <a:bodyPr/>
-          <a:lstStyle>
-            <a:lvl1pPr marL="0" indent="0">
-              <a:buNone/>
-              <a:defRPr sz="1400"/>
-            </a:lvl1pPr>
-            <a:lvl2pPr marL="457200" indent="0">
-              <a:buNone/>
-              <a:defRPr sz="1200"/>
-            </a:lvl2pPr>
-            <a:lvl3pPr marL="914400" indent="0">
-              <a:buNone/>
-              <a:defRPr sz="1000"/>
-            </a:lvl3pPr>
-            <a:lvl4pPr marL="1371600" indent="0">
-              <a:buNone/>
-              <a:defRPr sz="900"/>
-            </a:lvl4pPr>
-            <a:lvl5pPr marL="1828800" indent="0">
-              <a:buNone/>
-              <a:defRPr sz="900"/>
-            </a:lvl5pPr>
-            <a:lvl6pPr marL="2286000" indent="0">
-              <a:buNone/>
-              <a:defRPr sz="900"/>
-            </a:lvl6pPr>
-            <a:lvl7pPr marL="2743200" indent="0">
-              <a:buNone/>
-              <a:defRPr sz="900"/>
-            </a:lvl7pPr>
-            <a:lvl8pPr marL="3200400" indent="0">
-              <a:buNone/>
-              <a:defRPr sz="900"/>
-            </a:lvl8pPr>
-            <a:lvl9pPr marL="3657600" indent="0">
-              <a:buNone/>
-              <a:defRPr sz="900"/>
-            </a:lvl9pPr>
-          </a:lstStyle>
-          <a:p>
-            <a:pPr lvl="0"/>
-            <a:r>
-              <a:rPr lang="zh-CN" altLang="en-US" smtClean="0"/>
-              <a:t>单击此处编辑母版文本样式</a:t>
-            </a:r>
-          </a:p>
-        </p:txBody>
-      </p:sp>
-      <p:sp>
-        <p:nvSpPr>
-          <p:cNvPr id="5" name="日期占位符 4"/>
-          <p:cNvSpPr>
-            <a:spLocks noGrp="1"/>
-          </p:cNvSpPr>
-          <p:nvPr>
-            <p:ph type="dt" sz="half" idx="10"/>
-          </p:nvPr>
-        </p:nvSpPr>
-        <p:spPr/>
-        <p:txBody>
-          <a:bodyPr/>
-          <a:lstStyle/>
-          <a:p>
-            <a:fld id="{530820CF-B880-4189-942D-D702A7CBA730}" type="datetimeFigureOut">
-              <a:rPr lang="zh-CN" altLang="en-US" smtClean="0">
-                <a:solidFill>
-                  <a:prstClr val="black">
-                    <a:tint val="75000"/>
-                  </a:prstClr>
-                </a:solidFill>
-              </a:rPr>
-              <a:pPr/>
-              <a:t>2019/9/5</a:t>
-            </a:fld>
-            <a:endParaRPr lang="zh-CN" altLang="en-US">
-              <a:solidFill>
-                <a:prstClr val="black">
-                  <a:tint val="75000"/>
-                </a:prstClr>
-              </a:solidFill>
-            </a:endParaRPr>
-          </a:p>
-        </p:txBody>
-      </p:sp>
-      <p:sp>
-        <p:nvSpPr>
-          <p:cNvPr id="6" name="页脚占位符 5"/>
-          <p:cNvSpPr>
-            <a:spLocks noGrp="1"/>
-          </p:cNvSpPr>
-          <p:nvPr>
-            <p:ph type="ftr" sz="quarter" idx="11"/>
-          </p:nvPr>
-        </p:nvSpPr>
-        <p:spPr/>
-        <p:txBody>
-          <a:bodyPr/>
-          <a:lstStyle/>
-          <a:p>
-            <a:endParaRPr lang="zh-CN" altLang="en-US">
-              <a:solidFill>
-                <a:prstClr val="black">
-                  <a:tint val="75000"/>
-                </a:prstClr>
-              </a:solidFill>
-            </a:endParaRPr>
-          </a:p>
-        </p:txBody>
-      </p:sp>
-      <p:sp>
-        <p:nvSpPr>
-          <p:cNvPr id="7" name="灯片编号占位符 6"/>
-          <p:cNvSpPr>
-            <a:spLocks noGrp="1"/>
-          </p:cNvSpPr>
-          <p:nvPr>
-            <p:ph type="sldNum" sz="quarter" idx="12"/>
-          </p:nvPr>
-        </p:nvSpPr>
-        <p:spPr/>
-        <p:txBody>
-          <a:bodyPr/>
-          <a:lstStyle/>
-          <a:p>
-            <a:fld id="{0C913308-F349-4B6D-A68A-DD1791B4A57B}" type="slidenum">
-              <a:rPr lang="zh-CN" altLang="en-US" smtClean="0">
-                <a:solidFill>
-                  <a:prstClr val="black">
-                    <a:tint val="75000"/>
-                  </a:prstClr>
-                </a:solidFill>
-              </a:rPr>
-              <a:pPr/>
-              <a:t>‹#›</a:t>
-            </a:fld>
-            <a:endParaRPr lang="zh-CN" altLang="en-US">
-              <a:solidFill>
-                <a:prstClr val="black">
-                  <a:tint val="75000"/>
-                </a:prstClr>
-              </a:solidFill>
-            </a:endParaRPr>
-          </a:p>
-        </p:txBody>
-      </p:sp>
-    </p:spTree>
-    <p:extLst>
-      <p:ext uri="{BB962C8B-B14F-4D97-AF65-F5344CB8AC3E}">
-        <p14:creationId xmlns:p14="http://schemas.microsoft.com/office/powerpoint/2010/main" val="3296081954"/>
-      </p:ext>
-    </p:extLst>
-  </p:cSld>
-  <p:clrMapOvr>
-    <a:masterClrMapping/>
-  </p:clrMapOvr>
-</p:sldLayout>
-</file>
-
-<file path=ppt/slideLayouts/slideLayout21.xml><?xml version="1.0" encoding="utf-8"?>
-<p:sldLayout xmlns:a="http://schemas.openxmlformats.org/drawingml/2006/main" xmlns:r="http://schemas.openxmlformats.org/officeDocument/2006/relationships" xmlns:p="http://schemas.openxmlformats.org/presentationml/2006/main" type="picTx" preserve="1">
-  <p:cSld name="图片与标题">
-    <p:spTree>
-      <p:nvGrpSpPr>
-        <p:cNvPr id="1" name=""/>
-        <p:cNvGrpSpPr/>
-        <p:nvPr/>
-      </p:nvGrpSpPr>
-      <p:grpSpPr>
-        <a:xfrm>
-          <a:off x="0" y="0"/>
-          <a:ext cx="0" cy="0"/>
-          <a:chOff x="0" y="0"/>
-          <a:chExt cx="0" cy="0"/>
-        </a:xfrm>
-      </p:grpSpPr>
-      <p:sp>
-        <p:nvSpPr>
-          <p:cNvPr id="2" name="标题 1"/>
-          <p:cNvSpPr>
-            <a:spLocks noGrp="1"/>
-          </p:cNvSpPr>
-          <p:nvPr>
-            <p:ph type="title"/>
-          </p:nvPr>
-        </p:nvSpPr>
-        <p:spPr>
-          <a:xfrm>
-            <a:off x="2389717" y="4800600"/>
-            <a:ext cx="7315200" cy="566738"/>
-          </a:xfrm>
-        </p:spPr>
-        <p:txBody>
-          <a:bodyPr anchor="b"/>
-          <a:lstStyle>
-            <a:lvl1pPr algn="l">
-              <a:defRPr sz="2000" b="1"/>
-            </a:lvl1pPr>
-          </a:lstStyle>
-          <a:p>
-            <a:r>
-              <a:rPr lang="zh-CN" altLang="en-US" smtClean="0"/>
-              <a:t>单击此处编辑母版标题样式</a:t>
-            </a:r>
-            <a:endParaRPr lang="zh-CN" altLang="en-US"/>
-          </a:p>
-        </p:txBody>
-      </p:sp>
-      <p:sp>
-        <p:nvSpPr>
-          <p:cNvPr id="3" name="图片占位符 2"/>
-          <p:cNvSpPr>
-            <a:spLocks noGrp="1"/>
-          </p:cNvSpPr>
-          <p:nvPr>
-            <p:ph type="pic" idx="1"/>
-          </p:nvPr>
-        </p:nvSpPr>
-        <p:spPr>
-          <a:xfrm>
-            <a:off x="2389717" y="612775"/>
-            <a:ext cx="7315200" cy="4114800"/>
-          </a:xfrm>
-        </p:spPr>
-        <p:txBody>
-          <a:bodyPr/>
-          <a:lstStyle>
-            <a:lvl1pPr marL="0" indent="0">
-              <a:buNone/>
-              <a:defRPr sz="3200"/>
-            </a:lvl1pPr>
-            <a:lvl2pPr marL="457200" indent="0">
-              <a:buNone/>
-              <a:defRPr sz="2800"/>
-            </a:lvl2pPr>
-            <a:lvl3pPr marL="914400" indent="0">
-              <a:buNone/>
-              <a:defRPr sz="2400"/>
-            </a:lvl3pPr>
-            <a:lvl4pPr marL="1371600" indent="0">
-              <a:buNone/>
-              <a:defRPr sz="2000"/>
-            </a:lvl4pPr>
-            <a:lvl5pPr marL="1828800" indent="0">
-              <a:buNone/>
-              <a:defRPr sz="2000"/>
-            </a:lvl5pPr>
-            <a:lvl6pPr marL="2286000" indent="0">
-              <a:buNone/>
-              <a:defRPr sz="2000"/>
-            </a:lvl6pPr>
-            <a:lvl7pPr marL="2743200" indent="0">
-              <a:buNone/>
-              <a:defRPr sz="2000"/>
-            </a:lvl7pPr>
-            <a:lvl8pPr marL="3200400" indent="0">
-              <a:buNone/>
-              <a:defRPr sz="2000"/>
-            </a:lvl8pPr>
-            <a:lvl9pPr marL="3657600" indent="0">
-              <a:buNone/>
-              <a:defRPr sz="2000"/>
-            </a:lvl9pPr>
-          </a:lstStyle>
-          <a:p>
-            <a:endParaRPr lang="zh-CN" altLang="en-US"/>
-          </a:p>
-        </p:txBody>
-      </p:sp>
-      <p:sp>
-        <p:nvSpPr>
-          <p:cNvPr id="4" name="文本占位符 3"/>
-          <p:cNvSpPr>
-            <a:spLocks noGrp="1"/>
-          </p:cNvSpPr>
-          <p:nvPr>
-            <p:ph type="body" sz="half" idx="2"/>
-          </p:nvPr>
-        </p:nvSpPr>
-        <p:spPr>
-          <a:xfrm>
-            <a:off x="2389717" y="5367338"/>
-            <a:ext cx="7315200" cy="804862"/>
-          </a:xfrm>
-        </p:spPr>
-        <p:txBody>
-          <a:bodyPr/>
-          <a:lstStyle>
-            <a:lvl1pPr marL="0" indent="0">
-              <a:buNone/>
-              <a:defRPr sz="1400"/>
-            </a:lvl1pPr>
-            <a:lvl2pPr marL="457200" indent="0">
-              <a:buNone/>
-              <a:defRPr sz="1200"/>
-            </a:lvl2pPr>
-            <a:lvl3pPr marL="914400" indent="0">
-              <a:buNone/>
-              <a:defRPr sz="1000"/>
-            </a:lvl3pPr>
-            <a:lvl4pPr marL="1371600" indent="0">
-              <a:buNone/>
-              <a:defRPr sz="900"/>
-            </a:lvl4pPr>
-            <a:lvl5pPr marL="1828800" indent="0">
-              <a:buNone/>
-              <a:defRPr sz="900"/>
-            </a:lvl5pPr>
-            <a:lvl6pPr marL="2286000" indent="0">
-              <a:buNone/>
-              <a:defRPr sz="900"/>
-            </a:lvl6pPr>
-            <a:lvl7pPr marL="2743200" indent="0">
-              <a:buNone/>
-              <a:defRPr sz="900"/>
-            </a:lvl7pPr>
-            <a:lvl8pPr marL="3200400" indent="0">
-              <a:buNone/>
-              <a:defRPr sz="900"/>
-            </a:lvl8pPr>
-            <a:lvl9pPr marL="3657600" indent="0">
-              <a:buNone/>
-              <a:defRPr sz="900"/>
-            </a:lvl9pPr>
-          </a:lstStyle>
-          <a:p>
-            <a:pPr lvl="0"/>
-            <a:r>
-              <a:rPr lang="zh-CN" altLang="en-US" smtClean="0"/>
-              <a:t>单击此处编辑母版文本样式</a:t>
-            </a:r>
-          </a:p>
-        </p:txBody>
-      </p:sp>
-      <p:sp>
-        <p:nvSpPr>
-          <p:cNvPr id="5" name="日期占位符 4"/>
-          <p:cNvSpPr>
-            <a:spLocks noGrp="1"/>
-          </p:cNvSpPr>
-          <p:nvPr>
-            <p:ph type="dt" sz="half" idx="10"/>
-          </p:nvPr>
-        </p:nvSpPr>
-        <p:spPr/>
-        <p:txBody>
-          <a:bodyPr/>
-          <a:lstStyle/>
-          <a:p>
-            <a:fld id="{530820CF-B880-4189-942D-D702A7CBA730}" type="datetimeFigureOut">
-              <a:rPr lang="zh-CN" altLang="en-US" smtClean="0">
-                <a:solidFill>
-                  <a:prstClr val="black">
-                    <a:tint val="75000"/>
-                  </a:prstClr>
-                </a:solidFill>
-              </a:rPr>
-              <a:pPr/>
-              <a:t>2019/9/5</a:t>
-            </a:fld>
-            <a:endParaRPr lang="zh-CN" altLang="en-US">
-              <a:solidFill>
-                <a:prstClr val="black">
-                  <a:tint val="75000"/>
-                </a:prstClr>
-              </a:solidFill>
-            </a:endParaRPr>
-          </a:p>
-        </p:txBody>
-      </p:sp>
-      <p:sp>
-        <p:nvSpPr>
-          <p:cNvPr id="6" name="页脚占位符 5"/>
-          <p:cNvSpPr>
-            <a:spLocks noGrp="1"/>
-          </p:cNvSpPr>
-          <p:nvPr>
-            <p:ph type="ftr" sz="quarter" idx="11"/>
-          </p:nvPr>
-        </p:nvSpPr>
-        <p:spPr/>
-        <p:txBody>
-          <a:bodyPr/>
-          <a:lstStyle/>
-          <a:p>
-            <a:endParaRPr lang="zh-CN" altLang="en-US">
-              <a:solidFill>
-                <a:prstClr val="black">
-                  <a:tint val="75000"/>
-                </a:prstClr>
-              </a:solidFill>
-            </a:endParaRPr>
-          </a:p>
-        </p:txBody>
-      </p:sp>
-      <p:sp>
-        <p:nvSpPr>
-          <p:cNvPr id="7" name="灯片编号占位符 6"/>
-          <p:cNvSpPr>
-            <a:spLocks noGrp="1"/>
-          </p:cNvSpPr>
-          <p:nvPr>
-            <p:ph type="sldNum" sz="quarter" idx="12"/>
-          </p:nvPr>
-        </p:nvSpPr>
-        <p:spPr/>
-        <p:txBody>
-          <a:bodyPr/>
-          <a:lstStyle/>
-          <a:p>
-            <a:fld id="{0C913308-F349-4B6D-A68A-DD1791B4A57B}" type="slidenum">
-              <a:rPr lang="zh-CN" altLang="en-US" smtClean="0">
-                <a:solidFill>
-                  <a:prstClr val="black">
-                    <a:tint val="75000"/>
-                  </a:prstClr>
-                </a:solidFill>
-              </a:rPr>
-              <a:pPr/>
-              <a:t>‹#›</a:t>
-            </a:fld>
-            <a:endParaRPr lang="zh-CN" altLang="en-US">
-              <a:solidFill>
-                <a:prstClr val="black">
-                  <a:tint val="75000"/>
-                </a:prstClr>
-              </a:solidFill>
-            </a:endParaRPr>
-          </a:p>
-        </p:txBody>
-      </p:sp>
-    </p:spTree>
-    <p:extLst>
-      <p:ext uri="{BB962C8B-B14F-4D97-AF65-F5344CB8AC3E}">
-        <p14:creationId xmlns:p14="http://schemas.microsoft.com/office/powerpoint/2010/main" val="1724914435"/>
-      </p:ext>
-    </p:extLst>
-  </p:cSld>
-  <p:clrMapOvr>
-    <a:masterClrMapping/>
-  </p:clrMapOvr>
-</p:sldLayout>
-</file>
-
-<file path=ppt/slideLayouts/slideLayout22.xml><?xml version="1.0" encoding="utf-8"?>
-<p:sldLayout xmlns:a="http://schemas.openxmlformats.org/drawingml/2006/main" xmlns:r="http://schemas.openxmlformats.org/officeDocument/2006/relationships" xmlns:p="http://schemas.openxmlformats.org/presentationml/2006/main" type="vertTx" preserve="1">
-  <p:cSld name="标题和竖排文字">
-    <p:spTree>
-      <p:nvGrpSpPr>
-        <p:cNvPr id="1" name=""/>
-        <p:cNvGrpSpPr/>
-        <p:nvPr/>
-      </p:nvGrpSpPr>
-      <p:grpSpPr>
-        <a:xfrm>
-          <a:off x="0" y="0"/>
-          <a:ext cx="0" cy="0"/>
-          <a:chOff x="0" y="0"/>
-          <a:chExt cx="0" cy="0"/>
-        </a:xfrm>
-      </p:grpSpPr>
-      <p:sp>
-        <p:nvSpPr>
-          <p:cNvPr id="2" name="标题 1"/>
-          <p:cNvSpPr>
-            <a:spLocks noGrp="1"/>
-          </p:cNvSpPr>
-          <p:nvPr>
-            <p:ph type="title"/>
-          </p:nvPr>
-        </p:nvSpPr>
-        <p:spPr/>
-        <p:txBody>
-          <a:bodyPr/>
-          <a:lstStyle/>
-          <a:p>
-            <a:r>
-              <a:rPr lang="zh-CN" altLang="en-US" smtClean="0"/>
-              <a:t>单击此处编辑母版标题样式</a:t>
-            </a:r>
-            <a:endParaRPr lang="zh-CN" altLang="en-US"/>
-          </a:p>
-        </p:txBody>
-      </p:sp>
-      <p:sp>
-        <p:nvSpPr>
-          <p:cNvPr id="3" name="竖排文字占位符 2"/>
-          <p:cNvSpPr>
-            <a:spLocks noGrp="1"/>
-          </p:cNvSpPr>
-          <p:nvPr>
-            <p:ph type="body" orient="vert" idx="1"/>
-          </p:nvPr>
-        </p:nvSpPr>
-        <p:spPr/>
-        <p:txBody>
-          <a:bodyPr vert="eaVert"/>
-          <a:lstStyle/>
-          <a:p>
-            <a:pPr lvl="0"/>
-            <a:r>
-              <a:rPr lang="zh-CN" altLang="en-US" smtClean="0"/>
-              <a:t>单击此处编辑母版文本样式</a:t>
-            </a:r>
-          </a:p>
-          <a:p>
-            <a:pPr lvl="1"/>
-            <a:r>
-              <a:rPr lang="zh-CN" altLang="en-US" smtClean="0"/>
-              <a:t>第二级</a:t>
-            </a:r>
-          </a:p>
-          <a:p>
-            <a:pPr lvl="2"/>
-            <a:r>
-              <a:rPr lang="zh-CN" altLang="en-US" smtClean="0"/>
-              <a:t>第三级</a:t>
-            </a:r>
-          </a:p>
-          <a:p>
-            <a:pPr lvl="3"/>
-            <a:r>
-              <a:rPr lang="zh-CN" altLang="en-US" smtClean="0"/>
-              <a:t>第四级</a:t>
-            </a:r>
-          </a:p>
-          <a:p>
-            <a:pPr lvl="4"/>
-            <a:r>
-              <a:rPr lang="zh-CN" altLang="en-US" smtClean="0"/>
-              <a:t>第五级</a:t>
-            </a:r>
-            <a:endParaRPr lang="zh-CN" altLang="en-US"/>
-          </a:p>
-        </p:txBody>
-      </p:sp>
-      <p:sp>
-        <p:nvSpPr>
-          <p:cNvPr id="4" name="日期占位符 3"/>
-          <p:cNvSpPr>
-            <a:spLocks noGrp="1"/>
-          </p:cNvSpPr>
-          <p:nvPr>
-            <p:ph type="dt" sz="half" idx="10"/>
-          </p:nvPr>
-        </p:nvSpPr>
-        <p:spPr/>
-        <p:txBody>
-          <a:bodyPr/>
-          <a:lstStyle/>
-          <a:p>
-            <a:fld id="{530820CF-B880-4189-942D-D702A7CBA730}" type="datetimeFigureOut">
-              <a:rPr lang="zh-CN" altLang="en-US" smtClean="0">
-                <a:solidFill>
-                  <a:prstClr val="black">
-                    <a:tint val="75000"/>
-                  </a:prstClr>
-                </a:solidFill>
-              </a:rPr>
-              <a:pPr/>
-              <a:t>2019/9/5</a:t>
-            </a:fld>
-            <a:endParaRPr lang="zh-CN" altLang="en-US">
-              <a:solidFill>
-                <a:prstClr val="black">
-                  <a:tint val="75000"/>
-                </a:prstClr>
-              </a:solidFill>
-            </a:endParaRPr>
-          </a:p>
-        </p:txBody>
-      </p:sp>
-      <p:sp>
-        <p:nvSpPr>
-          <p:cNvPr id="5" name="页脚占位符 4"/>
-          <p:cNvSpPr>
-            <a:spLocks noGrp="1"/>
-          </p:cNvSpPr>
-          <p:nvPr>
-            <p:ph type="ftr" sz="quarter" idx="11"/>
-          </p:nvPr>
-        </p:nvSpPr>
-        <p:spPr/>
-        <p:txBody>
-          <a:bodyPr/>
-          <a:lstStyle/>
-          <a:p>
-            <a:endParaRPr lang="zh-CN" altLang="en-US">
-              <a:solidFill>
-                <a:prstClr val="black">
-                  <a:tint val="75000"/>
-                </a:prstClr>
-              </a:solidFill>
-            </a:endParaRPr>
-          </a:p>
-        </p:txBody>
-      </p:sp>
-      <p:sp>
-        <p:nvSpPr>
-          <p:cNvPr id="6" name="灯片编号占位符 5"/>
-          <p:cNvSpPr>
-            <a:spLocks noGrp="1"/>
-          </p:cNvSpPr>
-          <p:nvPr>
-            <p:ph type="sldNum" sz="quarter" idx="12"/>
-          </p:nvPr>
-        </p:nvSpPr>
-        <p:spPr/>
-        <p:txBody>
-          <a:bodyPr/>
-          <a:lstStyle/>
-          <a:p>
-            <a:fld id="{0C913308-F349-4B6D-A68A-DD1791B4A57B}" type="slidenum">
-              <a:rPr lang="zh-CN" altLang="en-US" smtClean="0">
-                <a:solidFill>
-                  <a:prstClr val="black">
-                    <a:tint val="75000"/>
-                  </a:prstClr>
-                </a:solidFill>
-              </a:rPr>
-              <a:pPr/>
-              <a:t>‹#›</a:t>
-            </a:fld>
-            <a:endParaRPr lang="zh-CN" altLang="en-US">
-              <a:solidFill>
-                <a:prstClr val="black">
-                  <a:tint val="75000"/>
-                </a:prstClr>
-              </a:solidFill>
-            </a:endParaRPr>
-          </a:p>
-        </p:txBody>
-      </p:sp>
-    </p:spTree>
-    <p:extLst>
-      <p:ext uri="{BB962C8B-B14F-4D97-AF65-F5344CB8AC3E}">
-        <p14:creationId xmlns:p14="http://schemas.microsoft.com/office/powerpoint/2010/main" val="3003139812"/>
-      </p:ext>
-    </p:extLst>
-  </p:cSld>
-  <p:clrMapOvr>
-    <a:masterClrMapping/>
-  </p:clrMapOvr>
-</p:sldLayout>
-</file>
-
-<file path=ppt/slideLayouts/slideLayout23.xml><?xml version="1.0" encoding="utf-8"?>
-<p:sldLayout xmlns:a="http://schemas.openxmlformats.org/drawingml/2006/main" xmlns:r="http://schemas.openxmlformats.org/officeDocument/2006/relationships" xmlns:p="http://schemas.openxmlformats.org/presentationml/2006/main" type="vertTitleAndTx" preserve="1">
-  <p:cSld name="垂直排列标题与文本">
-    <p:spTree>
-      <p:nvGrpSpPr>
-        <p:cNvPr id="1" name=""/>
-        <p:cNvGrpSpPr/>
-        <p:nvPr/>
-      </p:nvGrpSpPr>
-      <p:grpSpPr>
-        <a:xfrm>
-          <a:off x="0" y="0"/>
-          <a:ext cx="0" cy="0"/>
-          <a:chOff x="0" y="0"/>
-          <a:chExt cx="0" cy="0"/>
-        </a:xfrm>
-      </p:grpSpPr>
-      <p:sp>
-        <p:nvSpPr>
-          <p:cNvPr id="2" name="竖排标题 1"/>
-          <p:cNvSpPr>
-            <a:spLocks noGrp="1"/>
-          </p:cNvSpPr>
-          <p:nvPr>
-            <p:ph type="title" orient="vert"/>
-          </p:nvPr>
-        </p:nvSpPr>
-        <p:spPr>
-          <a:xfrm>
-            <a:off x="8839200" y="274639"/>
-            <a:ext cx="2743200" cy="5851525"/>
-          </a:xfrm>
-        </p:spPr>
-        <p:txBody>
-          <a:bodyPr vert="eaVert"/>
-          <a:lstStyle/>
-          <a:p>
-            <a:r>
-              <a:rPr lang="zh-CN" altLang="en-US" smtClean="0"/>
-              <a:t>单击此处编辑母版标题样式</a:t>
-            </a:r>
-            <a:endParaRPr lang="zh-CN" altLang="en-US"/>
-          </a:p>
-        </p:txBody>
-      </p:sp>
-      <p:sp>
-        <p:nvSpPr>
-          <p:cNvPr id="3" name="竖排文字占位符 2"/>
-          <p:cNvSpPr>
-            <a:spLocks noGrp="1"/>
-          </p:cNvSpPr>
-          <p:nvPr>
-            <p:ph type="body" orient="vert" idx="1"/>
-          </p:nvPr>
-        </p:nvSpPr>
-        <p:spPr>
-          <a:xfrm>
-            <a:off x="609600" y="274639"/>
-            <a:ext cx="8026400" cy="5851525"/>
-          </a:xfrm>
-        </p:spPr>
-        <p:txBody>
-          <a:bodyPr vert="eaVert"/>
-          <a:lstStyle/>
-          <a:p>
-            <a:pPr lvl="0"/>
-            <a:r>
-              <a:rPr lang="zh-CN" altLang="en-US" smtClean="0"/>
-              <a:t>单击此处编辑母版文本样式</a:t>
-            </a:r>
-          </a:p>
-          <a:p>
-            <a:pPr lvl="1"/>
-            <a:r>
-              <a:rPr lang="zh-CN" altLang="en-US" smtClean="0"/>
-              <a:t>第二级</a:t>
-            </a:r>
-          </a:p>
-          <a:p>
-            <a:pPr lvl="2"/>
-            <a:r>
-              <a:rPr lang="zh-CN" altLang="en-US" smtClean="0"/>
-              <a:t>第三级</a:t>
-            </a:r>
-          </a:p>
-          <a:p>
-            <a:pPr lvl="3"/>
-            <a:r>
-              <a:rPr lang="zh-CN" altLang="en-US" smtClean="0"/>
-              <a:t>第四级</a:t>
-            </a:r>
-          </a:p>
-          <a:p>
-            <a:pPr lvl="4"/>
-            <a:r>
-              <a:rPr lang="zh-CN" altLang="en-US" smtClean="0"/>
-              <a:t>第五级</a:t>
-            </a:r>
-            <a:endParaRPr lang="zh-CN" altLang="en-US"/>
-          </a:p>
-        </p:txBody>
-      </p:sp>
-      <p:sp>
-        <p:nvSpPr>
-          <p:cNvPr id="4" name="日期占位符 3"/>
-          <p:cNvSpPr>
-            <a:spLocks noGrp="1"/>
-          </p:cNvSpPr>
-          <p:nvPr>
-            <p:ph type="dt" sz="half" idx="10"/>
-          </p:nvPr>
-        </p:nvSpPr>
-        <p:spPr/>
-        <p:txBody>
-          <a:bodyPr/>
-          <a:lstStyle/>
-          <a:p>
-            <a:fld id="{530820CF-B880-4189-942D-D702A7CBA730}" type="datetimeFigureOut">
-              <a:rPr lang="zh-CN" altLang="en-US" smtClean="0">
-                <a:solidFill>
-                  <a:prstClr val="black">
-                    <a:tint val="75000"/>
-                  </a:prstClr>
-                </a:solidFill>
-              </a:rPr>
-              <a:pPr/>
-              <a:t>2019/9/5</a:t>
-            </a:fld>
-            <a:endParaRPr lang="zh-CN" altLang="en-US">
-              <a:solidFill>
-                <a:prstClr val="black">
-                  <a:tint val="75000"/>
-                </a:prstClr>
-              </a:solidFill>
-            </a:endParaRPr>
-          </a:p>
-        </p:txBody>
-      </p:sp>
-      <p:sp>
-        <p:nvSpPr>
-          <p:cNvPr id="5" name="页脚占位符 4"/>
-          <p:cNvSpPr>
-            <a:spLocks noGrp="1"/>
-          </p:cNvSpPr>
-          <p:nvPr>
-            <p:ph type="ftr" sz="quarter" idx="11"/>
-          </p:nvPr>
-        </p:nvSpPr>
-        <p:spPr/>
-        <p:txBody>
-          <a:bodyPr/>
-          <a:lstStyle/>
-          <a:p>
-            <a:endParaRPr lang="zh-CN" altLang="en-US">
-              <a:solidFill>
-                <a:prstClr val="black">
-                  <a:tint val="75000"/>
-                </a:prstClr>
-              </a:solidFill>
-            </a:endParaRPr>
-          </a:p>
-        </p:txBody>
-      </p:sp>
-      <p:sp>
-        <p:nvSpPr>
-          <p:cNvPr id="6" name="灯片编号占位符 5"/>
-          <p:cNvSpPr>
-            <a:spLocks noGrp="1"/>
-          </p:cNvSpPr>
-          <p:nvPr>
-            <p:ph type="sldNum" sz="quarter" idx="12"/>
-          </p:nvPr>
-        </p:nvSpPr>
-        <p:spPr/>
-        <p:txBody>
-          <a:bodyPr/>
-          <a:lstStyle/>
-          <a:p>
-            <a:fld id="{0C913308-F349-4B6D-A68A-DD1791B4A57B}" type="slidenum">
-              <a:rPr lang="zh-CN" altLang="en-US" smtClean="0">
-                <a:solidFill>
-                  <a:prstClr val="black">
-                    <a:tint val="75000"/>
-                  </a:prstClr>
-                </a:solidFill>
-              </a:rPr>
-              <a:pPr/>
-              <a:t>‹#›</a:t>
-            </a:fld>
-            <a:endParaRPr lang="zh-CN" altLang="en-US">
-              <a:solidFill>
-                <a:prstClr val="black">
-                  <a:tint val="75000"/>
-                </a:prstClr>
-              </a:solidFill>
-            </a:endParaRPr>
-          </a:p>
-        </p:txBody>
-      </p:sp>
-    </p:spTree>
-    <p:extLst>
-      <p:ext uri="{BB962C8B-B14F-4D97-AF65-F5344CB8AC3E}">
-        <p14:creationId xmlns:p14="http://schemas.microsoft.com/office/powerpoint/2010/main" val="3500822726"/>
       </p:ext>
     </p:extLst>
   </p:cSld>
@@ -10360,7 +7622,7 @@
           <a:p>
             <a:fld id="{F83BAC30-0A52-4917-A8C1-96351948BD0A}" type="datetimeFigureOut">
               <a:rPr lang="zh-CN" altLang="en-US" smtClean="0"/>
-              <a:t>2019/9/5</a:t>
+              <a:t>2019/9/10</a:t>
             </a:fld>
             <a:endParaRPr lang="zh-CN" altLang="en-US"/>
           </a:p>
@@ -10625,7 +7887,7 @@
           <a:p>
             <a:fld id="{F83BAC30-0A52-4917-A8C1-96351948BD0A}" type="datetimeFigureOut">
               <a:rPr lang="zh-CN" altLang="en-US" smtClean="0"/>
-              <a:t>2019/9/5</a:t>
+              <a:t>2019/9/10</a:t>
             </a:fld>
             <a:endParaRPr lang="zh-CN" altLang="en-US"/>
           </a:p>
@@ -11037,7 +8299,7 @@
           <a:p>
             <a:fld id="{F83BAC30-0A52-4917-A8C1-96351948BD0A}" type="datetimeFigureOut">
               <a:rPr lang="zh-CN" altLang="en-US" smtClean="0"/>
-              <a:t>2019/9/5</a:t>
+              <a:t>2019/9/10</a:t>
             </a:fld>
             <a:endParaRPr lang="zh-CN" altLang="en-US"/>
           </a:p>
@@ -11178,7 +8440,7 @@
           <a:p>
             <a:fld id="{F83BAC30-0A52-4917-A8C1-96351948BD0A}" type="datetimeFigureOut">
               <a:rPr lang="zh-CN" altLang="en-US" smtClean="0"/>
-              <a:t>2019/9/5</a:t>
+              <a:t>2019/9/10</a:t>
             </a:fld>
             <a:endParaRPr lang="zh-CN" altLang="en-US"/>
           </a:p>
@@ -11291,7 +8553,7 @@
           <a:p>
             <a:fld id="{F83BAC30-0A52-4917-A8C1-96351948BD0A}" type="datetimeFigureOut">
               <a:rPr lang="zh-CN" altLang="en-US" smtClean="0"/>
-              <a:t>2019/9/5</a:t>
+              <a:t>2019/9/10</a:t>
             </a:fld>
             <a:endParaRPr lang="zh-CN" altLang="en-US"/>
           </a:p>
@@ -11602,7 +8864,7 @@
           <a:p>
             <a:fld id="{F83BAC30-0A52-4917-A8C1-96351948BD0A}" type="datetimeFigureOut">
               <a:rPr lang="zh-CN" altLang="en-US" smtClean="0"/>
-              <a:t>2019/9/5</a:t>
+              <a:t>2019/9/10</a:t>
             </a:fld>
             <a:endParaRPr lang="zh-CN" altLang="en-US"/>
           </a:p>
@@ -11890,7 +9152,7 @@
           <a:p>
             <a:fld id="{F83BAC30-0A52-4917-A8C1-96351948BD0A}" type="datetimeFigureOut">
               <a:rPr lang="zh-CN" altLang="en-US" smtClean="0"/>
-              <a:t>2019/9/5</a:t>
+              <a:t>2019/9/10</a:t>
             </a:fld>
             <a:endParaRPr lang="zh-CN" altLang="en-US"/>
           </a:p>
@@ -12136,7 +9398,7 @@
           <a:p>
             <a:fld id="{F83BAC30-0A52-4917-A8C1-96351948BD0A}" type="datetimeFigureOut">
               <a:rPr lang="zh-CN" altLang="en-US" smtClean="0"/>
-              <a:t>2019/9/5</a:t>
+              <a:t>2019/9/10</a:t>
             </a:fld>
             <a:endParaRPr lang="zh-CN" altLang="en-US"/>
           </a:p>
@@ -12922,548 +10184,6 @@
         <a:buFont typeface="Arial" panose="020B0604020202020204" pitchFamily="34" charset="0"/>
         <a:buChar char="•"/>
         <a:defRPr sz="1800" kern="1200">
-          <a:solidFill>
-            <a:schemeClr val="tx1"/>
-          </a:solidFill>
-          <a:latin typeface="+mn-lt"/>
-          <a:ea typeface="+mn-ea"/>
-          <a:cs typeface="+mn-cs"/>
-        </a:defRPr>
-      </a:lvl9pPr>
-    </p:bodyStyle>
-    <p:otherStyle>
-      <a:defPPr>
-        <a:defRPr lang="zh-CN"/>
-      </a:defPPr>
-      <a:lvl1pPr marL="0" algn="l" defTabSz="914400" rtl="0" eaLnBrk="1" latinLnBrk="0" hangingPunct="1">
-        <a:defRPr sz="1800" kern="1200">
-          <a:solidFill>
-            <a:schemeClr val="tx1"/>
-          </a:solidFill>
-          <a:latin typeface="+mn-lt"/>
-          <a:ea typeface="+mn-ea"/>
-          <a:cs typeface="+mn-cs"/>
-        </a:defRPr>
-      </a:lvl1pPr>
-      <a:lvl2pPr marL="457200" algn="l" defTabSz="914400" rtl="0" eaLnBrk="1" latinLnBrk="0" hangingPunct="1">
-        <a:defRPr sz="1800" kern="1200">
-          <a:solidFill>
-            <a:schemeClr val="tx1"/>
-          </a:solidFill>
-          <a:latin typeface="+mn-lt"/>
-          <a:ea typeface="+mn-ea"/>
-          <a:cs typeface="+mn-cs"/>
-        </a:defRPr>
-      </a:lvl2pPr>
-      <a:lvl3pPr marL="914400" algn="l" defTabSz="914400" rtl="0" eaLnBrk="1" latinLnBrk="0" hangingPunct="1">
-        <a:defRPr sz="1800" kern="1200">
-          <a:solidFill>
-            <a:schemeClr val="tx1"/>
-          </a:solidFill>
-          <a:latin typeface="+mn-lt"/>
-          <a:ea typeface="+mn-ea"/>
-          <a:cs typeface="+mn-cs"/>
-        </a:defRPr>
-      </a:lvl3pPr>
-      <a:lvl4pPr marL="1371600" algn="l" defTabSz="914400" rtl="0" eaLnBrk="1" latinLnBrk="0" hangingPunct="1">
-        <a:defRPr sz="1800" kern="1200">
-          <a:solidFill>
-            <a:schemeClr val="tx1"/>
-          </a:solidFill>
-          <a:latin typeface="+mn-lt"/>
-          <a:ea typeface="+mn-ea"/>
-          <a:cs typeface="+mn-cs"/>
-        </a:defRPr>
-      </a:lvl4pPr>
-      <a:lvl5pPr marL="1828800" algn="l" defTabSz="914400" rtl="0" eaLnBrk="1" latinLnBrk="0" hangingPunct="1">
-        <a:defRPr sz="1800" kern="1200">
-          <a:solidFill>
-            <a:schemeClr val="tx1"/>
-          </a:solidFill>
-          <a:latin typeface="+mn-lt"/>
-          <a:ea typeface="+mn-ea"/>
-          <a:cs typeface="+mn-cs"/>
-        </a:defRPr>
-      </a:lvl5pPr>
-      <a:lvl6pPr marL="2286000" algn="l" defTabSz="914400" rtl="0" eaLnBrk="1" latinLnBrk="0" hangingPunct="1">
-        <a:defRPr sz="1800" kern="1200">
-          <a:solidFill>
-            <a:schemeClr val="tx1"/>
-          </a:solidFill>
-          <a:latin typeface="+mn-lt"/>
-          <a:ea typeface="+mn-ea"/>
-          <a:cs typeface="+mn-cs"/>
-        </a:defRPr>
-      </a:lvl6pPr>
-      <a:lvl7pPr marL="2743200" algn="l" defTabSz="914400" rtl="0" eaLnBrk="1" latinLnBrk="0" hangingPunct="1">
-        <a:defRPr sz="1800" kern="1200">
-          <a:solidFill>
-            <a:schemeClr val="tx1"/>
-          </a:solidFill>
-          <a:latin typeface="+mn-lt"/>
-          <a:ea typeface="+mn-ea"/>
-          <a:cs typeface="+mn-cs"/>
-        </a:defRPr>
-      </a:lvl7pPr>
-      <a:lvl8pPr marL="3200400" algn="l" defTabSz="914400" rtl="0" eaLnBrk="1" latinLnBrk="0" hangingPunct="1">
-        <a:defRPr sz="1800" kern="1200">
-          <a:solidFill>
-            <a:schemeClr val="tx1"/>
-          </a:solidFill>
-          <a:latin typeface="+mn-lt"/>
-          <a:ea typeface="+mn-ea"/>
-          <a:cs typeface="+mn-cs"/>
-        </a:defRPr>
-      </a:lvl8pPr>
-      <a:lvl9pPr marL="3657600" algn="l" defTabSz="914400" rtl="0" eaLnBrk="1" latinLnBrk="0" hangingPunct="1">
-        <a:defRPr sz="1800" kern="1200">
-          <a:solidFill>
-            <a:schemeClr val="tx1"/>
-          </a:solidFill>
-          <a:latin typeface="+mn-lt"/>
-          <a:ea typeface="+mn-ea"/>
-          <a:cs typeface="+mn-cs"/>
-        </a:defRPr>
-      </a:lvl9pPr>
-    </p:otherStyle>
-  </p:txStyles>
-</p:sldMaster>
-</file>
-
-<file path=ppt/slideMasters/slideMaster2.xml><?xml version="1.0" encoding="utf-8"?>
-<p:sldMaster xmlns:a="http://schemas.openxmlformats.org/drawingml/2006/main" xmlns:r="http://schemas.openxmlformats.org/officeDocument/2006/relationships" xmlns:p="http://schemas.openxmlformats.org/presentationml/2006/main">
-  <p:cSld>
-    <p:bg>
-      <p:bgRef idx="1001">
-        <a:schemeClr val="bg1"/>
-      </p:bgRef>
-    </p:bg>
-    <p:spTree>
-      <p:nvGrpSpPr>
-        <p:cNvPr id="1" name=""/>
-        <p:cNvGrpSpPr/>
-        <p:nvPr/>
-      </p:nvGrpSpPr>
-      <p:grpSpPr>
-        <a:xfrm>
-          <a:off x="0" y="0"/>
-          <a:ext cx="0" cy="0"/>
-          <a:chOff x="0" y="0"/>
-          <a:chExt cx="0" cy="0"/>
-        </a:xfrm>
-      </p:grpSpPr>
-      <p:sp>
-        <p:nvSpPr>
-          <p:cNvPr id="2" name="标题占位符 1"/>
-          <p:cNvSpPr>
-            <a:spLocks noGrp="1"/>
-          </p:cNvSpPr>
-          <p:nvPr>
-            <p:ph type="title"/>
-          </p:nvPr>
-        </p:nvSpPr>
-        <p:spPr>
-          <a:xfrm>
-            <a:off x="609600" y="274638"/>
-            <a:ext cx="10972800" cy="1143000"/>
-          </a:xfrm>
-          <a:prstGeom prst="rect">
-            <a:avLst/>
-          </a:prstGeom>
-        </p:spPr>
-        <p:txBody>
-          <a:bodyPr vert="horz" lIns="91440" tIns="45720" rIns="91440" bIns="45720" rtlCol="0" anchor="ctr">
-            <a:normAutofit/>
-          </a:bodyPr>
-          <a:lstStyle/>
-          <a:p>
-            <a:r>
-              <a:rPr lang="zh-CN" altLang="en-US" smtClean="0"/>
-              <a:t>单击此处编辑母版标题样式</a:t>
-            </a:r>
-            <a:endParaRPr lang="zh-CN" altLang="en-US"/>
-          </a:p>
-        </p:txBody>
-      </p:sp>
-      <p:sp>
-        <p:nvSpPr>
-          <p:cNvPr id="3" name="文本占位符 2"/>
-          <p:cNvSpPr>
-            <a:spLocks noGrp="1"/>
-          </p:cNvSpPr>
-          <p:nvPr>
-            <p:ph type="body" idx="1"/>
-          </p:nvPr>
-        </p:nvSpPr>
-        <p:spPr>
-          <a:xfrm>
-            <a:off x="609600" y="1600201"/>
-            <a:ext cx="10972800" cy="4525963"/>
-          </a:xfrm>
-          <a:prstGeom prst="rect">
-            <a:avLst/>
-          </a:prstGeom>
-        </p:spPr>
-        <p:txBody>
-          <a:bodyPr vert="horz" lIns="91440" tIns="45720" rIns="91440" bIns="45720" rtlCol="0">
-            <a:normAutofit/>
-          </a:bodyPr>
-          <a:lstStyle/>
-          <a:p>
-            <a:pPr lvl="0"/>
-            <a:r>
-              <a:rPr lang="zh-CN" altLang="en-US" smtClean="0"/>
-              <a:t>单击此处编辑母版文本样式</a:t>
-            </a:r>
-          </a:p>
-          <a:p>
-            <a:pPr lvl="1"/>
-            <a:r>
-              <a:rPr lang="zh-CN" altLang="en-US" smtClean="0"/>
-              <a:t>第二级</a:t>
-            </a:r>
-          </a:p>
-          <a:p>
-            <a:pPr lvl="2"/>
-            <a:r>
-              <a:rPr lang="zh-CN" altLang="en-US" smtClean="0"/>
-              <a:t>第三级</a:t>
-            </a:r>
-          </a:p>
-          <a:p>
-            <a:pPr lvl="3"/>
-            <a:r>
-              <a:rPr lang="zh-CN" altLang="en-US" smtClean="0"/>
-              <a:t>第四级</a:t>
-            </a:r>
-          </a:p>
-          <a:p>
-            <a:pPr lvl="4"/>
-            <a:r>
-              <a:rPr lang="zh-CN" altLang="en-US" smtClean="0"/>
-              <a:t>第五级</a:t>
-            </a:r>
-            <a:endParaRPr lang="zh-CN" altLang="en-US"/>
-          </a:p>
-        </p:txBody>
-      </p:sp>
-      <p:sp>
-        <p:nvSpPr>
-          <p:cNvPr id="4" name="日期占位符 3"/>
-          <p:cNvSpPr>
-            <a:spLocks noGrp="1"/>
-          </p:cNvSpPr>
-          <p:nvPr>
-            <p:ph type="dt" sz="half" idx="2"/>
-          </p:nvPr>
-        </p:nvSpPr>
-        <p:spPr>
-          <a:xfrm>
-            <a:off x="609600" y="6356351"/>
-            <a:ext cx="2844800" cy="365125"/>
-          </a:xfrm>
-          <a:prstGeom prst="rect">
-            <a:avLst/>
-          </a:prstGeom>
-        </p:spPr>
-        <p:txBody>
-          <a:bodyPr vert="horz" lIns="91440" tIns="45720" rIns="91440" bIns="45720" rtlCol="0" anchor="ctr"/>
-          <a:lstStyle>
-            <a:lvl1pPr algn="l">
-              <a:defRPr sz="1200">
-                <a:solidFill>
-                  <a:schemeClr val="tx1">
-                    <a:tint val="75000"/>
-                  </a:schemeClr>
-                </a:solidFill>
-              </a:defRPr>
-            </a:lvl1pPr>
-          </a:lstStyle>
-          <a:p>
-            <a:fld id="{530820CF-B880-4189-942D-D702A7CBA730}" type="datetimeFigureOut">
-              <a:rPr lang="zh-CN" altLang="en-US" smtClean="0">
-                <a:solidFill>
-                  <a:prstClr val="black">
-                    <a:tint val="75000"/>
-                  </a:prstClr>
-                </a:solidFill>
-              </a:rPr>
-              <a:pPr/>
-              <a:t>2019/9/5</a:t>
-            </a:fld>
-            <a:endParaRPr lang="zh-CN" altLang="en-US">
-              <a:solidFill>
-                <a:prstClr val="black">
-                  <a:tint val="75000"/>
-                </a:prstClr>
-              </a:solidFill>
-            </a:endParaRPr>
-          </a:p>
-        </p:txBody>
-      </p:sp>
-      <p:sp>
-        <p:nvSpPr>
-          <p:cNvPr id="5" name="页脚占位符 4"/>
-          <p:cNvSpPr>
-            <a:spLocks noGrp="1"/>
-          </p:cNvSpPr>
-          <p:nvPr>
-            <p:ph type="ftr" sz="quarter" idx="3"/>
-          </p:nvPr>
-        </p:nvSpPr>
-        <p:spPr>
-          <a:xfrm>
-            <a:off x="4165600" y="6356351"/>
-            <a:ext cx="3860800" cy="365125"/>
-          </a:xfrm>
-          <a:prstGeom prst="rect">
-            <a:avLst/>
-          </a:prstGeom>
-        </p:spPr>
-        <p:txBody>
-          <a:bodyPr vert="horz" lIns="91440" tIns="45720" rIns="91440" bIns="45720" rtlCol="0" anchor="ctr"/>
-          <a:lstStyle>
-            <a:lvl1pPr algn="ctr">
-              <a:defRPr sz="1200">
-                <a:solidFill>
-                  <a:schemeClr val="tx1">
-                    <a:tint val="75000"/>
-                  </a:schemeClr>
-                </a:solidFill>
-              </a:defRPr>
-            </a:lvl1pPr>
-          </a:lstStyle>
-          <a:p>
-            <a:endParaRPr lang="zh-CN" altLang="en-US">
-              <a:solidFill>
-                <a:prstClr val="black">
-                  <a:tint val="75000"/>
-                </a:prstClr>
-              </a:solidFill>
-            </a:endParaRPr>
-          </a:p>
-        </p:txBody>
-      </p:sp>
-      <p:sp>
-        <p:nvSpPr>
-          <p:cNvPr id="6" name="灯片编号占位符 5"/>
-          <p:cNvSpPr>
-            <a:spLocks noGrp="1"/>
-          </p:cNvSpPr>
-          <p:nvPr>
-            <p:ph type="sldNum" sz="quarter" idx="4"/>
-          </p:nvPr>
-        </p:nvSpPr>
-        <p:spPr>
-          <a:xfrm>
-            <a:off x="8737600" y="6356351"/>
-            <a:ext cx="2844800" cy="365125"/>
-          </a:xfrm>
-          <a:prstGeom prst="rect">
-            <a:avLst/>
-          </a:prstGeom>
-        </p:spPr>
-        <p:txBody>
-          <a:bodyPr vert="horz" lIns="91440" tIns="45720" rIns="91440" bIns="45720" rtlCol="0" anchor="ctr"/>
-          <a:lstStyle>
-            <a:lvl1pPr algn="r">
-              <a:defRPr sz="1200">
-                <a:solidFill>
-                  <a:schemeClr val="tx1">
-                    <a:tint val="75000"/>
-                  </a:schemeClr>
-                </a:solidFill>
-              </a:defRPr>
-            </a:lvl1pPr>
-          </a:lstStyle>
-          <a:p>
-            <a:fld id="{0C913308-F349-4B6D-A68A-DD1791B4A57B}" type="slidenum">
-              <a:rPr lang="zh-CN" altLang="en-US" smtClean="0">
-                <a:solidFill>
-                  <a:prstClr val="black">
-                    <a:tint val="75000"/>
-                  </a:prstClr>
-                </a:solidFill>
-              </a:rPr>
-              <a:pPr/>
-              <a:t>‹#›</a:t>
-            </a:fld>
-            <a:endParaRPr lang="zh-CN" altLang="en-US">
-              <a:solidFill>
-                <a:prstClr val="black">
-                  <a:tint val="75000"/>
-                </a:prstClr>
-              </a:solidFill>
-            </a:endParaRPr>
-          </a:p>
-        </p:txBody>
-      </p:sp>
-    </p:spTree>
-    <p:extLst>
-      <p:ext uri="{BB962C8B-B14F-4D97-AF65-F5344CB8AC3E}">
-        <p14:creationId xmlns:p14="http://schemas.microsoft.com/office/powerpoint/2010/main" val="3892165804"/>
-      </p:ext>
-    </p:extLst>
-  </p:cSld>
-  <p:clrMap bg1="lt1" tx1="dk1" bg2="lt2" tx2="dk2" accent1="accent1" accent2="accent2" accent3="accent3" accent4="accent4" accent5="accent5" accent6="accent6" hlink="hlink" folHlink="folHlink"/>
-  <p:sldLayoutIdLst>
-    <p:sldLayoutId id="2147483662" r:id="rId1"/>
-    <p:sldLayoutId id="2147483663" r:id="rId2"/>
-    <p:sldLayoutId id="2147483664" r:id="rId3"/>
-    <p:sldLayoutId id="2147483665" r:id="rId4"/>
-    <p:sldLayoutId id="2147483666" r:id="rId5"/>
-    <p:sldLayoutId id="2147483667" r:id="rId6"/>
-    <p:sldLayoutId id="2147483668" r:id="rId7"/>
-    <p:sldLayoutId id="2147483669" r:id="rId8"/>
-    <p:sldLayoutId id="2147483670" r:id="rId9"/>
-    <p:sldLayoutId id="2147483671" r:id="rId10"/>
-    <p:sldLayoutId id="2147483672" r:id="rId11"/>
-  </p:sldLayoutIdLst>
-  <p:txStyles>
-    <p:titleStyle>
-      <a:lvl1pPr algn="ctr" defTabSz="914400" rtl="0" eaLnBrk="1" latinLnBrk="0" hangingPunct="1">
-        <a:spcBef>
-          <a:spcPct val="0"/>
-        </a:spcBef>
-        <a:buNone/>
-        <a:defRPr sz="4400" kern="1200">
-          <a:solidFill>
-            <a:schemeClr val="tx1"/>
-          </a:solidFill>
-          <a:latin typeface="+mj-lt"/>
-          <a:ea typeface="+mj-ea"/>
-          <a:cs typeface="+mj-cs"/>
-        </a:defRPr>
-      </a:lvl1pPr>
-    </p:titleStyle>
-    <p:bodyStyle>
-      <a:lvl1pPr marL="342900" indent="-342900" algn="l" defTabSz="914400" rtl="0" eaLnBrk="1" latinLnBrk="0" hangingPunct="1">
-        <a:spcBef>
-          <a:spcPct val="20000"/>
-        </a:spcBef>
-        <a:buFont typeface="Arial" pitchFamily="34" charset="0"/>
-        <a:buChar char="•"/>
-        <a:defRPr sz="3200" kern="1200">
-          <a:solidFill>
-            <a:schemeClr val="tx1"/>
-          </a:solidFill>
-          <a:latin typeface="+mn-lt"/>
-          <a:ea typeface="+mn-ea"/>
-          <a:cs typeface="+mn-cs"/>
-        </a:defRPr>
-      </a:lvl1pPr>
-      <a:lvl2pPr marL="742950" indent="-285750" algn="l" defTabSz="914400" rtl="0" eaLnBrk="1" latinLnBrk="0" hangingPunct="1">
-        <a:spcBef>
-          <a:spcPct val="20000"/>
-        </a:spcBef>
-        <a:buFont typeface="Arial" pitchFamily="34" charset="0"/>
-        <a:buChar char="–"/>
-        <a:defRPr sz="2800" kern="1200">
-          <a:solidFill>
-            <a:schemeClr val="tx1"/>
-          </a:solidFill>
-          <a:latin typeface="+mn-lt"/>
-          <a:ea typeface="+mn-ea"/>
-          <a:cs typeface="+mn-cs"/>
-        </a:defRPr>
-      </a:lvl2pPr>
-      <a:lvl3pPr marL="1143000" indent="-228600" algn="l" defTabSz="914400" rtl="0" eaLnBrk="1" latinLnBrk="0" hangingPunct="1">
-        <a:spcBef>
-          <a:spcPct val="20000"/>
-        </a:spcBef>
-        <a:buFont typeface="Arial" pitchFamily="34" charset="0"/>
-        <a:buChar char="•"/>
-        <a:defRPr sz="2400" kern="1200">
-          <a:solidFill>
-            <a:schemeClr val="tx1"/>
-          </a:solidFill>
-          <a:latin typeface="+mn-lt"/>
-          <a:ea typeface="+mn-ea"/>
-          <a:cs typeface="+mn-cs"/>
-        </a:defRPr>
-      </a:lvl3pPr>
-      <a:lvl4pPr marL="1600200" indent="-228600" algn="l" defTabSz="914400" rtl="0" eaLnBrk="1" latinLnBrk="0" hangingPunct="1">
-        <a:spcBef>
-          <a:spcPct val="20000"/>
-        </a:spcBef>
-        <a:buFont typeface="Arial" pitchFamily="34" charset="0"/>
-        <a:buChar char="–"/>
-        <a:defRPr sz="2000" kern="1200">
-          <a:solidFill>
-            <a:schemeClr val="tx1"/>
-          </a:solidFill>
-          <a:latin typeface="+mn-lt"/>
-          <a:ea typeface="+mn-ea"/>
-          <a:cs typeface="+mn-cs"/>
-        </a:defRPr>
-      </a:lvl4pPr>
-      <a:lvl5pPr marL="2057400" indent="-228600" algn="l" defTabSz="914400" rtl="0" eaLnBrk="1" latinLnBrk="0" hangingPunct="1">
-        <a:spcBef>
-          <a:spcPct val="20000"/>
-        </a:spcBef>
-        <a:buFont typeface="Arial" pitchFamily="34" charset="0"/>
-        <a:buChar char="»"/>
-        <a:defRPr sz="2000" kern="1200">
-          <a:solidFill>
-            <a:schemeClr val="tx1"/>
-          </a:solidFill>
-          <a:latin typeface="+mn-lt"/>
-          <a:ea typeface="+mn-ea"/>
-          <a:cs typeface="+mn-cs"/>
-        </a:defRPr>
-      </a:lvl5pPr>
-      <a:lvl6pPr marL="2514600" indent="-228600" algn="l" defTabSz="914400" rtl="0" eaLnBrk="1" latinLnBrk="0" hangingPunct="1">
-        <a:spcBef>
-          <a:spcPct val="20000"/>
-        </a:spcBef>
-        <a:buFont typeface="Arial" pitchFamily="34" charset="0"/>
-        <a:buChar char="•"/>
-        <a:defRPr sz="2000" kern="1200">
-          <a:solidFill>
-            <a:schemeClr val="tx1"/>
-          </a:solidFill>
-          <a:latin typeface="+mn-lt"/>
-          <a:ea typeface="+mn-ea"/>
-          <a:cs typeface="+mn-cs"/>
-        </a:defRPr>
-      </a:lvl6pPr>
-      <a:lvl7pPr marL="2971800" indent="-228600" algn="l" defTabSz="914400" rtl="0" eaLnBrk="1" latinLnBrk="0" hangingPunct="1">
-        <a:spcBef>
-          <a:spcPct val="20000"/>
-        </a:spcBef>
-        <a:buFont typeface="Arial" pitchFamily="34" charset="0"/>
-        <a:buChar char="•"/>
-        <a:defRPr sz="2000" kern="1200">
-          <a:solidFill>
-            <a:schemeClr val="tx1"/>
-          </a:solidFill>
-          <a:latin typeface="+mn-lt"/>
-          <a:ea typeface="+mn-ea"/>
-          <a:cs typeface="+mn-cs"/>
-        </a:defRPr>
-      </a:lvl7pPr>
-      <a:lvl8pPr marL="3429000" indent="-228600" algn="l" defTabSz="914400" rtl="0" eaLnBrk="1" latinLnBrk="0" hangingPunct="1">
-        <a:spcBef>
-          <a:spcPct val="20000"/>
-        </a:spcBef>
-        <a:buFont typeface="Arial" pitchFamily="34" charset="0"/>
-        <a:buChar char="•"/>
-        <a:defRPr sz="2000" kern="1200">
-          <a:solidFill>
-            <a:schemeClr val="tx1"/>
-          </a:solidFill>
-          <a:latin typeface="+mn-lt"/>
-          <a:ea typeface="+mn-ea"/>
-          <a:cs typeface="+mn-cs"/>
-        </a:defRPr>
-      </a:lvl8pPr>
-      <a:lvl9pPr marL="3886200" indent="-228600" algn="l" defTabSz="914400" rtl="0" eaLnBrk="1" latinLnBrk="0" hangingPunct="1">
-        <a:spcBef>
-          <a:spcPct val="20000"/>
-        </a:spcBef>
-        <a:buFont typeface="Arial" pitchFamily="34" charset="0"/>
-        <a:buChar char="•"/>
-        <a:defRPr sz="2000" kern="1200">
           <a:solidFill>
             <a:schemeClr val="tx1"/>
           </a:solidFill>
@@ -14828,14 +11548,7 @@
                 <a:latin typeface="华文中宋" panose="02010600040101010101" pitchFamily="2" charset="-122"/>
                 <a:ea typeface="华文中宋" panose="02010600040101010101" pitchFamily="2" charset="-122"/>
               </a:rPr>
-              <a:t>方法来生成测试用例集，</a:t>
-            </a:r>
-            <a:r>
-              <a:rPr lang="zh-CN" altLang="en-US" dirty="0" smtClean="0">
-                <a:latin typeface="华文中宋" panose="02010600040101010101" pitchFamily="2" charset="-122"/>
-                <a:ea typeface="华文中宋" panose="02010600040101010101" pitchFamily="2" charset="-122"/>
-              </a:rPr>
-              <a:t>然后在</a:t>
+              <a:t>方法来生成测试用例集，然后在</a:t>
             </a:r>
             <a:r>
               <a:rPr lang="zh-CN" altLang="en-US" dirty="0" smtClean="0">
@@ -14852,35 +11565,7 @@
                 <a:latin typeface="华文中宋" panose="02010600040101010101" pitchFamily="2" charset="-122"/>
                 <a:ea typeface="华文中宋" panose="02010600040101010101" pitchFamily="2" charset="-122"/>
               </a:rPr>
-              <a:t>上执行所有的</a:t>
-            </a:r>
-            <a:r>
-              <a:rPr lang="zh-CN" altLang="en-US" dirty="0" smtClean="0">
-                <a:latin typeface="华文中宋" panose="02010600040101010101" pitchFamily="2" charset="-122"/>
-                <a:ea typeface="华文中宋" panose="02010600040101010101" pitchFamily="2" charset="-122"/>
-              </a:rPr>
-              <a:t>测试用例，</a:t>
-            </a:r>
-            <a:r>
-              <a:rPr lang="zh-CN" altLang="en-US" dirty="0" smtClean="0">
-                <a:latin typeface="华文中宋" panose="02010600040101010101" pitchFamily="2" charset="-122"/>
-                <a:ea typeface="华文中宋" panose="02010600040101010101" pitchFamily="2" charset="-122"/>
-              </a:rPr>
-              <a:t>统计每一个变异体被杀死需要</a:t>
-            </a:r>
-            <a:r>
-              <a:rPr lang="zh-CN" altLang="en-US" dirty="0" smtClean="0">
-                <a:latin typeface="华文中宋" panose="02010600040101010101" pitchFamily="2" charset="-122"/>
-                <a:ea typeface="华文中宋" panose="02010600040101010101" pitchFamily="2" charset="-122"/>
-              </a:rPr>
-              <a:t>的测试用例</a:t>
-            </a:r>
-            <a:r>
-              <a:rPr lang="zh-CN" altLang="en-US" dirty="0" smtClean="0">
-                <a:latin typeface="华文中宋" panose="02010600040101010101" pitchFamily="2" charset="-122"/>
-                <a:ea typeface="华文中宋" panose="02010600040101010101" pitchFamily="2" charset="-122"/>
-              </a:rPr>
-              <a:t>数目</a:t>
+              <a:t>上执行所有的测试用例，统计每一个变异体被杀死需要的测试用例数目</a:t>
             </a:r>
             <a:endParaRPr lang="en-US" altLang="zh-CN" dirty="0" smtClean="0">
               <a:latin typeface="华文中宋" panose="02010600040101010101" pitchFamily="2" charset="-122"/>
@@ -16528,7 +13213,7 @@
         </p:blipFill>
         <p:spPr>
           <a:xfrm>
-            <a:off x="2671762" y="2305334"/>
+            <a:off x="7764970" y="2305334"/>
             <a:ext cx="4033351" cy="4433117"/>
           </a:xfrm>
           <a:prstGeom prst="rect">
@@ -22068,10 +18753,6 @@
               </a:rPr>
               <a:t>示例</a:t>
             </a:r>
-            <a:endParaRPr lang="zh-CN" altLang="en-US" dirty="0">
-              <a:latin typeface="华文中宋" panose="02010600040101010101" pitchFamily="2" charset="-122"/>
-              <a:ea typeface="华文中宋" panose="02010600040101010101" pitchFamily="2" charset="-122"/>
-            </a:endParaRPr>
           </a:p>
         </p:txBody>
       </p:sp>
@@ -23724,375 +20405,40 @@
           </a:p>
         </p:txBody>
       </p:sp>
-      <p:graphicFrame>
-        <p:nvGraphicFramePr>
-          <p:cNvPr id="2" name="表格 1"/>
-          <p:cNvGraphicFramePr>
-            <a:graphicFrameLocks noGrp="1"/>
-          </p:cNvGraphicFramePr>
-          <p:nvPr>
-            <p:extLst>
-              <p:ext uri="{D42A27DB-BD31-4B8C-83A1-F6EECF244321}">
-                <p14:modId xmlns:p14="http://schemas.microsoft.com/office/powerpoint/2010/main" val="2967536331"/>
-              </p:ext>
-            </p:extLst>
-          </p:nvPr>
-        </p:nvGraphicFramePr>
-        <p:xfrm>
-          <a:off x="1721104" y="1749259"/>
-          <a:ext cx="6188456" cy="3977856"/>
-        </p:xfrm>
-        <a:graphic>
-          <a:graphicData uri="http://schemas.openxmlformats.org/drawingml/2006/table">
-            <a:tbl>
-              <a:tblPr firstRow="1" bandRow="1">
-                <a:tableStyleId>{5C22544A-7EE6-4342-B048-85BDC9FD1C3A}</a:tableStyleId>
-              </a:tblPr>
-              <a:tblGrid>
-                <a:gridCol w="1523134">
-                  <a:extLst>
-                    <a:ext uri="{9D8B030D-6E8A-4147-A177-3AD203B41FA5}">
-                      <a16:colId xmlns:a16="http://schemas.microsoft.com/office/drawing/2014/main" val="344804576"/>
-                    </a:ext>
-                  </a:extLst>
-                </a:gridCol>
-                <a:gridCol w="4665322">
-                  <a:extLst>
-                    <a:ext uri="{9D8B030D-6E8A-4147-A177-3AD203B41FA5}">
-                      <a16:colId xmlns:a16="http://schemas.microsoft.com/office/drawing/2014/main" val="4253166608"/>
-                    </a:ext>
-                  </a:extLst>
-                </a:gridCol>
-              </a:tblGrid>
-              <a:tr h="441984">
-                <a:tc>
-                  <a:txBody>
-                    <a:bodyPr/>
-                    <a:lstStyle/>
-                    <a:p>
-                      <a:r>
-                        <a:rPr lang="zh-CN" altLang="en-US" dirty="0" smtClean="0"/>
-                        <a:t>组别</a:t>
-                      </a:r>
-                      <a:endParaRPr lang="zh-CN" altLang="en-US" dirty="0"/>
-                    </a:p>
-                  </a:txBody>
-                  <a:tcPr/>
-                </a:tc>
-                <a:tc>
-                  <a:txBody>
-                    <a:bodyPr/>
-                    <a:lstStyle/>
-                    <a:p>
-                      <a:r>
-                        <a:rPr lang="zh-CN" altLang="en-US" dirty="0" smtClean="0"/>
-                        <a:t>范畴</a:t>
-                      </a:r>
-                      <a:endParaRPr lang="zh-CN" altLang="en-US" dirty="0"/>
-                    </a:p>
-                  </a:txBody>
-                  <a:tcPr/>
-                </a:tc>
-                <a:extLst>
-                  <a:ext uri="{0D108BD9-81ED-4DB2-BD59-A6C34878D82A}">
-                    <a16:rowId xmlns:a16="http://schemas.microsoft.com/office/drawing/2014/main" val="349087333"/>
-                  </a:ext>
-                </a:extLst>
-              </a:tr>
-              <a:tr h="441984">
-                <a:tc>
-                  <a:txBody>
-                    <a:bodyPr/>
-                    <a:lstStyle/>
-                    <a:p>
-                      <a:r>
-                        <a:rPr lang="zh-CN" altLang="en-US" dirty="0" smtClean="0"/>
-                        <a:t>第一组</a:t>
-                      </a:r>
-                      <a:endParaRPr lang="zh-CN" altLang="en-US" dirty="0"/>
-                    </a:p>
-                  </a:txBody>
-                  <a:tcPr/>
-                </a:tc>
-                <a:tc>
-                  <a:txBody>
-                    <a:bodyPr/>
-                    <a:lstStyle/>
-                    <a:p>
-                      <a:r>
-                        <a:rPr lang="en-US" altLang="zh-CN" dirty="0" smtClean="0"/>
-                        <a:t>1</a:t>
-                      </a:r>
-                      <a:endParaRPr lang="zh-CN" altLang="en-US" dirty="0"/>
-                    </a:p>
-                  </a:txBody>
-                  <a:tcPr/>
-                </a:tc>
-                <a:extLst>
-                  <a:ext uri="{0D108BD9-81ED-4DB2-BD59-A6C34878D82A}">
-                    <a16:rowId xmlns:a16="http://schemas.microsoft.com/office/drawing/2014/main" val="1881933486"/>
-                  </a:ext>
-                </a:extLst>
-              </a:tr>
-              <a:tr h="441984">
-                <a:tc>
-                  <a:txBody>
-                    <a:bodyPr/>
-                    <a:lstStyle/>
-                    <a:p>
-                      <a:r>
-                        <a:rPr lang="zh-CN" altLang="en-US" dirty="0" smtClean="0"/>
-                        <a:t>第二组</a:t>
-                      </a:r>
-                      <a:endParaRPr lang="zh-CN" altLang="en-US" dirty="0"/>
-                    </a:p>
-                  </a:txBody>
-                  <a:tcPr/>
-                </a:tc>
-                <a:tc>
-                  <a:txBody>
-                    <a:bodyPr/>
-                    <a:lstStyle/>
-                    <a:p>
-                      <a:r>
-                        <a:rPr lang="en-US" altLang="zh-CN" dirty="0" smtClean="0"/>
-                        <a:t>2,3,4,5,6,7,8,9</a:t>
-                      </a:r>
-                      <a:endParaRPr lang="zh-CN" altLang="en-US" dirty="0"/>
-                    </a:p>
-                  </a:txBody>
-                  <a:tcPr/>
-                </a:tc>
-                <a:extLst>
-                  <a:ext uri="{0D108BD9-81ED-4DB2-BD59-A6C34878D82A}">
-                    <a16:rowId xmlns:a16="http://schemas.microsoft.com/office/drawing/2014/main" val="2458874174"/>
-                  </a:ext>
-                </a:extLst>
-              </a:tr>
-              <a:tr h="441984">
-                <a:tc>
-                  <a:txBody>
-                    <a:bodyPr/>
-                    <a:lstStyle/>
-                    <a:p>
-                      <a:r>
-                        <a:rPr lang="zh-CN" altLang="en-US" dirty="0" smtClean="0"/>
-                        <a:t>第三组</a:t>
-                      </a:r>
-                      <a:endParaRPr lang="zh-CN" altLang="en-US" dirty="0"/>
-                    </a:p>
-                  </a:txBody>
-                  <a:tcPr/>
-                </a:tc>
-                <a:tc>
-                  <a:txBody>
-                    <a:bodyPr/>
-                    <a:lstStyle/>
-                    <a:p>
-                      <a:r>
-                        <a:rPr lang="en-US" altLang="zh-CN" dirty="0" smtClean="0"/>
-                        <a:t>10</a:t>
-                      </a:r>
-                      <a:endParaRPr lang="zh-CN" altLang="en-US" dirty="0"/>
-                    </a:p>
-                  </a:txBody>
-                  <a:tcPr/>
-                </a:tc>
-                <a:extLst>
-                  <a:ext uri="{0D108BD9-81ED-4DB2-BD59-A6C34878D82A}">
-                    <a16:rowId xmlns:a16="http://schemas.microsoft.com/office/drawing/2014/main" val="2623571137"/>
-                  </a:ext>
-                </a:extLst>
-              </a:tr>
-              <a:tr h="441984">
-                <a:tc>
-                  <a:txBody>
-                    <a:bodyPr/>
-                    <a:lstStyle/>
-                    <a:p>
-                      <a:r>
-                        <a:rPr lang="zh-CN" altLang="en-US" dirty="0" smtClean="0"/>
-                        <a:t>第四组</a:t>
-                      </a:r>
-                      <a:endParaRPr lang="zh-CN" altLang="en-US" dirty="0"/>
-                    </a:p>
-                  </a:txBody>
-                  <a:tcPr/>
-                </a:tc>
-                <a:tc>
-                  <a:txBody>
-                    <a:bodyPr/>
-                    <a:lstStyle/>
-                    <a:p>
-                      <a:r>
-                        <a:rPr lang="en-US" altLang="zh-CN" dirty="0" smtClean="0"/>
-                        <a:t>11</a:t>
-                      </a:r>
-                      <a:endParaRPr lang="zh-CN" altLang="en-US" dirty="0"/>
-                    </a:p>
-                  </a:txBody>
-                  <a:tcPr/>
-                </a:tc>
-                <a:extLst>
-                  <a:ext uri="{0D108BD9-81ED-4DB2-BD59-A6C34878D82A}">
-                    <a16:rowId xmlns:a16="http://schemas.microsoft.com/office/drawing/2014/main" val="300977099"/>
-                  </a:ext>
-                </a:extLst>
-              </a:tr>
-              <a:tr h="441984">
-                <a:tc>
-                  <a:txBody>
-                    <a:bodyPr/>
-                    <a:lstStyle/>
-                    <a:p>
-                      <a:r>
-                        <a:rPr lang="zh-CN" altLang="en-US" dirty="0" smtClean="0"/>
-                        <a:t>第五组</a:t>
-                      </a:r>
-                      <a:endParaRPr lang="zh-CN" altLang="en-US" dirty="0"/>
-                    </a:p>
-                  </a:txBody>
-                  <a:tcPr/>
-                </a:tc>
-                <a:tc>
-                  <a:txBody>
-                    <a:bodyPr/>
-                    <a:lstStyle/>
-                    <a:p>
-                      <a:r>
-                        <a:rPr lang="en-US" altLang="zh-CN" dirty="0" smtClean="0"/>
-                        <a:t>12</a:t>
-                      </a:r>
-                      <a:endParaRPr lang="zh-CN" altLang="en-US" dirty="0"/>
-                    </a:p>
-                  </a:txBody>
-                  <a:tcPr/>
-                </a:tc>
-                <a:extLst>
-                  <a:ext uri="{0D108BD9-81ED-4DB2-BD59-A6C34878D82A}">
-                    <a16:rowId xmlns:a16="http://schemas.microsoft.com/office/drawing/2014/main" val="1039581554"/>
-                  </a:ext>
-                </a:extLst>
-              </a:tr>
-              <a:tr h="441984">
-                <a:tc>
-                  <a:txBody>
-                    <a:bodyPr/>
-                    <a:lstStyle/>
-                    <a:p>
-                      <a:r>
-                        <a:rPr lang="zh-CN" altLang="en-US" dirty="0" smtClean="0"/>
-                        <a:t>第六组</a:t>
-                      </a:r>
-                      <a:endParaRPr lang="zh-CN" altLang="en-US" dirty="0"/>
-                    </a:p>
-                  </a:txBody>
-                  <a:tcPr/>
-                </a:tc>
-                <a:tc>
-                  <a:txBody>
-                    <a:bodyPr/>
-                    <a:lstStyle/>
-                    <a:p>
-                      <a:r>
-                        <a:rPr lang="en-US" altLang="zh-CN" dirty="0" smtClean="0"/>
-                        <a:t>13</a:t>
-                      </a:r>
-                      <a:endParaRPr lang="zh-CN" altLang="en-US" dirty="0"/>
-                    </a:p>
-                  </a:txBody>
-                  <a:tcPr/>
-                </a:tc>
-                <a:extLst>
-                  <a:ext uri="{0D108BD9-81ED-4DB2-BD59-A6C34878D82A}">
-                    <a16:rowId xmlns:a16="http://schemas.microsoft.com/office/drawing/2014/main" val="2496421673"/>
-                  </a:ext>
-                </a:extLst>
-              </a:tr>
-              <a:tr h="441984">
-                <a:tc>
-                  <a:txBody>
-                    <a:bodyPr/>
-                    <a:lstStyle/>
-                    <a:p>
-                      <a:r>
-                        <a:rPr lang="zh-CN" altLang="en-US" dirty="0" smtClean="0"/>
-                        <a:t>第七组</a:t>
-                      </a:r>
-                      <a:endParaRPr lang="zh-CN" altLang="en-US" dirty="0"/>
-                    </a:p>
-                  </a:txBody>
-                  <a:tcPr/>
-                </a:tc>
-                <a:tc>
-                  <a:txBody>
-                    <a:bodyPr/>
-                    <a:lstStyle/>
-                    <a:p>
-                      <a:r>
-                        <a:rPr lang="en-US" altLang="zh-CN" dirty="0" smtClean="0"/>
-                        <a:t>14</a:t>
-                      </a:r>
-                      <a:endParaRPr lang="zh-CN" altLang="en-US" dirty="0"/>
-                    </a:p>
-                  </a:txBody>
-                  <a:tcPr/>
-                </a:tc>
-                <a:extLst>
-                  <a:ext uri="{0D108BD9-81ED-4DB2-BD59-A6C34878D82A}">
-                    <a16:rowId xmlns:a16="http://schemas.microsoft.com/office/drawing/2014/main" val="2200184365"/>
-                  </a:ext>
-                </a:extLst>
-              </a:tr>
-              <a:tr h="441984">
-                <a:tc>
-                  <a:txBody>
-                    <a:bodyPr/>
-                    <a:lstStyle/>
-                    <a:p>
-                      <a:r>
-                        <a:rPr lang="zh-CN" altLang="en-US" dirty="0" smtClean="0"/>
-                        <a:t>第八组</a:t>
-                      </a:r>
-                      <a:endParaRPr lang="zh-CN" altLang="en-US" dirty="0"/>
-                    </a:p>
-                  </a:txBody>
-                  <a:tcPr/>
-                </a:tc>
-                <a:tc>
-                  <a:txBody>
-                    <a:bodyPr/>
-                    <a:lstStyle/>
-                    <a:p>
-                      <a:r>
-                        <a:rPr lang="en-US" altLang="zh-CN" dirty="0" smtClean="0"/>
-                        <a:t>15</a:t>
-                      </a:r>
-                      <a:endParaRPr lang="zh-CN" altLang="en-US" dirty="0"/>
-                    </a:p>
-                  </a:txBody>
-                  <a:tcPr/>
-                </a:tc>
-                <a:extLst>
-                  <a:ext uri="{0D108BD9-81ED-4DB2-BD59-A6C34878D82A}">
-                    <a16:rowId xmlns:a16="http://schemas.microsoft.com/office/drawing/2014/main" val="1473072289"/>
-                  </a:ext>
-                </a:extLst>
-              </a:tr>
-            </a:tbl>
-          </a:graphicData>
-        </a:graphic>
-      </p:graphicFrame>
+      <p:pic>
+        <p:nvPicPr>
+          <p:cNvPr id="6" name="图片 5"/>
+          <p:cNvPicPr>
+            <a:picLocks noChangeAspect="1"/>
+          </p:cNvPicPr>
+          <p:nvPr/>
+        </p:nvPicPr>
+        <p:blipFill>
+          <a:blip r:embed="rId2"/>
+          <a:stretch>
+            <a:fillRect/>
+          </a:stretch>
+        </p:blipFill>
+        <p:spPr>
+          <a:xfrm>
+            <a:off x="1745170" y="1715266"/>
+            <a:ext cx="4135237" cy="4640008"/>
+          </a:xfrm>
+          <a:prstGeom prst="rect">
+            <a:avLst/>
+          </a:prstGeom>
+        </p:spPr>
+      </p:pic>
       <p:sp>
         <p:nvSpPr>
-          <p:cNvPr id="17" name="文本框 16"/>
+          <p:cNvPr id="7" name="文本框 6"/>
           <p:cNvSpPr txBox="1"/>
           <p:nvPr/>
         </p:nvSpPr>
         <p:spPr>
           <a:xfrm>
-            <a:off x="1721104" y="6025017"/>
-            <a:ext cx="2413360" cy="369332"/>
+            <a:off x="6336792" y="5001768"/>
+            <a:ext cx="5029200" cy="369332"/>
           </a:xfrm>
           <a:prstGeom prst="rect">
             <a:avLst/>
@@ -24107,21 +20453,17 @@
           <a:p>
             <a:r>
               <a:rPr lang="zh-CN" altLang="en-US" dirty="0" smtClean="0"/>
-              <a:t>有</a:t>
-            </a:r>
-            <a:r>
-              <a:rPr lang="en-US" altLang="zh-CN" dirty="0" smtClean="0">
-                <a:solidFill>
-                  <a:srgbClr val="FF0000"/>
-                </a:solidFill>
-              </a:rPr>
-              <a:t>34992</a:t>
+              <a:t>详细的内容在蜕变关系识别方法总结</a:t>
+            </a:r>
+            <a:r>
+              <a:rPr lang="en-US" altLang="zh-CN" dirty="0" smtClean="0"/>
+              <a:t>.pdf</a:t>
             </a:r>
             <a:r>
               <a:rPr lang="zh-CN" altLang="en-US" dirty="0" smtClean="0"/>
-              <a:t>个选项组合</a:t>
-            </a:r>
-            <a:endParaRPr lang="zh-CN" altLang="en-US" dirty="0"/>
+              <a:t>文档中</a:t>
+            </a:r>
+            <a:endParaRPr lang="en-US" altLang="zh-CN" dirty="0" smtClean="0"/>
           </a:p>
         </p:txBody>
       </p:sp>
@@ -24188,96 +20530,6 @@
                       </p:childTnLst>
                     </p:cTn>
                   </p:par>
-                  <p:par>
-                    <p:cTn id="7" fill="hold">
-                      <p:stCondLst>
-                        <p:cond delay="indefinite"/>
-                      </p:stCondLst>
-                      <p:childTnLst>
-                        <p:par>
-                          <p:cTn id="8" fill="hold">
-                            <p:stCondLst>
-                              <p:cond delay="0"/>
-                            </p:stCondLst>
-                            <p:childTnLst>
-                              <p:par>
-                                <p:cTn id="9" presetID="1" presetClass="entr" presetSubtype="0" fill="hold" nodeType="clickEffect">
-                                  <p:stCondLst>
-                                    <p:cond delay="0"/>
-                                  </p:stCondLst>
-                                  <p:childTnLst>
-                                    <p:set>
-                                      <p:cBhvr>
-                                        <p:cTn id="10" dur="1" fill="hold">
-                                          <p:stCondLst>
-                                            <p:cond delay="0"/>
-                                          </p:stCondLst>
-                                        </p:cTn>
-                                        <p:tgtEl>
-                                          <p:spTgt spid="2"/>
-                                        </p:tgtEl>
-                                        <p:attrNameLst>
-                                          <p:attrName>style.visibility</p:attrName>
-                                        </p:attrNameLst>
-                                      </p:cBhvr>
-                                      <p:to>
-                                        <p:strVal val="visible"/>
-                                      </p:to>
-                                    </p:set>
-                                  </p:childTnLst>
-                                </p:cTn>
-                              </p:par>
-                            </p:childTnLst>
-                          </p:cTn>
-                        </p:par>
-                      </p:childTnLst>
-                    </p:cTn>
-                  </p:par>
-                  <p:par>
-                    <p:cTn id="11" fill="hold">
-                      <p:stCondLst>
-                        <p:cond delay="indefinite"/>
-                      </p:stCondLst>
-                      <p:childTnLst>
-                        <p:par>
-                          <p:cTn id="12" fill="hold">
-                            <p:stCondLst>
-                              <p:cond delay="0"/>
-                            </p:stCondLst>
-                            <p:childTnLst>
-                              <p:par>
-                                <p:cTn id="13" presetID="1" presetClass="entr" presetSubtype="0" fill="hold" grpId="0" nodeType="clickEffect">
-                                  <p:stCondLst>
-                                    <p:cond delay="0"/>
-                                  </p:stCondLst>
-                                  <p:childTnLst>
-                                    <p:set>
-                                      <p:cBhvr>
-                                        <p:cTn id="14" dur="1" fill="hold">
-                                          <p:stCondLst>
-                                            <p:cond delay="0"/>
-                                          </p:stCondLst>
-                                        </p:cTn>
-                                        <p:tgtEl>
-                                          <p:spTgt spid="17"/>
-                                        </p:tgtEl>
-                                        <p:attrNameLst>
-                                          <p:attrName>style.visibility</p:attrName>
-                                        </p:attrNameLst>
-                                      </p:cBhvr>
-                                      <p:to>
-                                        <p:strVal val="visible"/>
-                                      </p:to>
-                                    </p:set>
-                                  </p:childTnLst>
-                                </p:cTn>
-                              </p:par>
-                            </p:childTnLst>
-                          </p:cTn>
-                        </p:par>
-                      </p:childTnLst>
-                    </p:cTn>
-                  </p:par>
                 </p:childTnLst>
               </p:cTn>
               <p:prevCondLst>
@@ -24301,7 +20553,6 @@
     </p:tnLst>
     <p:bldLst>
       <p:bldP spid="12" grpId="0"/>
-      <p:bldP spid="17" grpId="0"/>
     </p:bldLst>
   </p:timing>
 </p:sld>
@@ -31009,14 +27260,7 @@
                 <a:latin typeface="华文中宋" panose="02010600040101010101" pitchFamily="2" charset="-122"/>
                 <a:ea typeface="华文中宋" panose="02010600040101010101" pitchFamily="2" charset="-122"/>
               </a:rPr>
-              <a:t>基准系统的输入输出得到如下蜕变</a:t>
-            </a:r>
-            <a:r>
-              <a:rPr lang="zh-CN" altLang="en-US" dirty="0" smtClean="0">
-                <a:latin typeface="华文中宋" panose="02010600040101010101" pitchFamily="2" charset="-122"/>
-                <a:ea typeface="华文中宋" panose="02010600040101010101" pitchFamily="2" charset="-122"/>
-              </a:rPr>
-              <a:t>关系：</a:t>
+              <a:t>基准系统的输入输出得到如下蜕变关系：</a:t>
             </a:r>
             <a:endParaRPr lang="zh-CN" altLang="en-US" dirty="0">
               <a:latin typeface="华文中宋" panose="02010600040101010101" pitchFamily="2" charset="-122"/>
@@ -31049,6 +27293,44 @@
           </a:prstGeom>
         </p:spPr>
       </p:pic>
+      <p:sp>
+        <p:nvSpPr>
+          <p:cNvPr id="6" name="文本框 5"/>
+          <p:cNvSpPr txBox="1"/>
+          <p:nvPr/>
+        </p:nvSpPr>
+        <p:spPr>
+          <a:xfrm>
+            <a:off x="7022592" y="4315968"/>
+            <a:ext cx="4645152" cy="369332"/>
+          </a:xfrm>
+          <a:prstGeom prst="rect">
+            <a:avLst/>
+          </a:prstGeom>
+          <a:noFill/>
+        </p:spPr>
+        <p:txBody>
+          <a:bodyPr wrap="square" rtlCol="0">
+            <a:spAutoFit/>
+          </a:bodyPr>
+          <a:lstStyle/>
+          <a:p>
+            <a:r>
+              <a:rPr lang="zh-CN" altLang="en-US" dirty="0" smtClean="0"/>
+              <a:t>详细的内容在</a:t>
+            </a:r>
+            <a:r>
+              <a:rPr lang="en-US" altLang="zh-CN" dirty="0" smtClean="0"/>
+              <a:t>MRs.pdf</a:t>
+            </a:r>
+            <a:r>
+              <a:rPr lang="zh-CN" altLang="en-US" dirty="0" smtClean="0"/>
+              <a:t>文档中</a:t>
+            </a:r>
+            <a:endParaRPr lang="zh-CN" altLang="en-US" dirty="0"/>
+          </a:p>
+        </p:txBody>
+      </p:sp>
     </p:spTree>
     <p:extLst>
       <p:ext uri="{BB962C8B-B14F-4D97-AF65-F5344CB8AC3E}">
@@ -32996,30 +29278,6 @@
           </a:fontRef>
         </p:style>
       </p:cxnSp>
-      <p:pic>
-        <p:nvPicPr>
-          <p:cNvPr id="3" name="图片 2"/>
-          <p:cNvPicPr>
-            <a:picLocks noChangeAspect="1"/>
-          </p:cNvPicPr>
-          <p:nvPr/>
-        </p:nvPicPr>
-        <p:blipFill>
-          <a:blip r:embed="rId2"/>
-          <a:stretch>
-            <a:fillRect/>
-          </a:stretch>
-        </p:blipFill>
-        <p:spPr>
-          <a:xfrm>
-            <a:off x="337185" y="1543431"/>
-            <a:ext cx="11334750" cy="2838450"/>
-          </a:xfrm>
-          <a:prstGeom prst="rect">
-            <a:avLst/>
-          </a:prstGeom>
-        </p:spPr>
-      </p:pic>
       <p:sp>
         <p:nvSpPr>
           <p:cNvPr id="5" name="矩形 4"/>
@@ -33196,7 +29454,7 @@
           <p:nvPr/>
         </p:nvPicPr>
         <p:blipFill>
-          <a:blip r:embed="rId3"/>
+          <a:blip r:embed="rId2"/>
           <a:stretch>
             <a:fillRect/>
           </a:stretch>
@@ -33205,6 +29463,30 @@
           <a:xfrm>
             <a:off x="7692199" y="4531803"/>
             <a:ext cx="3911537" cy="2181827"/>
+          </a:xfrm>
+          <a:prstGeom prst="rect">
+            <a:avLst/>
+          </a:prstGeom>
+        </p:spPr>
+      </p:pic>
+      <p:pic>
+        <p:nvPicPr>
+          <p:cNvPr id="7" name="图片 6"/>
+          <p:cNvPicPr>
+            <a:picLocks noChangeAspect="1"/>
+          </p:cNvPicPr>
+          <p:nvPr/>
+        </p:nvPicPr>
+        <p:blipFill>
+          <a:blip r:embed="rId3"/>
+          <a:stretch>
+            <a:fillRect/>
+          </a:stretch>
+        </p:blipFill>
+        <p:spPr>
+          <a:xfrm>
+            <a:off x="361950" y="1364134"/>
+            <a:ext cx="11468100" cy="3000375"/>
           </a:xfrm>
           <a:prstGeom prst="rect">
             <a:avLst/>
@@ -33242,7 +29524,7 @@
                             </p:stCondLst>
                             <p:childTnLst>
                               <p:par>
-                                <p:cTn id="5" presetID="1" presetClass="entr" presetSubtype="0" fill="hold" nodeType="clickEffect">
+                                <p:cTn id="5" presetID="1" presetClass="entr" presetSubtype="0" fill="hold" grpId="0" nodeType="clickEffect">
                                   <p:stCondLst>
                                     <p:cond delay="0"/>
                                   </p:stCondLst>
@@ -33250,51 +29532,6 @@
                                     <p:set>
                                       <p:cBhvr>
                                         <p:cTn id="6" dur="1" fill="hold">
-                                          <p:stCondLst>
-                                            <p:cond delay="0"/>
-                                          </p:stCondLst>
-                                        </p:cTn>
-                                        <p:tgtEl>
-                                          <p:spTgt spid="3"/>
-                                        </p:tgtEl>
-                                        <p:attrNameLst>
-                                          <p:attrName>style.visibility</p:attrName>
-                                        </p:attrNameLst>
-                                      </p:cBhvr>
-                                      <p:to>
-                                        <p:strVal val="visible"/>
-                                      </p:to>
-                                    </p:set>
-                                  </p:childTnLst>
-                                </p:cTn>
-                              </p:par>
-                            </p:childTnLst>
-                          </p:cTn>
-                        </p:par>
-                      </p:childTnLst>
-                    </p:cTn>
-                  </p:par>
-                  <p:par>
-                    <p:cTn id="7" fill="hold">
-                      <p:stCondLst>
-                        <p:cond delay="indefinite"/>
-                      </p:stCondLst>
-                      <p:childTnLst>
-                        <p:par>
-                          <p:cTn id="8" fill="hold">
-                            <p:stCondLst>
-                              <p:cond delay="0"/>
-                            </p:stCondLst>
-                            <p:childTnLst>
-                              <p:par>
-                                <p:cTn id="9" presetID="1" presetClass="entr" presetSubtype="0" fill="hold" grpId="0" nodeType="clickEffect">
-                                  <p:stCondLst>
-                                    <p:cond delay="0"/>
-                                  </p:stCondLst>
-                                  <p:childTnLst>
-                                    <p:set>
-                                      <p:cBhvr>
-                                        <p:cTn id="10" dur="1" fill="hold">
                                           <p:stCondLst>
                                             <p:cond delay="0"/>
                                           </p:stCondLst>
@@ -33314,14 +29551,14 @@
                                 </p:cTn>
                               </p:par>
                               <p:par>
-                                <p:cTn id="11" presetID="1" presetClass="entr" presetSubtype="0" fill="hold" grpId="0" nodeType="withEffect">
+                                <p:cTn id="7" presetID="1" presetClass="entr" presetSubtype="0" fill="hold" grpId="0" nodeType="withEffect">
                                   <p:stCondLst>
                                     <p:cond delay="0"/>
                                   </p:stCondLst>
                                   <p:childTnLst>
                                     <p:set>
                                       <p:cBhvr>
-                                        <p:cTn id="12" dur="1" fill="hold">
+                                        <p:cTn id="8" dur="1" fill="hold">
                                           <p:stCondLst>
                                             <p:cond delay="0"/>
                                           </p:stCondLst>
@@ -33341,14 +29578,14 @@
                                 </p:cTn>
                               </p:par>
                               <p:par>
-                                <p:cTn id="13" presetID="1" presetClass="entr" presetSubtype="0" fill="hold" grpId="0" nodeType="withEffect">
+                                <p:cTn id="9" presetID="1" presetClass="entr" presetSubtype="0" fill="hold" grpId="0" nodeType="withEffect">
                                   <p:stCondLst>
                                     <p:cond delay="0"/>
                                   </p:stCondLst>
                                   <p:childTnLst>
                                     <p:set>
                                       <p:cBhvr>
-                                        <p:cTn id="14" dur="1" fill="hold">
+                                        <p:cTn id="10" dur="1" fill="hold">
                                           <p:stCondLst>
                                             <p:cond delay="0"/>
                                           </p:stCondLst>
@@ -33368,14 +29605,14 @@
                                 </p:cTn>
                               </p:par>
                               <p:par>
-                                <p:cTn id="15" presetID="1" presetClass="entr" presetSubtype="0" fill="hold" nodeType="withEffect">
+                                <p:cTn id="11" presetID="1" presetClass="entr" presetSubtype="0" fill="hold" nodeType="withEffect">
                                   <p:stCondLst>
                                     <p:cond delay="0"/>
                                   </p:stCondLst>
                                   <p:childTnLst>
                                     <p:set>
                                       <p:cBhvr>
-                                        <p:cTn id="16" dur="1" fill="hold">
+                                        <p:cTn id="12" dur="1" fill="hold">
                                           <p:stCondLst>
                                             <p:cond delay="0"/>
                                           </p:stCondLst>
@@ -33401,26 +29638,26 @@
                     </p:cTn>
                   </p:par>
                   <p:par>
-                    <p:cTn id="17" fill="hold">
+                    <p:cTn id="13" fill="hold">
                       <p:stCondLst>
                         <p:cond delay="indefinite"/>
                       </p:stCondLst>
                       <p:childTnLst>
                         <p:par>
-                          <p:cTn id="18" fill="hold">
+                          <p:cTn id="14" fill="hold">
                             <p:stCondLst>
                               <p:cond delay="0"/>
                             </p:stCondLst>
                             <p:childTnLst>
                               <p:par>
-                                <p:cTn id="19" presetID="1" presetClass="entr" presetSubtype="0" fill="hold" grpId="0" nodeType="clickEffect">
+                                <p:cTn id="15" presetID="1" presetClass="entr" presetSubtype="0" fill="hold" grpId="0" nodeType="clickEffect">
                                   <p:stCondLst>
                                     <p:cond delay="0"/>
                                   </p:stCondLst>
                                   <p:childTnLst>
                                     <p:set>
                                       <p:cBhvr>
-                                        <p:cTn id="20" dur="1" fill="hold">
+                                        <p:cTn id="16" dur="1" fill="hold">
                                           <p:stCondLst>
                                             <p:cond delay="0"/>
                                           </p:stCondLst>
@@ -35518,6 +31755,52 @@
             <a:endParaRPr lang="zh-CN" altLang="en-US" dirty="0">
               <a:latin typeface="华文中宋" panose="02010600040101010101" pitchFamily="2" charset="-122"/>
               <a:ea typeface="华文中宋" panose="02010600040101010101" pitchFamily="2" charset="-122"/>
+            </a:endParaRPr>
+          </a:p>
+        </p:txBody>
+      </p:sp>
+      <p:sp>
+        <p:nvSpPr>
+          <p:cNvPr id="7" name="文本框 6"/>
+          <p:cNvSpPr txBox="1"/>
+          <p:nvPr/>
+        </p:nvSpPr>
+        <p:spPr>
+          <a:xfrm>
+            <a:off x="4134464" y="4992624"/>
+            <a:ext cx="6271408" cy="369332"/>
+          </a:xfrm>
+          <a:prstGeom prst="rect">
+            <a:avLst/>
+          </a:prstGeom>
+          <a:noFill/>
+        </p:spPr>
+        <p:txBody>
+          <a:bodyPr wrap="square" rtlCol="0">
+            <a:spAutoFit/>
+          </a:bodyPr>
+          <a:lstStyle/>
+          <a:p>
+            <a:r>
+              <a:rPr lang="zh-CN" altLang="en-US" dirty="0" smtClean="0">
+                <a:solidFill>
+                  <a:srgbClr val="FF0000"/>
+                </a:solidFill>
+              </a:rPr>
+              <a:t>实验中打算用分区模式</a:t>
+            </a:r>
+            <a:r>
+              <a:rPr lang="en-US" altLang="zh-CN" dirty="0" smtClean="0">
+                <a:solidFill>
+                  <a:srgbClr val="FF0000"/>
+                </a:solidFill>
+              </a:rPr>
+              <a:t>1</a:t>
+            </a:r>
+            <a:endParaRPr lang="zh-CN" altLang="en-US" dirty="0">
+              <a:solidFill>
+                <a:srgbClr val="FF0000"/>
+              </a:solidFill>
             </a:endParaRPr>
           </a:p>
         </p:txBody>
@@ -36152,14 +32435,14 @@
               <a:t>随机选取</a:t>
             </a:r>
             <a:r>
-              <a:rPr lang="zh-CN" altLang="en-US" dirty="0">
+              <a:rPr lang="zh-CN" altLang="en-US" dirty="0" smtClean="0">
                 <a:solidFill>
                   <a:schemeClr val="accent1"/>
                 </a:solidFill>
                 <a:latin typeface="华文中宋" panose="02010600040101010101" pitchFamily="2" charset="-122"/>
                 <a:ea typeface="华文中宋" panose="02010600040101010101" pitchFamily="2" charset="-122"/>
               </a:rPr>
-              <a:t>若干个</a:t>
+              <a:t>两个</a:t>
             </a:r>
             <a:r>
               <a:rPr lang="zh-CN" altLang="en-US" dirty="0" smtClean="0">
@@ -36938,1546 +33221,6 @@
       <p:bldP spid="18" grpId="0"/>
       <p:bldP spid="7" grpId="0"/>
     </p:bldLst>
-  </p:timing>
-</p:sld>
-</file>
-
-<file path=ppt/slides/slide35.xml><?xml version="1.0" encoding="utf-8"?>
-<p:sld xmlns:a="http://schemas.openxmlformats.org/drawingml/2006/main" xmlns:r="http://schemas.openxmlformats.org/officeDocument/2006/relationships" xmlns:p="http://schemas.openxmlformats.org/presentationml/2006/main">
-  <p:cSld>
-    <p:spTree>
-      <p:nvGrpSpPr>
-        <p:cNvPr id="1" name=""/>
-        <p:cNvGrpSpPr/>
-        <p:nvPr/>
-      </p:nvGrpSpPr>
-      <p:grpSpPr>
-        <a:xfrm>
-          <a:off x="0" y="0"/>
-          <a:ext cx="0" cy="0"/>
-          <a:chOff x="0" y="0"/>
-          <a:chExt cx="0" cy="0"/>
-        </a:xfrm>
-      </p:grpSpPr>
-      <p:sp>
-        <p:nvSpPr>
-          <p:cNvPr id="5" name="矩形 4"/>
-          <p:cNvSpPr/>
-          <p:nvPr/>
-        </p:nvSpPr>
-        <p:spPr>
-          <a:xfrm>
-            <a:off x="2063554" y="4437115"/>
-            <a:ext cx="8607439" cy="1692771"/>
-          </a:xfrm>
-          <a:prstGeom prst="rect">
-            <a:avLst/>
-          </a:prstGeom>
-          <a:noFill/>
-          <a:ln>
-            <a:noFill/>
-          </a:ln>
-        </p:spPr>
-        <p:style>
-          <a:lnRef idx="2">
-            <a:schemeClr val="accent1">
-              <a:shade val="50000"/>
-            </a:schemeClr>
-          </a:lnRef>
-          <a:fillRef idx="1">
-            <a:schemeClr val="accent1"/>
-          </a:fillRef>
-          <a:effectRef idx="0">
-            <a:schemeClr val="accent1"/>
-          </a:effectRef>
-          <a:fontRef idx="minor">
-            <a:schemeClr val="lt1"/>
-          </a:fontRef>
-        </p:style>
-        <p:txBody>
-          <a:bodyPr rtlCol="0" anchor="ctr"/>
-          <a:lstStyle/>
-          <a:p>
-            <a:r>
-              <a:rPr lang="en-US" altLang="zh-CN" sz="1100" dirty="0">
-                <a:solidFill>
-                  <a:srgbClr val="EEECE1">
-                    <a:lumMod val="25000"/>
-                  </a:srgbClr>
-                </a:solidFill>
-                <a:latin typeface="微软雅黑" panose="020B0503020204020204" pitchFamily="34" charset="-122"/>
-                <a:ea typeface="微软雅黑" panose="020B0503020204020204" pitchFamily="34" charset="-122"/>
-              </a:rPr>
-              <a:t>PPT</a:t>
-            </a:r>
-            <a:r>
-              <a:rPr lang="zh-CN" altLang="en-US" sz="1100" dirty="0">
-                <a:solidFill>
-                  <a:srgbClr val="EEECE1">
-                    <a:lumMod val="25000"/>
-                  </a:srgbClr>
-                </a:solidFill>
-                <a:latin typeface="微软雅黑" panose="020B0503020204020204" pitchFamily="34" charset="-122"/>
-                <a:ea typeface="微软雅黑" panose="020B0503020204020204" pitchFamily="34" charset="-122"/>
-              </a:rPr>
-              <a:t>模板下载：</a:t>
-            </a:r>
-            <a:r>
-              <a:rPr lang="en-US" altLang="zh-CN" sz="1100" dirty="0">
-                <a:solidFill>
-                  <a:srgbClr val="EEECE1">
-                    <a:lumMod val="25000"/>
-                  </a:srgbClr>
-                </a:solidFill>
-                <a:latin typeface="微软雅黑" panose="020B0503020204020204" pitchFamily="34" charset="-122"/>
-                <a:ea typeface="微软雅黑" panose="020B0503020204020204" pitchFamily="34" charset="-122"/>
-                <a:hlinkClick r:id="rId2"/>
-              </a:rPr>
-              <a:t>www.1ppt.com/moban/</a:t>
-            </a:r>
-            <a:r>
-              <a:rPr lang="en-US" altLang="zh-CN" sz="1100" dirty="0">
-                <a:solidFill>
-                  <a:srgbClr val="EEECE1">
-                    <a:lumMod val="25000"/>
-                  </a:srgbClr>
-                </a:solidFill>
-                <a:latin typeface="微软雅黑" panose="020B0503020204020204" pitchFamily="34" charset="-122"/>
-                <a:ea typeface="微软雅黑" panose="020B0503020204020204" pitchFamily="34" charset="-122"/>
-              </a:rPr>
-              <a:t>     </a:t>
-            </a:r>
-            <a:r>
-              <a:rPr lang="en-US" altLang="zh-CN" sz="1100" dirty="0" smtClean="0">
-                <a:solidFill>
-                  <a:srgbClr val="EEECE1">
-                    <a:lumMod val="25000"/>
-                  </a:srgbClr>
-                </a:solidFill>
-                <a:latin typeface="微软雅黑" panose="020B0503020204020204" pitchFamily="34" charset="-122"/>
-                <a:ea typeface="微软雅黑" panose="020B0503020204020204" pitchFamily="34" charset="-122"/>
-              </a:rPr>
-              <a:t>           </a:t>
-            </a:r>
-            <a:r>
-              <a:rPr lang="zh-CN" altLang="en-US" sz="1100" dirty="0" smtClean="0">
-                <a:solidFill>
-                  <a:srgbClr val="EEECE1">
-                    <a:lumMod val="25000"/>
-                  </a:srgbClr>
-                </a:solidFill>
-                <a:latin typeface="微软雅黑" panose="020B0503020204020204" pitchFamily="34" charset="-122"/>
-                <a:ea typeface="微软雅黑" panose="020B0503020204020204" pitchFamily="34" charset="-122"/>
-              </a:rPr>
-              <a:t>行业</a:t>
-            </a:r>
-            <a:r>
-              <a:rPr lang="en-US" altLang="zh-CN" sz="1100" dirty="0">
-                <a:solidFill>
-                  <a:srgbClr val="EEECE1">
-                    <a:lumMod val="25000"/>
-                  </a:srgbClr>
-                </a:solidFill>
-                <a:latin typeface="微软雅黑" panose="020B0503020204020204" pitchFamily="34" charset="-122"/>
-                <a:ea typeface="微软雅黑" panose="020B0503020204020204" pitchFamily="34" charset="-122"/>
-              </a:rPr>
-              <a:t>PPT</a:t>
-            </a:r>
-            <a:r>
-              <a:rPr lang="zh-CN" altLang="en-US" sz="1100" dirty="0">
-                <a:solidFill>
-                  <a:srgbClr val="EEECE1">
-                    <a:lumMod val="25000"/>
-                  </a:srgbClr>
-                </a:solidFill>
-                <a:latin typeface="微软雅黑" panose="020B0503020204020204" pitchFamily="34" charset="-122"/>
-                <a:ea typeface="微软雅黑" panose="020B0503020204020204" pitchFamily="34" charset="-122"/>
-              </a:rPr>
-              <a:t>模板：</a:t>
-            </a:r>
-            <a:r>
-              <a:rPr lang="en-US" altLang="zh-CN" sz="1100" dirty="0">
-                <a:solidFill>
-                  <a:srgbClr val="EEECE1">
-                    <a:lumMod val="25000"/>
-                  </a:srgbClr>
-                </a:solidFill>
-                <a:latin typeface="微软雅黑" panose="020B0503020204020204" pitchFamily="34" charset="-122"/>
-                <a:ea typeface="微软雅黑" panose="020B0503020204020204" pitchFamily="34" charset="-122"/>
-                <a:hlinkClick r:id="rId3"/>
-              </a:rPr>
-              <a:t>www.1ppt.com/hangye/</a:t>
-            </a:r>
-            <a:r>
-              <a:rPr lang="en-US" altLang="zh-CN" sz="1100" dirty="0">
-                <a:solidFill>
-                  <a:srgbClr val="EEECE1">
-                    <a:lumMod val="25000"/>
-                  </a:srgbClr>
-                </a:solidFill>
-                <a:latin typeface="微软雅黑" panose="020B0503020204020204" pitchFamily="34" charset="-122"/>
-                <a:ea typeface="微软雅黑" panose="020B0503020204020204" pitchFamily="34" charset="-122"/>
-              </a:rPr>
-              <a:t> </a:t>
-            </a:r>
-          </a:p>
-          <a:p>
-            <a:r>
-              <a:rPr lang="zh-CN" altLang="en-US" sz="1100" dirty="0">
-                <a:solidFill>
-                  <a:srgbClr val="EEECE1">
-                    <a:lumMod val="25000"/>
-                  </a:srgbClr>
-                </a:solidFill>
-                <a:latin typeface="微软雅黑" panose="020B0503020204020204" pitchFamily="34" charset="-122"/>
-                <a:ea typeface="微软雅黑" panose="020B0503020204020204" pitchFamily="34" charset="-122"/>
-              </a:rPr>
-              <a:t>节日</a:t>
-            </a:r>
-            <a:r>
-              <a:rPr lang="en-US" altLang="zh-CN" sz="1100" dirty="0">
-                <a:solidFill>
-                  <a:srgbClr val="EEECE1">
-                    <a:lumMod val="25000"/>
-                  </a:srgbClr>
-                </a:solidFill>
-                <a:latin typeface="微软雅黑" panose="020B0503020204020204" pitchFamily="34" charset="-122"/>
-                <a:ea typeface="微软雅黑" panose="020B0503020204020204" pitchFamily="34" charset="-122"/>
-              </a:rPr>
-              <a:t>PPT</a:t>
-            </a:r>
-            <a:r>
-              <a:rPr lang="zh-CN" altLang="en-US" sz="1100" dirty="0">
-                <a:solidFill>
-                  <a:srgbClr val="EEECE1">
-                    <a:lumMod val="25000"/>
-                  </a:srgbClr>
-                </a:solidFill>
-                <a:latin typeface="微软雅黑" panose="020B0503020204020204" pitchFamily="34" charset="-122"/>
-                <a:ea typeface="微软雅黑" panose="020B0503020204020204" pitchFamily="34" charset="-122"/>
-              </a:rPr>
-              <a:t>模板：</a:t>
-            </a:r>
-            <a:r>
-              <a:rPr lang="en-US" altLang="zh-CN" sz="1100" dirty="0">
-                <a:solidFill>
-                  <a:srgbClr val="EEECE1">
-                    <a:lumMod val="25000"/>
-                  </a:srgbClr>
-                </a:solidFill>
-                <a:latin typeface="微软雅黑" panose="020B0503020204020204" pitchFamily="34" charset="-122"/>
-                <a:ea typeface="微软雅黑" panose="020B0503020204020204" pitchFamily="34" charset="-122"/>
-                <a:hlinkClick r:id="rId4"/>
-              </a:rPr>
-              <a:t>www.1ppt.com/jieri/</a:t>
-            </a:r>
-            <a:r>
-              <a:rPr lang="en-US" altLang="zh-CN" sz="1100" dirty="0">
-                <a:solidFill>
-                  <a:srgbClr val="EEECE1">
-                    <a:lumMod val="25000"/>
-                  </a:srgbClr>
-                </a:solidFill>
-                <a:latin typeface="微软雅黑" panose="020B0503020204020204" pitchFamily="34" charset="-122"/>
-                <a:ea typeface="微软雅黑" panose="020B0503020204020204" pitchFamily="34" charset="-122"/>
-              </a:rPr>
-              <a:t>          </a:t>
-            </a:r>
-            <a:r>
-              <a:rPr lang="en-US" altLang="zh-CN" sz="1100" dirty="0" smtClean="0">
-                <a:solidFill>
-                  <a:srgbClr val="EEECE1">
-                    <a:lumMod val="25000"/>
-                  </a:srgbClr>
-                </a:solidFill>
-                <a:latin typeface="微软雅黑" panose="020B0503020204020204" pitchFamily="34" charset="-122"/>
-                <a:ea typeface="微软雅黑" panose="020B0503020204020204" pitchFamily="34" charset="-122"/>
-              </a:rPr>
-              <a:t>            </a:t>
-            </a:r>
-            <a:r>
-              <a:rPr lang="en-US" altLang="zh-CN" sz="1100" dirty="0">
-                <a:solidFill>
-                  <a:srgbClr val="EEECE1">
-                    <a:lumMod val="25000"/>
-                  </a:srgbClr>
-                </a:solidFill>
-                <a:latin typeface="微软雅黑" panose="020B0503020204020204" pitchFamily="34" charset="-122"/>
-                <a:ea typeface="微软雅黑" panose="020B0503020204020204" pitchFamily="34" charset="-122"/>
-              </a:rPr>
-              <a:t>PPT</a:t>
-            </a:r>
-            <a:r>
-              <a:rPr lang="zh-CN" altLang="en-US" sz="1100" dirty="0">
-                <a:solidFill>
-                  <a:srgbClr val="EEECE1">
-                    <a:lumMod val="25000"/>
-                  </a:srgbClr>
-                </a:solidFill>
-                <a:latin typeface="微软雅黑" panose="020B0503020204020204" pitchFamily="34" charset="-122"/>
-                <a:ea typeface="微软雅黑" panose="020B0503020204020204" pitchFamily="34" charset="-122"/>
-              </a:rPr>
-              <a:t>素材下载：</a:t>
-            </a:r>
-            <a:r>
-              <a:rPr lang="en-US" altLang="zh-CN" sz="1100" dirty="0">
-                <a:solidFill>
-                  <a:srgbClr val="EEECE1">
-                    <a:lumMod val="25000"/>
-                  </a:srgbClr>
-                </a:solidFill>
-                <a:latin typeface="微软雅黑" panose="020B0503020204020204" pitchFamily="34" charset="-122"/>
-                <a:ea typeface="微软雅黑" panose="020B0503020204020204" pitchFamily="34" charset="-122"/>
-                <a:hlinkClick r:id="rId5"/>
-              </a:rPr>
-              <a:t>www.1ppt.com/sucai/</a:t>
-            </a:r>
-            <a:endParaRPr lang="en-US" altLang="zh-CN" sz="1100" dirty="0">
-              <a:solidFill>
-                <a:srgbClr val="EEECE1">
-                  <a:lumMod val="25000"/>
-                </a:srgbClr>
-              </a:solidFill>
-              <a:latin typeface="微软雅黑" panose="020B0503020204020204" pitchFamily="34" charset="-122"/>
-              <a:ea typeface="微软雅黑" panose="020B0503020204020204" pitchFamily="34" charset="-122"/>
-            </a:endParaRPr>
-          </a:p>
-          <a:p>
-            <a:r>
-              <a:rPr lang="en-US" altLang="zh-CN" sz="1100" dirty="0">
-                <a:solidFill>
-                  <a:srgbClr val="EEECE1">
-                    <a:lumMod val="25000"/>
-                  </a:srgbClr>
-                </a:solidFill>
-                <a:latin typeface="微软雅黑" panose="020B0503020204020204" pitchFamily="34" charset="-122"/>
-                <a:ea typeface="微软雅黑" panose="020B0503020204020204" pitchFamily="34" charset="-122"/>
-              </a:rPr>
-              <a:t>PPT</a:t>
-            </a:r>
-            <a:r>
-              <a:rPr lang="zh-CN" altLang="en-US" sz="1100" dirty="0">
-                <a:solidFill>
-                  <a:srgbClr val="EEECE1">
-                    <a:lumMod val="25000"/>
-                  </a:srgbClr>
-                </a:solidFill>
-                <a:latin typeface="微软雅黑" panose="020B0503020204020204" pitchFamily="34" charset="-122"/>
-                <a:ea typeface="微软雅黑" panose="020B0503020204020204" pitchFamily="34" charset="-122"/>
-              </a:rPr>
-              <a:t>背景图片：</a:t>
-            </a:r>
-            <a:r>
-              <a:rPr lang="en-US" altLang="zh-CN" sz="1100" dirty="0">
-                <a:solidFill>
-                  <a:srgbClr val="EEECE1">
-                    <a:lumMod val="25000"/>
-                  </a:srgbClr>
-                </a:solidFill>
-                <a:latin typeface="微软雅黑" panose="020B0503020204020204" pitchFamily="34" charset="-122"/>
-                <a:ea typeface="微软雅黑" panose="020B0503020204020204" pitchFamily="34" charset="-122"/>
-                <a:hlinkClick r:id="rId6"/>
-              </a:rPr>
-              <a:t>www.1ppt.com/beijing/</a:t>
-            </a:r>
-            <a:r>
-              <a:rPr lang="en-US" altLang="zh-CN" sz="1100" dirty="0">
-                <a:solidFill>
-                  <a:srgbClr val="EEECE1">
-                    <a:lumMod val="25000"/>
-                  </a:srgbClr>
-                </a:solidFill>
-                <a:latin typeface="微软雅黑" panose="020B0503020204020204" pitchFamily="34" charset="-122"/>
-                <a:ea typeface="微软雅黑" panose="020B0503020204020204" pitchFamily="34" charset="-122"/>
-              </a:rPr>
-              <a:t>     </a:t>
-            </a:r>
-            <a:r>
-              <a:rPr lang="en-US" altLang="zh-CN" sz="1100" dirty="0" smtClean="0">
-                <a:solidFill>
-                  <a:srgbClr val="EEECE1">
-                    <a:lumMod val="25000"/>
-                  </a:srgbClr>
-                </a:solidFill>
-                <a:latin typeface="微软雅黑" panose="020B0503020204020204" pitchFamily="34" charset="-122"/>
-                <a:ea typeface="微软雅黑" panose="020B0503020204020204" pitchFamily="34" charset="-122"/>
-              </a:rPr>
-              <a:t>            </a:t>
-            </a:r>
-            <a:r>
-              <a:rPr lang="en-US" altLang="zh-CN" sz="1100" dirty="0">
-                <a:solidFill>
-                  <a:srgbClr val="EEECE1">
-                    <a:lumMod val="25000"/>
-                  </a:srgbClr>
-                </a:solidFill>
-                <a:latin typeface="微软雅黑" panose="020B0503020204020204" pitchFamily="34" charset="-122"/>
-                <a:ea typeface="微软雅黑" panose="020B0503020204020204" pitchFamily="34" charset="-122"/>
-              </a:rPr>
-              <a:t>PPT</a:t>
-            </a:r>
-            <a:r>
-              <a:rPr lang="zh-CN" altLang="en-US" sz="1100" dirty="0">
-                <a:solidFill>
-                  <a:srgbClr val="EEECE1">
-                    <a:lumMod val="25000"/>
-                  </a:srgbClr>
-                </a:solidFill>
-                <a:latin typeface="微软雅黑" panose="020B0503020204020204" pitchFamily="34" charset="-122"/>
-                <a:ea typeface="微软雅黑" panose="020B0503020204020204" pitchFamily="34" charset="-122"/>
-              </a:rPr>
-              <a:t>图表下载：</a:t>
-            </a:r>
-            <a:r>
-              <a:rPr lang="en-US" altLang="zh-CN" sz="1100" dirty="0">
-                <a:solidFill>
-                  <a:srgbClr val="EEECE1">
-                    <a:lumMod val="25000"/>
-                  </a:srgbClr>
-                </a:solidFill>
-                <a:latin typeface="微软雅黑" panose="020B0503020204020204" pitchFamily="34" charset="-122"/>
-                <a:ea typeface="微软雅黑" panose="020B0503020204020204" pitchFamily="34" charset="-122"/>
-                <a:hlinkClick r:id="rId7"/>
-              </a:rPr>
-              <a:t>www.1ppt.com/tubiao/</a:t>
-            </a:r>
-            <a:r>
-              <a:rPr lang="en-US" altLang="zh-CN" sz="1100" dirty="0">
-                <a:solidFill>
-                  <a:srgbClr val="EEECE1">
-                    <a:lumMod val="25000"/>
-                  </a:srgbClr>
-                </a:solidFill>
-                <a:latin typeface="微软雅黑" panose="020B0503020204020204" pitchFamily="34" charset="-122"/>
-                <a:ea typeface="微软雅黑" panose="020B0503020204020204" pitchFamily="34" charset="-122"/>
-              </a:rPr>
-              <a:t>      </a:t>
-            </a:r>
-          </a:p>
-          <a:p>
-            <a:r>
-              <a:rPr lang="zh-CN" altLang="en-US" sz="1100" dirty="0">
-                <a:solidFill>
-                  <a:srgbClr val="EEECE1">
-                    <a:lumMod val="25000"/>
-                  </a:srgbClr>
-                </a:solidFill>
-                <a:latin typeface="微软雅黑" panose="020B0503020204020204" pitchFamily="34" charset="-122"/>
-                <a:ea typeface="微软雅黑" panose="020B0503020204020204" pitchFamily="34" charset="-122"/>
-              </a:rPr>
-              <a:t>优秀</a:t>
-            </a:r>
-            <a:r>
-              <a:rPr lang="en-US" altLang="zh-CN" sz="1100" dirty="0">
-                <a:solidFill>
-                  <a:srgbClr val="EEECE1">
-                    <a:lumMod val="25000"/>
-                  </a:srgbClr>
-                </a:solidFill>
-                <a:latin typeface="微软雅黑" panose="020B0503020204020204" pitchFamily="34" charset="-122"/>
-                <a:ea typeface="微软雅黑" panose="020B0503020204020204" pitchFamily="34" charset="-122"/>
-              </a:rPr>
-              <a:t>PPT</a:t>
-            </a:r>
-            <a:r>
-              <a:rPr lang="zh-CN" altLang="en-US" sz="1100" dirty="0">
-                <a:solidFill>
-                  <a:srgbClr val="EEECE1">
-                    <a:lumMod val="25000"/>
-                  </a:srgbClr>
-                </a:solidFill>
-                <a:latin typeface="微软雅黑" panose="020B0503020204020204" pitchFamily="34" charset="-122"/>
-                <a:ea typeface="微软雅黑" panose="020B0503020204020204" pitchFamily="34" charset="-122"/>
-              </a:rPr>
-              <a:t>下载：</a:t>
-            </a:r>
-            <a:r>
-              <a:rPr lang="en-US" altLang="zh-CN" sz="1100" dirty="0">
-                <a:solidFill>
-                  <a:srgbClr val="EEECE1">
-                    <a:lumMod val="25000"/>
-                  </a:srgbClr>
-                </a:solidFill>
-                <a:latin typeface="微软雅黑" panose="020B0503020204020204" pitchFamily="34" charset="-122"/>
-                <a:ea typeface="微软雅黑" panose="020B0503020204020204" pitchFamily="34" charset="-122"/>
-                <a:hlinkClick r:id="rId8"/>
-              </a:rPr>
-              <a:t>www.1ppt.com/xiazai/</a:t>
-            </a:r>
-            <a:r>
-              <a:rPr lang="en-US" altLang="zh-CN" sz="1100" dirty="0">
-                <a:solidFill>
-                  <a:srgbClr val="EEECE1">
-                    <a:lumMod val="25000"/>
-                  </a:srgbClr>
-                </a:solidFill>
-                <a:latin typeface="微软雅黑" panose="020B0503020204020204" pitchFamily="34" charset="-122"/>
-                <a:ea typeface="微软雅黑" panose="020B0503020204020204" pitchFamily="34" charset="-122"/>
-              </a:rPr>
-              <a:t>      </a:t>
-            </a:r>
-            <a:r>
-              <a:rPr lang="en-US" altLang="zh-CN" sz="1100" dirty="0" smtClean="0">
-                <a:solidFill>
-                  <a:srgbClr val="EEECE1">
-                    <a:lumMod val="25000"/>
-                  </a:srgbClr>
-                </a:solidFill>
-                <a:latin typeface="微软雅黑" panose="020B0503020204020204" pitchFamily="34" charset="-122"/>
-                <a:ea typeface="微软雅黑" panose="020B0503020204020204" pitchFamily="34" charset="-122"/>
-              </a:rPr>
-              <a:t>             </a:t>
-            </a:r>
-            <a:r>
-              <a:rPr lang="en-US" altLang="zh-CN" sz="1100" dirty="0">
-                <a:solidFill>
-                  <a:srgbClr val="EEECE1">
-                    <a:lumMod val="25000"/>
-                  </a:srgbClr>
-                </a:solidFill>
-                <a:latin typeface="微软雅黑" panose="020B0503020204020204" pitchFamily="34" charset="-122"/>
-                <a:ea typeface="微软雅黑" panose="020B0503020204020204" pitchFamily="34" charset="-122"/>
-              </a:rPr>
-              <a:t>PPT</a:t>
-            </a:r>
-            <a:r>
-              <a:rPr lang="zh-CN" altLang="en-US" sz="1100" dirty="0">
-                <a:solidFill>
-                  <a:srgbClr val="EEECE1">
-                    <a:lumMod val="25000"/>
-                  </a:srgbClr>
-                </a:solidFill>
-                <a:latin typeface="微软雅黑" panose="020B0503020204020204" pitchFamily="34" charset="-122"/>
-                <a:ea typeface="微软雅黑" panose="020B0503020204020204" pitchFamily="34" charset="-122"/>
-              </a:rPr>
-              <a:t>教程</a:t>
-            </a:r>
-            <a:r>
-              <a:rPr lang="zh-CN" altLang="en-US" sz="1100" dirty="0" smtClean="0">
-                <a:solidFill>
-                  <a:srgbClr val="EEECE1">
-                    <a:lumMod val="25000"/>
-                  </a:srgbClr>
-                </a:solidFill>
-                <a:latin typeface="微软雅黑" panose="020B0503020204020204" pitchFamily="34" charset="-122"/>
-                <a:ea typeface="微软雅黑" panose="020B0503020204020204" pitchFamily="34" charset="-122"/>
-              </a:rPr>
-              <a:t>：       </a:t>
-            </a:r>
-            <a:r>
-              <a:rPr lang="en-US" altLang="zh-CN" sz="1100" dirty="0" smtClean="0">
-                <a:solidFill>
-                  <a:srgbClr val="EEECE1">
-                    <a:lumMod val="25000"/>
-                  </a:srgbClr>
-                </a:solidFill>
-                <a:latin typeface="微软雅黑" panose="020B0503020204020204" pitchFamily="34" charset="-122"/>
-                <a:ea typeface="微软雅黑" panose="020B0503020204020204" pitchFamily="34" charset="-122"/>
-                <a:hlinkClick r:id="rId9"/>
-              </a:rPr>
-              <a:t>www.1ppt.com/powerpoint</a:t>
-            </a:r>
-            <a:r>
-              <a:rPr lang="en-US" altLang="zh-CN" sz="1100" dirty="0">
-                <a:solidFill>
-                  <a:srgbClr val="EEECE1">
-                    <a:lumMod val="25000"/>
-                  </a:srgbClr>
-                </a:solidFill>
-                <a:latin typeface="微软雅黑" panose="020B0503020204020204" pitchFamily="34" charset="-122"/>
-                <a:ea typeface="微软雅黑" panose="020B0503020204020204" pitchFamily="34" charset="-122"/>
-                <a:hlinkClick r:id="rId9"/>
-              </a:rPr>
-              <a:t>/</a:t>
-            </a:r>
-            <a:r>
-              <a:rPr lang="en-US" altLang="zh-CN" sz="1100" dirty="0">
-                <a:solidFill>
-                  <a:srgbClr val="EEECE1">
-                    <a:lumMod val="25000"/>
-                  </a:srgbClr>
-                </a:solidFill>
-                <a:latin typeface="微软雅黑" panose="020B0503020204020204" pitchFamily="34" charset="-122"/>
-                <a:ea typeface="微软雅黑" panose="020B0503020204020204" pitchFamily="34" charset="-122"/>
-              </a:rPr>
-              <a:t>      </a:t>
-            </a:r>
-          </a:p>
-          <a:p>
-            <a:r>
-              <a:rPr lang="en-US" altLang="zh-CN" sz="1100" dirty="0">
-                <a:solidFill>
-                  <a:srgbClr val="EEECE1">
-                    <a:lumMod val="25000"/>
-                  </a:srgbClr>
-                </a:solidFill>
-                <a:latin typeface="微软雅黑" panose="020B0503020204020204" pitchFamily="34" charset="-122"/>
-                <a:ea typeface="微软雅黑" panose="020B0503020204020204" pitchFamily="34" charset="-122"/>
-              </a:rPr>
-              <a:t>Word</a:t>
-            </a:r>
-            <a:r>
-              <a:rPr lang="zh-CN" altLang="en-US" sz="1100" dirty="0">
-                <a:solidFill>
-                  <a:srgbClr val="EEECE1">
-                    <a:lumMod val="25000"/>
-                  </a:srgbClr>
-                </a:solidFill>
-                <a:latin typeface="微软雅黑" panose="020B0503020204020204" pitchFamily="34" charset="-122"/>
-                <a:ea typeface="微软雅黑" panose="020B0503020204020204" pitchFamily="34" charset="-122"/>
-              </a:rPr>
-              <a:t>教程</a:t>
-            </a:r>
-            <a:r>
-              <a:rPr lang="zh-CN" altLang="en-US" sz="1100" dirty="0" smtClean="0">
-                <a:solidFill>
-                  <a:srgbClr val="EEECE1">
-                    <a:lumMod val="25000"/>
-                  </a:srgbClr>
-                </a:solidFill>
-                <a:latin typeface="微软雅黑" panose="020B0503020204020204" pitchFamily="34" charset="-122"/>
-                <a:ea typeface="微软雅黑" panose="020B0503020204020204" pitchFamily="34" charset="-122"/>
-              </a:rPr>
-              <a:t>：    </a:t>
-            </a:r>
-            <a:r>
-              <a:rPr lang="en-US" altLang="zh-CN" sz="1100" dirty="0" smtClean="0">
-                <a:solidFill>
-                  <a:srgbClr val="EEECE1">
-                    <a:lumMod val="25000"/>
-                  </a:srgbClr>
-                </a:solidFill>
-                <a:latin typeface="微软雅黑" panose="020B0503020204020204" pitchFamily="34" charset="-122"/>
-                <a:ea typeface="微软雅黑" panose="020B0503020204020204" pitchFamily="34" charset="-122"/>
-                <a:hlinkClick r:id="rId10"/>
-              </a:rPr>
-              <a:t>www.1ppt.com/word</a:t>
-            </a:r>
-            <a:r>
-              <a:rPr lang="en-US" altLang="zh-CN" sz="1100" dirty="0">
-                <a:solidFill>
-                  <a:srgbClr val="EEECE1">
-                    <a:lumMod val="25000"/>
-                  </a:srgbClr>
-                </a:solidFill>
-                <a:latin typeface="微软雅黑" panose="020B0503020204020204" pitchFamily="34" charset="-122"/>
-                <a:ea typeface="微软雅黑" panose="020B0503020204020204" pitchFamily="34" charset="-122"/>
-                <a:hlinkClick r:id="rId10"/>
-              </a:rPr>
-              <a:t>/</a:t>
-            </a:r>
-            <a:r>
-              <a:rPr lang="en-US" altLang="zh-CN" sz="1100" dirty="0">
-                <a:solidFill>
-                  <a:srgbClr val="EEECE1">
-                    <a:lumMod val="25000"/>
-                  </a:srgbClr>
-                </a:solidFill>
-                <a:latin typeface="微软雅黑" panose="020B0503020204020204" pitchFamily="34" charset="-122"/>
-                <a:ea typeface="微软雅黑" panose="020B0503020204020204" pitchFamily="34" charset="-122"/>
-              </a:rPr>
-              <a:t>      </a:t>
-            </a:r>
-            <a:r>
-              <a:rPr lang="en-US" altLang="zh-CN" sz="1100" dirty="0" smtClean="0">
-                <a:solidFill>
-                  <a:srgbClr val="EEECE1">
-                    <a:lumMod val="25000"/>
-                  </a:srgbClr>
-                </a:solidFill>
-                <a:latin typeface="微软雅黑" panose="020B0503020204020204" pitchFamily="34" charset="-122"/>
-                <a:ea typeface="微软雅黑" panose="020B0503020204020204" pitchFamily="34" charset="-122"/>
-              </a:rPr>
-              <a:t>              </a:t>
-            </a:r>
-            <a:r>
-              <a:rPr lang="en-US" altLang="zh-CN" sz="1100" dirty="0">
-                <a:solidFill>
-                  <a:srgbClr val="EEECE1">
-                    <a:lumMod val="25000"/>
-                  </a:srgbClr>
-                </a:solidFill>
-                <a:latin typeface="微软雅黑" panose="020B0503020204020204" pitchFamily="34" charset="-122"/>
-                <a:ea typeface="微软雅黑" panose="020B0503020204020204" pitchFamily="34" charset="-122"/>
-              </a:rPr>
-              <a:t>Excel</a:t>
-            </a:r>
-            <a:r>
-              <a:rPr lang="zh-CN" altLang="en-US" sz="1100" dirty="0">
-                <a:solidFill>
-                  <a:srgbClr val="EEECE1">
-                    <a:lumMod val="25000"/>
-                  </a:srgbClr>
-                </a:solidFill>
-                <a:latin typeface="微软雅黑" panose="020B0503020204020204" pitchFamily="34" charset="-122"/>
-                <a:ea typeface="微软雅黑" panose="020B0503020204020204" pitchFamily="34" charset="-122"/>
-              </a:rPr>
-              <a:t>教程</a:t>
-            </a:r>
-            <a:r>
-              <a:rPr lang="zh-CN" altLang="en-US" sz="1100" dirty="0" smtClean="0">
-                <a:solidFill>
-                  <a:srgbClr val="EEECE1">
-                    <a:lumMod val="25000"/>
-                  </a:srgbClr>
-                </a:solidFill>
-                <a:latin typeface="微软雅黑" panose="020B0503020204020204" pitchFamily="34" charset="-122"/>
-                <a:ea typeface="微软雅黑" panose="020B0503020204020204" pitchFamily="34" charset="-122"/>
-              </a:rPr>
-              <a:t>：     </a:t>
-            </a:r>
-            <a:r>
-              <a:rPr lang="en-US" altLang="zh-CN" sz="1100" dirty="0" smtClean="0">
-                <a:solidFill>
-                  <a:srgbClr val="EEECE1">
-                    <a:lumMod val="25000"/>
-                  </a:srgbClr>
-                </a:solidFill>
-                <a:latin typeface="微软雅黑" panose="020B0503020204020204" pitchFamily="34" charset="-122"/>
-                <a:ea typeface="微软雅黑" panose="020B0503020204020204" pitchFamily="34" charset="-122"/>
-                <a:hlinkClick r:id="rId11"/>
-              </a:rPr>
-              <a:t>www.1ppt.com/excel</a:t>
-            </a:r>
-            <a:r>
-              <a:rPr lang="en-US" altLang="zh-CN" sz="1100" dirty="0">
-                <a:solidFill>
-                  <a:srgbClr val="EEECE1">
-                    <a:lumMod val="25000"/>
-                  </a:srgbClr>
-                </a:solidFill>
-                <a:latin typeface="微软雅黑" panose="020B0503020204020204" pitchFamily="34" charset="-122"/>
-                <a:ea typeface="微软雅黑" panose="020B0503020204020204" pitchFamily="34" charset="-122"/>
-                <a:hlinkClick r:id="rId11"/>
-              </a:rPr>
-              <a:t>/</a:t>
-            </a:r>
-            <a:r>
-              <a:rPr lang="en-US" altLang="zh-CN" sz="1100" dirty="0">
-                <a:solidFill>
-                  <a:srgbClr val="EEECE1">
-                    <a:lumMod val="25000"/>
-                  </a:srgbClr>
-                </a:solidFill>
-                <a:latin typeface="微软雅黑" panose="020B0503020204020204" pitchFamily="34" charset="-122"/>
-                <a:ea typeface="微软雅黑" panose="020B0503020204020204" pitchFamily="34" charset="-122"/>
-              </a:rPr>
-              <a:t>  </a:t>
-            </a:r>
-          </a:p>
-          <a:p>
-            <a:r>
-              <a:rPr lang="zh-CN" altLang="en-US" sz="1100" dirty="0">
-                <a:solidFill>
-                  <a:srgbClr val="EEECE1">
-                    <a:lumMod val="25000"/>
-                  </a:srgbClr>
-                </a:solidFill>
-                <a:latin typeface="微软雅黑" panose="020B0503020204020204" pitchFamily="34" charset="-122"/>
-                <a:ea typeface="微软雅黑" panose="020B0503020204020204" pitchFamily="34" charset="-122"/>
-              </a:rPr>
-              <a:t>资料</a:t>
-            </a:r>
-            <a:r>
-              <a:rPr lang="zh-CN" altLang="en-US" sz="1100" dirty="0" smtClean="0">
-                <a:solidFill>
-                  <a:srgbClr val="EEECE1">
-                    <a:lumMod val="25000"/>
-                  </a:srgbClr>
-                </a:solidFill>
-                <a:latin typeface="微软雅黑" panose="020B0503020204020204" pitchFamily="34" charset="-122"/>
-                <a:ea typeface="微软雅黑" panose="020B0503020204020204" pitchFamily="34" charset="-122"/>
-              </a:rPr>
-              <a:t>下载：      </a:t>
-            </a:r>
-            <a:r>
-              <a:rPr lang="en-US" altLang="zh-CN" sz="1100" dirty="0" smtClean="0">
-                <a:solidFill>
-                  <a:srgbClr val="EEECE1">
-                    <a:lumMod val="25000"/>
-                  </a:srgbClr>
-                </a:solidFill>
-                <a:latin typeface="微软雅黑" panose="020B0503020204020204" pitchFamily="34" charset="-122"/>
-                <a:ea typeface="微软雅黑" panose="020B0503020204020204" pitchFamily="34" charset="-122"/>
-                <a:hlinkClick r:id="rId12"/>
-              </a:rPr>
-              <a:t>www.1ppt.com/ziliao/</a:t>
-            </a:r>
-            <a:r>
-              <a:rPr lang="en-US" altLang="zh-CN" sz="1100" dirty="0" smtClean="0">
-                <a:solidFill>
-                  <a:srgbClr val="EEECE1">
-                    <a:lumMod val="25000"/>
-                  </a:srgbClr>
-                </a:solidFill>
-                <a:latin typeface="微软雅黑" panose="020B0503020204020204" pitchFamily="34" charset="-122"/>
-                <a:ea typeface="微软雅黑" panose="020B0503020204020204" pitchFamily="34" charset="-122"/>
-              </a:rPr>
-              <a:t>                    PPT</a:t>
-            </a:r>
-            <a:r>
-              <a:rPr lang="zh-CN" altLang="en-US" sz="1100" dirty="0">
-                <a:solidFill>
-                  <a:srgbClr val="EEECE1">
-                    <a:lumMod val="25000"/>
-                  </a:srgbClr>
-                </a:solidFill>
-                <a:latin typeface="微软雅黑" panose="020B0503020204020204" pitchFamily="34" charset="-122"/>
-                <a:ea typeface="微软雅黑" panose="020B0503020204020204" pitchFamily="34" charset="-122"/>
-              </a:rPr>
-              <a:t>课件下载：</a:t>
-            </a:r>
-            <a:r>
-              <a:rPr lang="en-US" altLang="zh-CN" sz="1100" dirty="0">
-                <a:solidFill>
-                  <a:srgbClr val="EEECE1">
-                    <a:lumMod val="25000"/>
-                  </a:srgbClr>
-                </a:solidFill>
-                <a:latin typeface="微软雅黑" panose="020B0503020204020204" pitchFamily="34" charset="-122"/>
-                <a:ea typeface="微软雅黑" panose="020B0503020204020204" pitchFamily="34" charset="-122"/>
-                <a:hlinkClick r:id="rId13"/>
-              </a:rPr>
-              <a:t>www.1ppt.com/kejian/</a:t>
-            </a:r>
-            <a:r>
-              <a:rPr lang="en-US" altLang="zh-CN" sz="1100" dirty="0">
-                <a:solidFill>
-                  <a:srgbClr val="EEECE1">
-                    <a:lumMod val="25000"/>
-                  </a:srgbClr>
-                </a:solidFill>
-                <a:latin typeface="微软雅黑" panose="020B0503020204020204" pitchFamily="34" charset="-122"/>
-                <a:ea typeface="微软雅黑" panose="020B0503020204020204" pitchFamily="34" charset="-122"/>
-              </a:rPr>
-              <a:t> </a:t>
-            </a:r>
-          </a:p>
-          <a:p>
-            <a:r>
-              <a:rPr lang="zh-CN" altLang="en-US" sz="1100" dirty="0">
-                <a:solidFill>
-                  <a:srgbClr val="EEECE1">
-                    <a:lumMod val="25000"/>
-                  </a:srgbClr>
-                </a:solidFill>
-                <a:latin typeface="微软雅黑" panose="020B0503020204020204" pitchFamily="34" charset="-122"/>
-                <a:ea typeface="微软雅黑" panose="020B0503020204020204" pitchFamily="34" charset="-122"/>
-              </a:rPr>
-              <a:t>范文下载</a:t>
-            </a:r>
-            <a:r>
-              <a:rPr lang="zh-CN" altLang="en-US" sz="1100" dirty="0" smtClean="0">
-                <a:solidFill>
-                  <a:srgbClr val="EEECE1">
-                    <a:lumMod val="25000"/>
-                  </a:srgbClr>
-                </a:solidFill>
-                <a:latin typeface="微软雅黑" panose="020B0503020204020204" pitchFamily="34" charset="-122"/>
-                <a:ea typeface="微软雅黑" panose="020B0503020204020204" pitchFamily="34" charset="-122"/>
-              </a:rPr>
-              <a:t>：      </a:t>
-            </a:r>
-            <a:r>
-              <a:rPr lang="en-US" altLang="zh-CN" sz="1100" dirty="0" smtClean="0">
-                <a:solidFill>
-                  <a:srgbClr val="EEECE1">
-                    <a:lumMod val="25000"/>
-                  </a:srgbClr>
-                </a:solidFill>
-                <a:latin typeface="微软雅黑" panose="020B0503020204020204" pitchFamily="34" charset="-122"/>
-                <a:ea typeface="微软雅黑" panose="020B0503020204020204" pitchFamily="34" charset="-122"/>
-                <a:hlinkClick r:id="rId14"/>
-              </a:rPr>
-              <a:t>www.1ppt.com/fanwen</a:t>
-            </a:r>
-            <a:r>
-              <a:rPr lang="en-US" altLang="zh-CN" sz="1100" dirty="0">
-                <a:solidFill>
-                  <a:srgbClr val="EEECE1">
-                    <a:lumMod val="25000"/>
-                  </a:srgbClr>
-                </a:solidFill>
-                <a:latin typeface="微软雅黑" panose="020B0503020204020204" pitchFamily="34" charset="-122"/>
-                <a:ea typeface="微软雅黑" panose="020B0503020204020204" pitchFamily="34" charset="-122"/>
-                <a:hlinkClick r:id="rId14"/>
-              </a:rPr>
-              <a:t>/</a:t>
-            </a:r>
-            <a:r>
-              <a:rPr lang="en-US" altLang="zh-CN" sz="1100" dirty="0">
-                <a:solidFill>
-                  <a:srgbClr val="EEECE1">
-                    <a:lumMod val="25000"/>
-                  </a:srgbClr>
-                </a:solidFill>
-                <a:latin typeface="微软雅黑" panose="020B0503020204020204" pitchFamily="34" charset="-122"/>
-                <a:ea typeface="微软雅黑" panose="020B0503020204020204" pitchFamily="34" charset="-122"/>
-              </a:rPr>
-              <a:t>         </a:t>
-            </a:r>
-            <a:r>
-              <a:rPr lang="en-US" altLang="zh-CN" sz="1100" dirty="0" smtClean="0">
-                <a:solidFill>
-                  <a:srgbClr val="EEECE1">
-                    <a:lumMod val="25000"/>
-                  </a:srgbClr>
-                </a:solidFill>
-                <a:latin typeface="微软雅黑" panose="020B0503020204020204" pitchFamily="34" charset="-122"/>
-                <a:ea typeface="微软雅黑" panose="020B0503020204020204" pitchFamily="34" charset="-122"/>
-              </a:rPr>
-              <a:t>        </a:t>
-            </a:r>
-            <a:r>
-              <a:rPr lang="zh-CN" altLang="en-US" sz="1100" dirty="0">
-                <a:solidFill>
-                  <a:srgbClr val="EEECE1">
-                    <a:lumMod val="25000"/>
-                  </a:srgbClr>
-                </a:solidFill>
-                <a:latin typeface="微软雅黑" panose="020B0503020204020204" pitchFamily="34" charset="-122"/>
-                <a:ea typeface="微软雅黑" panose="020B0503020204020204" pitchFamily="34" charset="-122"/>
-              </a:rPr>
-              <a:t>试卷</a:t>
-            </a:r>
-            <a:r>
-              <a:rPr lang="zh-CN" altLang="en-US" sz="1100" dirty="0" smtClean="0">
-                <a:solidFill>
-                  <a:srgbClr val="EEECE1">
-                    <a:lumMod val="25000"/>
-                  </a:srgbClr>
-                </a:solidFill>
-                <a:latin typeface="微软雅黑" panose="020B0503020204020204" pitchFamily="34" charset="-122"/>
-                <a:ea typeface="微软雅黑" panose="020B0503020204020204" pitchFamily="34" charset="-122"/>
-              </a:rPr>
-              <a:t>下载：      </a:t>
-            </a:r>
-            <a:r>
-              <a:rPr lang="en-US" altLang="zh-CN" sz="1100" dirty="0" smtClean="0">
-                <a:solidFill>
-                  <a:srgbClr val="EEECE1">
-                    <a:lumMod val="25000"/>
-                  </a:srgbClr>
-                </a:solidFill>
-                <a:latin typeface="微软雅黑" panose="020B0503020204020204" pitchFamily="34" charset="-122"/>
-                <a:ea typeface="微软雅黑" panose="020B0503020204020204" pitchFamily="34" charset="-122"/>
-                <a:hlinkClick r:id="rId15"/>
-              </a:rPr>
-              <a:t>www.1ppt.com/shiti/</a:t>
-            </a:r>
-            <a:r>
-              <a:rPr lang="en-US" altLang="zh-CN" sz="1100" dirty="0" smtClean="0">
-                <a:solidFill>
-                  <a:srgbClr val="EEECE1">
-                    <a:lumMod val="25000"/>
-                  </a:srgbClr>
-                </a:solidFill>
-                <a:latin typeface="微软雅黑" panose="020B0503020204020204" pitchFamily="34" charset="-122"/>
-                <a:ea typeface="微软雅黑" panose="020B0503020204020204" pitchFamily="34" charset="-122"/>
-              </a:rPr>
-              <a:t>  </a:t>
-            </a:r>
-            <a:endParaRPr lang="en-US" altLang="zh-CN" sz="1100" dirty="0">
-              <a:solidFill>
-                <a:srgbClr val="EEECE1">
-                  <a:lumMod val="25000"/>
-                </a:srgbClr>
-              </a:solidFill>
-              <a:latin typeface="微软雅黑" panose="020B0503020204020204" pitchFamily="34" charset="-122"/>
-              <a:ea typeface="微软雅黑" panose="020B0503020204020204" pitchFamily="34" charset="-122"/>
-            </a:endParaRPr>
-          </a:p>
-          <a:p>
-            <a:r>
-              <a:rPr lang="zh-CN" altLang="en-US" sz="1100" dirty="0">
-                <a:solidFill>
-                  <a:srgbClr val="EEECE1">
-                    <a:lumMod val="25000"/>
-                  </a:srgbClr>
-                </a:solidFill>
-                <a:latin typeface="微软雅黑" panose="020B0503020204020204" pitchFamily="34" charset="-122"/>
-                <a:ea typeface="微软雅黑" panose="020B0503020204020204" pitchFamily="34" charset="-122"/>
-              </a:rPr>
-              <a:t>教案</a:t>
-            </a:r>
-            <a:r>
-              <a:rPr lang="zh-CN" altLang="en-US" sz="1100" dirty="0" smtClean="0">
-                <a:solidFill>
-                  <a:srgbClr val="EEECE1">
-                    <a:lumMod val="25000"/>
-                  </a:srgbClr>
-                </a:solidFill>
-                <a:latin typeface="微软雅黑" panose="020B0503020204020204" pitchFamily="34" charset="-122"/>
-                <a:ea typeface="微软雅黑" panose="020B0503020204020204" pitchFamily="34" charset="-122"/>
-              </a:rPr>
-              <a:t>下载：      </a:t>
-            </a:r>
-            <a:r>
-              <a:rPr lang="en-US" altLang="zh-CN" sz="1100" dirty="0" smtClean="0">
-                <a:solidFill>
-                  <a:srgbClr val="EEECE1">
-                    <a:lumMod val="25000"/>
-                  </a:srgbClr>
-                </a:solidFill>
-                <a:latin typeface="微软雅黑" panose="020B0503020204020204" pitchFamily="34" charset="-122"/>
-                <a:ea typeface="微软雅黑" panose="020B0503020204020204" pitchFamily="34" charset="-122"/>
-                <a:hlinkClick r:id="rId16"/>
-              </a:rPr>
-              <a:t>www.1ppt.com/jiaoan/</a:t>
-            </a:r>
-            <a:r>
-              <a:rPr lang="en-US" altLang="zh-CN" sz="1100" dirty="0" smtClean="0">
-                <a:solidFill>
-                  <a:srgbClr val="EEECE1">
-                    <a:lumMod val="25000"/>
-                  </a:srgbClr>
-                </a:solidFill>
-                <a:latin typeface="微软雅黑" panose="020B0503020204020204" pitchFamily="34" charset="-122"/>
-                <a:ea typeface="微软雅黑" panose="020B0503020204020204" pitchFamily="34" charset="-122"/>
-              </a:rPr>
-              <a:t>                   PPT</a:t>
-            </a:r>
-            <a:r>
-              <a:rPr lang="zh-CN" altLang="en-US" sz="1100" dirty="0">
-                <a:solidFill>
-                  <a:srgbClr val="EEECE1">
-                    <a:lumMod val="25000"/>
-                  </a:srgbClr>
-                </a:solidFill>
-                <a:latin typeface="微软雅黑" panose="020B0503020204020204" pitchFamily="34" charset="-122"/>
-                <a:ea typeface="微软雅黑" panose="020B0503020204020204" pitchFamily="34" charset="-122"/>
-              </a:rPr>
-              <a:t>论坛</a:t>
-            </a:r>
-            <a:r>
-              <a:rPr lang="zh-CN" altLang="en-US" sz="1100" dirty="0" smtClean="0">
-                <a:solidFill>
-                  <a:srgbClr val="EEECE1">
-                    <a:lumMod val="25000"/>
-                  </a:srgbClr>
-                </a:solidFill>
-                <a:latin typeface="微软雅黑" panose="020B0503020204020204" pitchFamily="34" charset="-122"/>
-                <a:ea typeface="微软雅黑" panose="020B0503020204020204" pitchFamily="34" charset="-122"/>
-              </a:rPr>
-              <a:t>：      </a:t>
-            </a:r>
-            <a:r>
-              <a:rPr lang="en-US" altLang="zh-CN" sz="1100" dirty="0" smtClean="0">
-                <a:solidFill>
-                  <a:srgbClr val="EEECE1">
-                    <a:lumMod val="25000"/>
-                  </a:srgbClr>
-                </a:solidFill>
-                <a:latin typeface="微软雅黑" panose="020B0503020204020204" pitchFamily="34" charset="-122"/>
-                <a:ea typeface="微软雅黑" panose="020B0503020204020204" pitchFamily="34" charset="-122"/>
-                <a:hlinkClick r:id="rId17"/>
-              </a:rPr>
-              <a:t>www.1ppt.cn</a:t>
-            </a:r>
-            <a:r>
-              <a:rPr lang="en-US" altLang="zh-CN" sz="1100" dirty="0" smtClean="0">
-                <a:solidFill>
-                  <a:srgbClr val="EEECE1">
-                    <a:lumMod val="25000"/>
-                  </a:srgbClr>
-                </a:solidFill>
-                <a:latin typeface="微软雅黑" panose="020B0503020204020204" pitchFamily="34" charset="-122"/>
-                <a:ea typeface="微软雅黑" panose="020B0503020204020204" pitchFamily="34" charset="-122"/>
-              </a:rPr>
-              <a:t>              </a:t>
-            </a:r>
-            <a:endParaRPr lang="zh-CN" altLang="en-US" sz="1100" dirty="0">
-              <a:solidFill>
-                <a:srgbClr val="EEECE1">
-                  <a:lumMod val="25000"/>
-                </a:srgbClr>
-              </a:solidFill>
-              <a:latin typeface="微软雅黑" panose="020B0503020204020204" pitchFamily="34" charset="-122"/>
-              <a:ea typeface="微软雅黑" panose="020B0503020204020204" pitchFamily="34" charset="-122"/>
-            </a:endParaRPr>
-          </a:p>
-        </p:txBody>
-      </p:sp>
-      <p:sp>
-        <p:nvSpPr>
-          <p:cNvPr id="3" name="Rectangle 17"/>
-          <p:cNvSpPr>
-            <a:spLocks noChangeArrowheads="1"/>
-          </p:cNvSpPr>
-          <p:nvPr/>
-        </p:nvSpPr>
-        <p:spPr bwMode="gray">
-          <a:xfrm>
-            <a:off x="139495" y="2539858"/>
-            <a:ext cx="12192000" cy="1366829"/>
-          </a:xfrm>
-          <a:prstGeom prst="rect">
-            <a:avLst/>
-          </a:prstGeom>
-          <a:solidFill>
-            <a:schemeClr val="tx2">
-              <a:lumMod val="75000"/>
-            </a:schemeClr>
-          </a:solidFill>
-          <a:ln w="9525">
-            <a:noFill/>
-            <a:miter lim="800000"/>
-            <a:headEnd/>
-            <a:tailEnd/>
-          </a:ln>
-        </p:spPr>
-        <p:txBody>
-          <a:bodyPr wrap="none" anchor="ctr"/>
-          <a:lstStyle/>
-          <a:p>
-            <a:pPr>
-              <a:defRPr/>
-            </a:pPr>
-            <a:endParaRPr lang="zh-CN" altLang="en-US" kern="0" dirty="0">
-              <a:solidFill>
-                <a:srgbClr val="005397"/>
-              </a:solidFill>
-              <a:latin typeface="Arial"/>
-              <a:ea typeface="微软雅黑"/>
-            </a:endParaRPr>
-          </a:p>
-        </p:txBody>
-      </p:sp>
-      <p:pic>
-        <p:nvPicPr>
-          <p:cNvPr id="10" name="图片 9"/>
-          <p:cNvPicPr>
-            <a:picLocks noChangeAspect="1"/>
-          </p:cNvPicPr>
-          <p:nvPr/>
-        </p:nvPicPr>
-        <p:blipFill>
-          <a:blip r:embed="rId18">
-            <a:extLst>
-              <a:ext uri="{28A0092B-C50C-407E-A947-70E740481C1C}">
-                <a14:useLocalDpi xmlns:a14="http://schemas.microsoft.com/office/drawing/2010/main" val="0"/>
-              </a:ext>
-            </a:extLst>
-          </a:blip>
-          <a:stretch>
-            <a:fillRect/>
-          </a:stretch>
-        </p:blipFill>
-        <p:spPr>
-          <a:xfrm>
-            <a:off x="810939" y="415572"/>
-            <a:ext cx="10282184" cy="2681772"/>
-          </a:xfrm>
-          <a:prstGeom prst="rect">
-            <a:avLst/>
-          </a:prstGeom>
-          <a:noFill/>
-          <a:ln>
-            <a:noFill/>
-          </a:ln>
-        </p:spPr>
-      </p:pic>
-      <p:sp>
-        <p:nvSpPr>
-          <p:cNvPr id="15" name="Rectangle 3"/>
-          <p:cNvSpPr>
-            <a:spLocks noChangeArrowheads="1"/>
-          </p:cNvSpPr>
-          <p:nvPr/>
-        </p:nvSpPr>
-        <p:spPr bwMode="auto">
-          <a:xfrm>
-            <a:off x="624419" y="3097348"/>
-            <a:ext cx="5471583" cy="1618679"/>
-          </a:xfrm>
-          <a:prstGeom prst="rect">
-            <a:avLst/>
-          </a:prstGeom>
-          <a:noFill/>
-          <a:ln w="3175" algn="ctr">
-            <a:noFill/>
-            <a:prstDash val="dash"/>
-            <a:miter lim="800000"/>
-            <a:headEnd/>
-            <a:tailEnd/>
-          </a:ln>
-          <a:effectLst/>
-          <a:extLst>
-            <a:ext uri="{909E8E84-426E-40DD-AFC4-6F175D3DCCD1}">
-              <a14:hiddenFill xmlns:a14="http://schemas.microsoft.com/office/drawing/2010/main">
-                <a:solidFill>
-                  <a:srgbClr val="FFFFFF"/>
-                </a:solidFill>
-              </a14:hiddenFill>
-            </a:ext>
-            <a:ext uri="{AF507438-7753-43E0-B8FC-AC1667EBCBE1}">
-              <a14:hiddenEffects xmlns:a14="http://schemas.microsoft.com/office/drawing/2010/main">
-                <a:effectLst>
-                  <a:outerShdw dist="35921" dir="2700000" algn="ctr" rotWithShape="0">
-                    <a:srgbClr val="808080"/>
-                  </a:outerShdw>
-                </a:effectLst>
-              </a14:hiddenEffects>
-            </a:ext>
-          </a:extLst>
-        </p:spPr>
-        <p:txBody>
-          <a:bodyPr/>
-          <a:lstStyle/>
-          <a:p>
-            <a:pPr>
-              <a:spcBef>
-                <a:spcPct val="20000"/>
-              </a:spcBef>
-              <a:buClr>
-                <a:srgbClr val="5B8CC1"/>
-              </a:buClr>
-              <a:buFont typeface="Wingdings" pitchFamily="2" charset="2"/>
-              <a:buNone/>
-              <a:defRPr/>
-            </a:pPr>
-            <a:r>
-              <a:rPr lang="zh-CN" altLang="en-US" sz="2000" b="1" kern="0" dirty="0" smtClean="0">
-                <a:solidFill>
-                  <a:prstClr val="white"/>
-                </a:solidFill>
-                <a:latin typeface="微软雅黑" pitchFamily="34" charset="-122"/>
-                <a:ea typeface="微软雅黑" pitchFamily="34" charset="-122"/>
-              </a:rPr>
-              <a:t>可以在下列情况使用</a:t>
-            </a:r>
-            <a:endParaRPr lang="zh-CN" altLang="en-US" sz="1200" kern="0" dirty="0" smtClean="0">
-              <a:solidFill>
-                <a:prstClr val="white"/>
-              </a:solidFill>
-              <a:latin typeface="微软雅黑" pitchFamily="34" charset="-122"/>
-              <a:ea typeface="微软雅黑" pitchFamily="34" charset="-122"/>
-            </a:endParaRPr>
-          </a:p>
-          <a:p>
-            <a:pPr>
-              <a:lnSpc>
-                <a:spcPct val="150000"/>
-              </a:lnSpc>
-              <a:buClr>
-                <a:srgbClr val="5B8CC1"/>
-              </a:buClr>
-              <a:buFont typeface="Wingdings" pitchFamily="2" charset="2"/>
-              <a:buChar char="n"/>
-              <a:defRPr/>
-            </a:pPr>
-            <a:r>
-              <a:rPr lang="zh-CN" altLang="en-US" sz="1200" kern="0" dirty="0" smtClean="0">
-                <a:solidFill>
-                  <a:prstClr val="white"/>
-                </a:solidFill>
-                <a:latin typeface="微软雅黑" pitchFamily="34" charset="-122"/>
-                <a:ea typeface="微软雅黑" pitchFamily="34" charset="-122"/>
-              </a:rPr>
-              <a:t>不限次数的用于您个人</a:t>
-            </a:r>
-            <a:r>
-              <a:rPr lang="en-US" altLang="zh-CN" sz="1200" kern="0" dirty="0" smtClean="0">
-                <a:solidFill>
-                  <a:prstClr val="white"/>
-                </a:solidFill>
-                <a:latin typeface="微软雅黑" pitchFamily="34" charset="-122"/>
-                <a:ea typeface="微软雅黑" pitchFamily="34" charset="-122"/>
-              </a:rPr>
-              <a:t>/</a:t>
-            </a:r>
-            <a:r>
-              <a:rPr lang="zh-CN" altLang="en-US" sz="1200" kern="0" dirty="0" smtClean="0">
-                <a:solidFill>
-                  <a:prstClr val="white"/>
-                </a:solidFill>
-                <a:latin typeface="微软雅黑" pitchFamily="34" charset="-122"/>
-                <a:ea typeface="微软雅黑" pitchFamily="34" charset="-122"/>
-              </a:rPr>
-              <a:t>公司、企业的商业演示。</a:t>
-            </a:r>
-          </a:p>
-          <a:p>
-            <a:pPr>
-              <a:lnSpc>
-                <a:spcPct val="150000"/>
-              </a:lnSpc>
-              <a:buClr>
-                <a:srgbClr val="5B8CC1"/>
-              </a:buClr>
-              <a:buFont typeface="Wingdings" pitchFamily="2" charset="2"/>
-              <a:buChar char="n"/>
-              <a:defRPr/>
-            </a:pPr>
-            <a:r>
-              <a:rPr lang="zh-CN" altLang="en-US" sz="1200" kern="0" dirty="0" smtClean="0">
-                <a:solidFill>
-                  <a:prstClr val="white"/>
-                </a:solidFill>
-                <a:latin typeface="微软雅黑" pitchFamily="34" charset="-122"/>
-                <a:ea typeface="微软雅黑" pitchFamily="34" charset="-122"/>
-              </a:rPr>
-              <a:t>拷贝模板中的内容用于其它幻灯片母版中使用。</a:t>
-            </a:r>
-          </a:p>
-        </p:txBody>
-      </p:sp>
-      <p:sp>
-        <p:nvSpPr>
-          <p:cNvPr id="16" name="Rectangle 4"/>
-          <p:cNvSpPr>
-            <a:spLocks noChangeArrowheads="1"/>
-          </p:cNvSpPr>
-          <p:nvPr/>
-        </p:nvSpPr>
-        <p:spPr bwMode="auto">
-          <a:xfrm>
-            <a:off x="6096000" y="3097348"/>
-            <a:ext cx="5471584" cy="1546671"/>
-          </a:xfrm>
-          <a:prstGeom prst="rect">
-            <a:avLst/>
-          </a:prstGeom>
-          <a:noFill/>
-          <a:ln w="3175" algn="ctr">
-            <a:noFill/>
-            <a:prstDash val="dash"/>
-            <a:miter lim="800000"/>
-            <a:headEnd/>
-            <a:tailEnd/>
-          </a:ln>
-          <a:effectLst/>
-          <a:extLst>
-            <a:ext uri="{909E8E84-426E-40DD-AFC4-6F175D3DCCD1}">
-              <a14:hiddenFill xmlns:a14="http://schemas.microsoft.com/office/drawing/2010/main">
-                <a:solidFill>
-                  <a:srgbClr val="FFFFFF"/>
-                </a:solidFill>
-              </a14:hiddenFill>
-            </a:ext>
-            <a:ext uri="{AF507438-7753-43E0-B8FC-AC1667EBCBE1}">
-              <a14:hiddenEffects xmlns:a14="http://schemas.microsoft.com/office/drawing/2010/main">
-                <a:effectLst>
-                  <a:outerShdw dist="35921" dir="2700000" algn="ctr" rotWithShape="0">
-                    <a:srgbClr val="808080"/>
-                  </a:outerShdw>
-                </a:effectLst>
-              </a14:hiddenEffects>
-            </a:ext>
-          </a:extLst>
-        </p:spPr>
-        <p:txBody>
-          <a:bodyPr/>
-          <a:lstStyle/>
-          <a:p>
-            <a:pPr>
-              <a:spcBef>
-                <a:spcPct val="20000"/>
-              </a:spcBef>
-              <a:buClr>
-                <a:srgbClr val="5B8CC1"/>
-              </a:buClr>
-              <a:buFont typeface="Wingdings" pitchFamily="2" charset="2"/>
-              <a:buNone/>
-              <a:defRPr/>
-            </a:pPr>
-            <a:r>
-              <a:rPr lang="zh-CN" altLang="en-US" sz="2000" b="1" kern="0" dirty="0" smtClean="0">
-                <a:solidFill>
-                  <a:prstClr val="white"/>
-                </a:solidFill>
-                <a:latin typeface="微软雅黑" pitchFamily="34" charset="-122"/>
-                <a:ea typeface="微软雅黑" pitchFamily="34" charset="-122"/>
-              </a:rPr>
-              <a:t>不可以在以下情况使用</a:t>
-            </a:r>
-            <a:endParaRPr lang="zh-CN" altLang="en-US" sz="1050" b="1" kern="0" dirty="0" smtClean="0">
-              <a:solidFill>
-                <a:prstClr val="white"/>
-              </a:solidFill>
-              <a:latin typeface="微软雅黑" pitchFamily="34" charset="-122"/>
-              <a:ea typeface="微软雅黑" pitchFamily="34" charset="-122"/>
-            </a:endParaRPr>
-          </a:p>
-          <a:p>
-            <a:pPr>
-              <a:lnSpc>
-                <a:spcPct val="150000"/>
-              </a:lnSpc>
-              <a:buClr>
-                <a:srgbClr val="5B8CC1"/>
-              </a:buClr>
-              <a:buFont typeface="Wingdings" pitchFamily="2" charset="2"/>
-              <a:buChar char="n"/>
-              <a:defRPr/>
-            </a:pPr>
-            <a:r>
-              <a:rPr lang="zh-CN" altLang="en-US" sz="1200" kern="0" dirty="0" smtClean="0">
-                <a:solidFill>
-                  <a:prstClr val="white"/>
-                </a:solidFill>
-                <a:latin typeface="微软雅黑" pitchFamily="34" charset="-122"/>
-                <a:ea typeface="微软雅黑" pitchFamily="34" charset="-122"/>
-              </a:rPr>
-              <a:t>用于任何形式的在线付费下载。</a:t>
-            </a:r>
-          </a:p>
-          <a:p>
-            <a:pPr>
-              <a:lnSpc>
-                <a:spcPct val="150000"/>
-              </a:lnSpc>
-              <a:buClr>
-                <a:srgbClr val="5B8CC1"/>
-              </a:buClr>
-              <a:buFont typeface="Wingdings" pitchFamily="2" charset="2"/>
-              <a:buChar char="n"/>
-              <a:defRPr/>
-            </a:pPr>
-            <a:r>
-              <a:rPr lang="zh-CN" altLang="en-US" sz="1200" kern="0" dirty="0" smtClean="0">
-                <a:solidFill>
-                  <a:prstClr val="white"/>
-                </a:solidFill>
-                <a:latin typeface="微软雅黑" pitchFamily="34" charset="-122"/>
-                <a:ea typeface="微软雅黑" pitchFamily="34" charset="-122"/>
-              </a:rPr>
-              <a:t>收集整理我们发布的免费资源后，刻录光碟销售。</a:t>
-            </a:r>
-            <a:endParaRPr lang="zh-CN" altLang="en-GB" sz="1200" kern="0" dirty="0" smtClean="0">
-              <a:solidFill>
-                <a:prstClr val="white"/>
-              </a:solidFill>
-              <a:latin typeface="微软雅黑" pitchFamily="34" charset="-122"/>
-              <a:ea typeface="微软雅黑" pitchFamily="34" charset="-122"/>
-            </a:endParaRPr>
-          </a:p>
-        </p:txBody>
-      </p:sp>
-      <p:pic>
-        <p:nvPicPr>
-          <p:cNvPr id="17" name="Picture 10" descr="png-0644"/>
-          <p:cNvPicPr>
-            <a:picLocks noChangeAspect="1" noChangeArrowheads="1"/>
-          </p:cNvPicPr>
-          <p:nvPr/>
-        </p:nvPicPr>
-        <p:blipFill>
-          <a:blip r:embed="rId19">
-            <a:extLst>
-              <a:ext uri="{28A0092B-C50C-407E-A947-70E740481C1C}">
-                <a14:useLocalDpi xmlns:a14="http://schemas.microsoft.com/office/drawing/2010/main" val="0"/>
-              </a:ext>
-            </a:extLst>
-          </a:blip>
-          <a:srcRect/>
-          <a:stretch>
-            <a:fillRect/>
-          </a:stretch>
-        </p:blipFill>
-        <p:spPr bwMode="auto">
-          <a:xfrm>
-            <a:off x="3887756" y="3097345"/>
-            <a:ext cx="524933" cy="393700"/>
-          </a:xfrm>
-          <a:prstGeom prst="rect">
-            <a:avLst/>
-          </a:prstGeom>
-          <a:noFill/>
-          <a:ln>
-            <a:noFill/>
-          </a:ln>
-          <a:extLst>
-            <a:ext uri="{909E8E84-426E-40DD-AFC4-6F175D3DCCD1}">
-              <a14:hiddenFill xmlns:a14="http://schemas.microsoft.com/office/drawing/2010/main">
-                <a:solidFill>
-                  <a:srgbClr val="FFFFFF"/>
-                </a:solidFill>
-              </a14:hiddenFill>
-            </a:ext>
-            <a:ext uri="{91240B29-F687-4F45-9708-019B960494DF}">
-              <a14:hiddenLine xmlns:a14="http://schemas.microsoft.com/office/drawing/2010/main" w="9525">
-                <a:solidFill>
-                  <a:srgbClr val="000000"/>
-                </a:solidFill>
-                <a:miter lim="800000"/>
-                <a:headEnd/>
-                <a:tailEnd/>
-              </a14:hiddenLine>
-            </a:ext>
-          </a:extLst>
-        </p:spPr>
-      </p:pic>
-      <p:pic>
-        <p:nvPicPr>
-          <p:cNvPr id="18" name="Picture 11" descr="png-0652"/>
-          <p:cNvPicPr>
-            <a:picLocks noChangeAspect="1" noChangeArrowheads="1"/>
-          </p:cNvPicPr>
-          <p:nvPr/>
-        </p:nvPicPr>
-        <p:blipFill>
-          <a:blip r:embed="rId20">
-            <a:extLst>
-              <a:ext uri="{28A0092B-C50C-407E-A947-70E740481C1C}">
-                <a14:useLocalDpi xmlns:a14="http://schemas.microsoft.com/office/drawing/2010/main" val="0"/>
-              </a:ext>
-            </a:extLst>
-          </a:blip>
-          <a:srcRect/>
-          <a:stretch>
-            <a:fillRect/>
-          </a:stretch>
-        </p:blipFill>
-        <p:spPr bwMode="auto">
-          <a:xfrm>
-            <a:off x="9645336" y="3097345"/>
-            <a:ext cx="524933" cy="393700"/>
-          </a:xfrm>
-          <a:prstGeom prst="rect">
-            <a:avLst/>
-          </a:prstGeom>
-          <a:noFill/>
-          <a:ln>
-            <a:noFill/>
-          </a:ln>
-          <a:extLst>
-            <a:ext uri="{909E8E84-426E-40DD-AFC4-6F175D3DCCD1}">
-              <a14:hiddenFill xmlns:a14="http://schemas.microsoft.com/office/drawing/2010/main">
-                <a:solidFill>
-                  <a:srgbClr val="FFFFFF"/>
-                </a:solidFill>
-              </a14:hiddenFill>
-            </a:ext>
-            <a:ext uri="{91240B29-F687-4F45-9708-019B960494DF}">
-              <a14:hiddenLine xmlns:a14="http://schemas.microsoft.com/office/drawing/2010/main" w="9525">
-                <a:solidFill>
-                  <a:srgbClr val="000000"/>
-                </a:solidFill>
-                <a:miter lim="800000"/>
-                <a:headEnd/>
-                <a:tailEnd/>
-              </a14:hiddenLine>
-            </a:ext>
-          </a:extLst>
-        </p:spPr>
-      </p:pic>
-    </p:spTree>
-    <p:extLst>
-      <p:ext uri="{BB962C8B-B14F-4D97-AF65-F5344CB8AC3E}">
-        <p14:creationId xmlns:p14="http://schemas.microsoft.com/office/powerpoint/2010/main" val="1926545926"/>
-      </p:ext>
-    </p:extLst>
-  </p:cSld>
-  <p:clrMapOvr>
-    <a:masterClrMapping/>
-  </p:clrMapOvr>
-  <p:timing>
-    <p:tnLst>
-      <p:par>
-        <p:cTn id="1" dur="indefinite" restart="never" nodeType="tmRoot"/>
-      </p:par>
-    </p:tnLst>
   </p:timing>
 </p:sld>
 </file>
@@ -40826,14 +35569,7 @@
                 <a:latin typeface="华文中宋" panose="02010600040101010101" pitchFamily="2" charset="-122"/>
                 <a:ea typeface="华文中宋" panose="02010600040101010101" pitchFamily="2" charset="-122"/>
               </a:rPr>
-              <a:t>Bean</a:t>
-            </a:r>
-            <a:r>
-              <a:rPr lang="en-US" altLang="zh-CN" dirty="0" smtClean="0">
-                <a:latin typeface="华文中宋" panose="02010600040101010101" pitchFamily="2" charset="-122"/>
-                <a:ea typeface="华文中宋" panose="02010600040101010101" pitchFamily="2" charset="-122"/>
-              </a:rPr>
-              <a:t>/POJO</a:t>
+              <a:t>Bean/POJO</a:t>
             </a:r>
             <a:r>
               <a:rPr lang="zh-CN" altLang="en-US" dirty="0" smtClean="0">
@@ -41170,14 +35906,7 @@
                 <a:latin typeface="华文中宋" panose="02010600040101010101" pitchFamily="2" charset="-122"/>
                 <a:ea typeface="华文中宋" panose="02010600040101010101" pitchFamily="2" charset="-122"/>
               </a:rPr>
-              <a:t>虽然输入格式复杂，但是仍能自动生成</a:t>
-            </a:r>
-            <a:r>
-              <a:rPr lang="zh-CN" altLang="en-US" dirty="0" smtClean="0">
-                <a:latin typeface="华文中宋" panose="02010600040101010101" pitchFamily="2" charset="-122"/>
-                <a:ea typeface="华文中宋" panose="02010600040101010101" pitchFamily="2" charset="-122"/>
-              </a:rPr>
-              <a:t>测试用例</a:t>
+              <a:t>虽然输入格式复杂，但是仍能自动生成测试用例</a:t>
             </a:r>
             <a:endParaRPr lang="en-US" altLang="zh-CN" dirty="0" smtClean="0">
               <a:latin typeface="华文中宋" panose="02010600040101010101" pitchFamily="2" charset="-122"/>
@@ -41630,7 +36359,7 @@
       </p:sp>
       <p:pic>
         <p:nvPicPr>
-          <p:cNvPr id="2" name="图片 1"/>
+          <p:cNvPr id="6" name="图片 5"/>
           <p:cNvPicPr>
             <a:picLocks noChangeAspect="1"/>
           </p:cNvPicPr>
@@ -41644,14 +36373,48 @@
         </p:blipFill>
         <p:spPr>
           <a:xfrm>
-            <a:off x="1473898" y="2003679"/>
-            <a:ext cx="7229475" cy="3143250"/>
+            <a:off x="1462849" y="1983867"/>
+            <a:ext cx="6943725" cy="3219450"/>
           </a:xfrm>
           <a:prstGeom prst="rect">
             <a:avLst/>
           </a:prstGeom>
         </p:spPr>
       </p:pic>
+      <p:sp>
+        <p:nvSpPr>
+          <p:cNvPr id="8" name="文本框 7"/>
+          <p:cNvSpPr txBox="1"/>
+          <p:nvPr/>
+        </p:nvSpPr>
+        <p:spPr>
+          <a:xfrm>
+            <a:off x="1462849" y="5596128"/>
+            <a:ext cx="7736015" cy="646331"/>
+          </a:xfrm>
+          <a:prstGeom prst="rect">
+            <a:avLst/>
+          </a:prstGeom>
+          <a:noFill/>
+        </p:spPr>
+        <p:txBody>
+          <a:bodyPr wrap="square" rtlCol="0">
+            <a:spAutoFit/>
+          </a:bodyPr>
+          <a:lstStyle/>
+          <a:p>
+            <a:r>
+              <a:rPr lang="en-US" altLang="zh-CN" dirty="0" smtClean="0"/>
+              <a:t>Static Strategy</a:t>
+            </a:r>
+            <a:r>
+              <a:rPr lang="zh-CN" altLang="en-US" dirty="0" smtClean="0"/>
+              <a:t>：执行测试之前选择蜕变关系，该策略的依据以及具体步骤在蜕变关系方法总结文档中。</a:t>
+            </a:r>
+            <a:endParaRPr lang="zh-CN" altLang="en-US" dirty="0"/>
+          </a:p>
+        </p:txBody>
+      </p:sp>
     </p:spTree>
     <p:extLst>
       <p:ext uri="{BB962C8B-B14F-4D97-AF65-F5344CB8AC3E}">
@@ -41697,51 +36460,6 @@
                                         </p:cTn>
                                         <p:tgtEl>
                                           <p:spTgt spid="7"/>
-                                        </p:tgtEl>
-                                        <p:attrNameLst>
-                                          <p:attrName>style.visibility</p:attrName>
-                                        </p:attrNameLst>
-                                      </p:cBhvr>
-                                      <p:to>
-                                        <p:strVal val="visible"/>
-                                      </p:to>
-                                    </p:set>
-                                  </p:childTnLst>
-                                </p:cTn>
-                              </p:par>
-                            </p:childTnLst>
-                          </p:cTn>
-                        </p:par>
-                      </p:childTnLst>
-                    </p:cTn>
-                  </p:par>
-                  <p:par>
-                    <p:cTn id="7" fill="hold">
-                      <p:stCondLst>
-                        <p:cond delay="indefinite"/>
-                      </p:stCondLst>
-                      <p:childTnLst>
-                        <p:par>
-                          <p:cTn id="8" fill="hold">
-                            <p:stCondLst>
-                              <p:cond delay="0"/>
-                            </p:stCondLst>
-                            <p:childTnLst>
-                              <p:par>
-                                <p:cTn id="9" presetID="1" presetClass="entr" presetSubtype="0" fill="hold" nodeType="clickEffect">
-                                  <p:stCondLst>
-                                    <p:cond delay="0"/>
-                                  </p:stCondLst>
-                                  <p:childTnLst>
-                                    <p:set>
-                                      <p:cBhvr>
-                                        <p:cTn id="10" dur="1" fill="hold">
-                                          <p:stCondLst>
-                                            <p:cond delay="0"/>
-                                          </p:stCondLst>
-                                        </p:cTn>
-                                        <p:tgtEl>
-                                          <p:spTgt spid="2"/>
                                         </p:tgtEl>
                                         <p:attrNameLst>
                                           <p:attrName>style.visibility</p:attrName>
@@ -42051,7 +36769,7 @@
         <p:spPr>
           <a:xfrm>
             <a:off x="1664208" y="2771743"/>
-            <a:ext cx="7168896" cy="1338828"/>
+            <a:ext cx="7644384" cy="1338828"/>
           </a:xfrm>
           <a:prstGeom prst="rect">
             <a:avLst/>
@@ -42103,14 +36821,14 @@
                 <a:latin typeface="华文中宋" panose="02010600040101010101" pitchFamily="2" charset="-122"/>
                 <a:ea typeface="华文中宋" panose="02010600040101010101" pitchFamily="2" charset="-122"/>
               </a:rPr>
-              <a:t>T-measure: </a:t>
-            </a:r>
-            <a:r>
-              <a:rPr lang="zh-CN" altLang="en-US" dirty="0" smtClean="0">
-                <a:latin typeface="华文中宋" panose="02010600040101010101" pitchFamily="2" charset="-122"/>
-                <a:ea typeface="华文中宋" panose="02010600040101010101" pitchFamily="2" charset="-122"/>
-              </a:rPr>
-              <a:t>检测所有的故障需要的测试用例数目</a:t>
+              <a:t>F2-measure</a:t>
+            </a:r>
+            <a:r>
+              <a:rPr lang="zh-CN" altLang="en-US" dirty="0" smtClean="0">
+                <a:latin typeface="华文中宋" panose="02010600040101010101" pitchFamily="2" charset="-122"/>
+                <a:ea typeface="华文中宋" panose="02010600040101010101" pitchFamily="2" charset="-122"/>
+              </a:rPr>
+              <a:t>：检测第一个故障后再检测一个故障需要的测试用例数目</a:t>
             </a:r>
             <a:endParaRPr lang="en-US" altLang="zh-CN" dirty="0" smtClean="0">
               <a:latin typeface="华文中宋" panose="02010600040101010101" pitchFamily="2" charset="-122"/>
@@ -42130,23 +36848,16 @@
                 <a:latin typeface="华文中宋" panose="02010600040101010101" pitchFamily="2" charset="-122"/>
                 <a:ea typeface="华文中宋" panose="02010600040101010101" pitchFamily="2" charset="-122"/>
               </a:rPr>
-              <a:t>P-measure: </a:t>
-            </a:r>
-            <a:r>
-              <a:rPr lang="zh-CN" altLang="en-US" dirty="0" smtClean="0">
-                <a:latin typeface="华文中宋" panose="02010600040101010101" pitchFamily="2" charset="-122"/>
-                <a:ea typeface="华文中宋" panose="02010600040101010101" pitchFamily="2" charset="-122"/>
-              </a:rPr>
-              <a:t>测试用例集至少</a:t>
-            </a:r>
-            <a:r>
-              <a:rPr lang="zh-CN" altLang="en-US" dirty="0" smtClean="0">
-                <a:latin typeface="华文中宋" panose="02010600040101010101" pitchFamily="2" charset="-122"/>
-                <a:ea typeface="华文中宋" panose="02010600040101010101" pitchFamily="2" charset="-122"/>
-              </a:rPr>
-              <a:t>揭示一个故障的概率</a:t>
-            </a:r>
-            <a:endParaRPr lang="zh-CN" altLang="en-US" dirty="0">
+              <a:t>T-measure: </a:t>
+            </a:r>
+            <a:r>
+              <a:rPr lang="zh-CN" altLang="en-US" dirty="0" smtClean="0">
+                <a:latin typeface="华文中宋" panose="02010600040101010101" pitchFamily="2" charset="-122"/>
+                <a:ea typeface="华文中宋" panose="02010600040101010101" pitchFamily="2" charset="-122"/>
+              </a:rPr>
+              <a:t>检测所有的故障需要的测试用例数目</a:t>
+            </a:r>
+            <a:endParaRPr lang="en-US" altLang="zh-CN" dirty="0" smtClean="0">
               <a:latin typeface="华文中宋" panose="02010600040101010101" pitchFamily="2" charset="-122"/>
               <a:ea typeface="华文中宋" panose="02010600040101010101" pitchFamily="2" charset="-122"/>
             </a:endParaRPr>
@@ -42169,8 +36880,8 @@
         </p:blipFill>
         <p:spPr>
           <a:xfrm>
-            <a:off x="8016059" y="1438625"/>
-            <a:ext cx="3742564" cy="2666236"/>
+            <a:off x="9198864" y="1438625"/>
+            <a:ext cx="2993136" cy="2666236"/>
           </a:xfrm>
           <a:prstGeom prst="rect">
             <a:avLst/>
@@ -42186,7 +36897,7 @@
         <p:spPr>
           <a:xfrm>
             <a:off x="1371600" y="4520551"/>
-            <a:ext cx="2569464" cy="369332"/>
+            <a:ext cx="2029968" cy="369332"/>
           </a:xfrm>
           <a:prstGeom prst="rect">
             <a:avLst/>
@@ -42226,7 +36937,7 @@
         <p:spPr>
           <a:xfrm>
             <a:off x="1675240" y="5087930"/>
-            <a:ext cx="4297680" cy="1338828"/>
+            <a:ext cx="6206888" cy="1338828"/>
           </a:xfrm>
           <a:prstGeom prst="rect">
             <a:avLst/>
@@ -42278,14 +36989,14 @@
                 <a:latin typeface="华文中宋" panose="02010600040101010101" pitchFamily="2" charset="-122"/>
                 <a:ea typeface="华文中宋" panose="02010600040101010101" pitchFamily="2" charset="-122"/>
               </a:rPr>
-              <a:t>T-time: </a:t>
-            </a:r>
-            <a:r>
-              <a:rPr lang="zh-CN" altLang="en-US" dirty="0" smtClean="0">
-                <a:latin typeface="华文中宋" panose="02010600040101010101" pitchFamily="2" charset="-122"/>
-                <a:ea typeface="华文中宋" panose="02010600040101010101" pitchFamily="2" charset="-122"/>
-              </a:rPr>
-              <a:t>检测所有的故障需要的时间</a:t>
+              <a:t>F2-time</a:t>
+            </a:r>
+            <a:r>
+              <a:rPr lang="zh-CN" altLang="en-US" dirty="0" smtClean="0">
+                <a:latin typeface="华文中宋" panose="02010600040101010101" pitchFamily="2" charset="-122"/>
+                <a:ea typeface="华文中宋" panose="02010600040101010101" pitchFamily="2" charset="-122"/>
+              </a:rPr>
+              <a:t>：检测第一个故障后再检测一个故障需要的时间</a:t>
             </a:r>
             <a:endParaRPr lang="en-US" altLang="zh-CN" dirty="0" smtClean="0">
               <a:latin typeface="华文中宋" panose="02010600040101010101" pitchFamily="2" charset="-122"/>
@@ -42305,14 +37016,14 @@
                 <a:latin typeface="华文中宋" panose="02010600040101010101" pitchFamily="2" charset="-122"/>
                 <a:ea typeface="华文中宋" panose="02010600040101010101" pitchFamily="2" charset="-122"/>
               </a:rPr>
-              <a:t>P-time: </a:t>
-            </a:r>
-            <a:r>
-              <a:rPr lang="zh-CN" altLang="en-US" dirty="0" smtClean="0">
-                <a:latin typeface="华文中宋" panose="02010600040101010101" pitchFamily="2" charset="-122"/>
-                <a:ea typeface="华文中宋" panose="02010600040101010101" pitchFamily="2" charset="-122"/>
-              </a:rPr>
-              <a:t>执行测试用例集需要的时间</a:t>
+              <a:t>T-time: </a:t>
+            </a:r>
+            <a:r>
+              <a:rPr lang="zh-CN" altLang="en-US" dirty="0" smtClean="0">
+                <a:latin typeface="华文中宋" panose="02010600040101010101" pitchFamily="2" charset="-122"/>
+                <a:ea typeface="华文中宋" panose="02010600040101010101" pitchFamily="2" charset="-122"/>
+              </a:rPr>
+              <a:t>检测所有的故障需要的时间</a:t>
             </a:r>
             <a:endParaRPr lang="en-US" altLang="zh-CN" dirty="0" smtClean="0">
               <a:latin typeface="华文中宋" panose="02010600040101010101" pitchFamily="2" charset="-122"/>
@@ -42328,14 +37039,14 @@
           <p:nvPr>
             <p:extLst>
               <p:ext uri="{D42A27DB-BD31-4B8C-83A1-F6EECF244321}">
-                <p14:modId xmlns:p14="http://schemas.microsoft.com/office/powerpoint/2010/main" val="1630953398"/>
+                <p14:modId xmlns:p14="http://schemas.microsoft.com/office/powerpoint/2010/main" val="1392100110"/>
               </p:ext>
             </p:extLst>
           </p:nvPr>
         </p:nvGraphicFramePr>
         <p:xfrm>
-          <a:off x="6540647" y="4441387"/>
-          <a:ext cx="2950825" cy="2366663"/>
+          <a:off x="8808359" y="4487390"/>
+          <a:ext cx="3252577" cy="2287499"/>
         </p:xfrm>
         <a:graphic>
           <a:graphicData uri="http://schemas.openxmlformats.org/drawingml/2006/diagram">
@@ -42343,6 +37054,44 @@
           </a:graphicData>
         </a:graphic>
       </p:graphicFrame>
+      <p:sp>
+        <p:nvSpPr>
+          <p:cNvPr id="2" name="文本框 1"/>
+          <p:cNvSpPr txBox="1"/>
+          <p:nvPr/>
+        </p:nvSpPr>
+        <p:spPr>
+          <a:xfrm>
+            <a:off x="4681728" y="4302724"/>
+            <a:ext cx="4361688" cy="369332"/>
+          </a:xfrm>
+          <a:prstGeom prst="rect">
+            <a:avLst/>
+          </a:prstGeom>
+          <a:noFill/>
+        </p:spPr>
+        <p:txBody>
+          <a:bodyPr wrap="square" rtlCol="0">
+            <a:spAutoFit/>
+          </a:bodyPr>
+          <a:lstStyle/>
+          <a:p>
+            <a:r>
+              <a:rPr lang="zh-CN" altLang="en-US" dirty="0" smtClean="0">
+                <a:solidFill>
+                  <a:srgbClr val="FF0000"/>
+                </a:solidFill>
+              </a:rPr>
+              <a:t>需要统计生成衍生测试用例的时间吗？</a:t>
+            </a:r>
+            <a:endParaRPr lang="zh-CN" altLang="en-US" dirty="0">
+              <a:solidFill>
+                <a:srgbClr val="FF0000"/>
+              </a:solidFill>
+            </a:endParaRPr>
+          </a:p>
+        </p:txBody>
+      </p:sp>
     </p:spTree>
     <p:extLst>
       <p:ext uri="{BB962C8B-B14F-4D97-AF65-F5344CB8AC3E}">
@@ -44020,289 +38769,6 @@
         <a:sysClr val="window" lastClr="FFFFFF"/>
       </a:lt1>
       <a:dk2>
-        <a:srgbClr val="1F497D"/>
-      </a:dk2>
-      <a:lt2>
-        <a:srgbClr val="EEECE1"/>
-      </a:lt2>
-      <a:accent1>
-        <a:srgbClr val="4F81BD"/>
-      </a:accent1>
-      <a:accent2>
-        <a:srgbClr val="C0504D"/>
-      </a:accent2>
-      <a:accent3>
-        <a:srgbClr val="9BBB59"/>
-      </a:accent3>
-      <a:accent4>
-        <a:srgbClr val="8064A2"/>
-      </a:accent4>
-      <a:accent5>
-        <a:srgbClr val="4BACC6"/>
-      </a:accent5>
-      <a:accent6>
-        <a:srgbClr val="F79646"/>
-      </a:accent6>
-      <a:hlink>
-        <a:srgbClr val="0000FF"/>
-      </a:hlink>
-      <a:folHlink>
-        <a:srgbClr val="800080"/>
-      </a:folHlink>
-    </a:clrScheme>
-    <a:fontScheme name="Office">
-      <a:majorFont>
-        <a:latin typeface="Calibri"/>
-        <a:ea typeface=""/>
-        <a:cs typeface=""/>
-        <a:font script="Jpan" typeface="ＭＳ Ｐゴシック"/>
-        <a:font script="Hang" typeface="맑은 고딕"/>
-        <a:font script="Hans" typeface="宋体"/>
-        <a:font script="Hant" typeface="新細明體"/>
-        <a:font script="Arab" typeface="Times New Roman"/>
-        <a:font script="Hebr" typeface="Times New Roman"/>
-        <a:font script="Thai" typeface="Angsana New"/>
-        <a:font script="Ethi" typeface="Nyala"/>
-        <a:font script="Beng" typeface="Vrinda"/>
-        <a:font script="Gujr" typeface="Shruti"/>
-        <a:font script="Khmr" typeface="MoolBoran"/>
-        <a:font script="Knda" typeface="Tunga"/>
-        <a:font script="Guru" typeface="Raavi"/>
-        <a:font script="Cans" typeface="Euphemia"/>
-        <a:font script="Cher" typeface="Plantagenet Cherokee"/>
-        <a:font script="Yiii" typeface="Microsoft Yi Baiti"/>
-        <a:font script="Tibt" typeface="Microsoft Himalaya"/>
-        <a:font script="Thaa" typeface="MV Boli"/>
-        <a:font script="Deva" typeface="Mangal"/>
-        <a:font script="Telu" typeface="Gautami"/>
-        <a:font script="Taml" typeface="Latha"/>
-        <a:font script="Syrc" typeface="Estrangelo Edessa"/>
-        <a:font script="Orya" typeface="Kalinga"/>
-        <a:font script="Mlym" typeface="Kartika"/>
-        <a:font script="Laoo" typeface="DokChampa"/>
-        <a:font script="Sinh" typeface="Iskoola Pota"/>
-        <a:font script="Mong" typeface="Mongolian Baiti"/>
-        <a:font script="Viet" typeface="Times New Roman"/>
-        <a:font script="Uigh" typeface="Microsoft Uighur"/>
-      </a:majorFont>
-      <a:minorFont>
-        <a:latin typeface="Calibri"/>
-        <a:ea typeface=""/>
-        <a:cs typeface=""/>
-        <a:font script="Jpan" typeface="ＭＳ Ｐゴシック"/>
-        <a:font script="Hang" typeface="맑은 고딕"/>
-        <a:font script="Hans" typeface="宋体"/>
-        <a:font script="Hant" typeface="新細明體"/>
-        <a:font script="Arab" typeface="Arial"/>
-        <a:font script="Hebr" typeface="Arial"/>
-        <a:font script="Thai" typeface="Cordia New"/>
-        <a:font script="Ethi" typeface="Nyala"/>
-        <a:font script="Beng" typeface="Vrinda"/>
-        <a:font script="Gujr" typeface="Shruti"/>
-        <a:font script="Khmr" typeface="DaunPenh"/>
-        <a:font script="Knda" typeface="Tunga"/>
-        <a:font script="Guru" typeface="Raavi"/>
-        <a:font script="Cans" typeface="Euphemia"/>
-        <a:font script="Cher" typeface="Plantagenet Cherokee"/>
-        <a:font script="Yiii" typeface="Microsoft Yi Baiti"/>
-        <a:font script="Tibt" typeface="Microsoft Himalaya"/>
-        <a:font script="Thaa" typeface="MV Boli"/>
-        <a:font script="Deva" typeface="Mangal"/>
-        <a:font script="Telu" typeface="Gautami"/>
-        <a:font script="Taml" typeface="Latha"/>
-        <a:font script="Syrc" typeface="Estrangelo Edessa"/>
-        <a:font script="Orya" typeface="Kalinga"/>
-        <a:font script="Mlym" typeface="Kartika"/>
-        <a:font script="Laoo" typeface="DokChampa"/>
-        <a:font script="Sinh" typeface="Iskoola Pota"/>
-        <a:font script="Mong" typeface="Mongolian Baiti"/>
-        <a:font script="Viet" typeface="Arial"/>
-        <a:font script="Uigh" typeface="Microsoft Uighur"/>
-      </a:minorFont>
-    </a:fontScheme>
-    <a:fmtScheme name="Office">
-      <a:fillStyleLst>
-        <a:solidFill>
-          <a:schemeClr val="phClr"/>
-        </a:solidFill>
-        <a:gradFill rotWithShape="1">
-          <a:gsLst>
-            <a:gs pos="0">
-              <a:schemeClr val="phClr">
-                <a:tint val="50000"/>
-                <a:satMod val="300000"/>
-              </a:schemeClr>
-            </a:gs>
-            <a:gs pos="35000">
-              <a:schemeClr val="phClr">
-                <a:tint val="37000"/>
-                <a:satMod val="300000"/>
-              </a:schemeClr>
-            </a:gs>
-            <a:gs pos="100000">
-              <a:schemeClr val="phClr">
-                <a:tint val="15000"/>
-                <a:satMod val="350000"/>
-              </a:schemeClr>
-            </a:gs>
-          </a:gsLst>
-          <a:lin ang="16200000" scaled="1"/>
-        </a:gradFill>
-        <a:gradFill rotWithShape="1">
-          <a:gsLst>
-            <a:gs pos="0">
-              <a:schemeClr val="phClr">
-                <a:shade val="51000"/>
-                <a:satMod val="130000"/>
-              </a:schemeClr>
-            </a:gs>
-            <a:gs pos="80000">
-              <a:schemeClr val="phClr">
-                <a:shade val="93000"/>
-                <a:satMod val="130000"/>
-              </a:schemeClr>
-            </a:gs>
-            <a:gs pos="100000">
-              <a:schemeClr val="phClr">
-                <a:shade val="94000"/>
-                <a:satMod val="135000"/>
-              </a:schemeClr>
-            </a:gs>
-          </a:gsLst>
-          <a:lin ang="16200000" scaled="0"/>
-        </a:gradFill>
-      </a:fillStyleLst>
-      <a:lnStyleLst>
-        <a:ln w="9525" cap="flat" cmpd="sng" algn="ctr">
-          <a:solidFill>
-            <a:schemeClr val="phClr">
-              <a:shade val="95000"/>
-              <a:satMod val="105000"/>
-            </a:schemeClr>
-          </a:solidFill>
-          <a:prstDash val="solid"/>
-        </a:ln>
-        <a:ln w="25400" cap="flat" cmpd="sng" algn="ctr">
-          <a:solidFill>
-            <a:schemeClr val="phClr"/>
-          </a:solidFill>
-          <a:prstDash val="solid"/>
-        </a:ln>
-        <a:ln w="38100" cap="flat" cmpd="sng" algn="ctr">
-          <a:solidFill>
-            <a:schemeClr val="phClr"/>
-          </a:solidFill>
-          <a:prstDash val="solid"/>
-        </a:ln>
-      </a:lnStyleLst>
-      <a:effectStyleLst>
-        <a:effectStyle>
-          <a:effectLst>
-            <a:outerShdw blurRad="40000" dist="20000" dir="5400000" rotWithShape="0">
-              <a:srgbClr val="000000">
-                <a:alpha val="38000"/>
-              </a:srgbClr>
-            </a:outerShdw>
-          </a:effectLst>
-        </a:effectStyle>
-        <a:effectStyle>
-          <a:effectLst>
-            <a:outerShdw blurRad="40000" dist="23000" dir="5400000" rotWithShape="0">
-              <a:srgbClr val="000000">
-                <a:alpha val="35000"/>
-              </a:srgbClr>
-            </a:outerShdw>
-          </a:effectLst>
-        </a:effectStyle>
-        <a:effectStyle>
-          <a:effectLst>
-            <a:outerShdw blurRad="40000" dist="23000" dir="5400000" rotWithShape="0">
-              <a:srgbClr val="000000">
-                <a:alpha val="35000"/>
-              </a:srgbClr>
-            </a:outerShdw>
-          </a:effectLst>
-          <a:scene3d>
-            <a:camera prst="orthographicFront">
-              <a:rot lat="0" lon="0" rev="0"/>
-            </a:camera>
-            <a:lightRig rig="threePt" dir="t">
-              <a:rot lat="0" lon="0" rev="1200000"/>
-            </a:lightRig>
-          </a:scene3d>
-          <a:sp3d>
-            <a:bevelT w="63500" h="25400"/>
-          </a:sp3d>
-        </a:effectStyle>
-      </a:effectStyleLst>
-      <a:bgFillStyleLst>
-        <a:solidFill>
-          <a:schemeClr val="phClr"/>
-        </a:solidFill>
-        <a:gradFill rotWithShape="1">
-          <a:gsLst>
-            <a:gs pos="0">
-              <a:schemeClr val="phClr">
-                <a:tint val="40000"/>
-                <a:satMod val="350000"/>
-              </a:schemeClr>
-            </a:gs>
-            <a:gs pos="40000">
-              <a:schemeClr val="phClr">
-                <a:tint val="45000"/>
-                <a:shade val="99000"/>
-                <a:satMod val="350000"/>
-              </a:schemeClr>
-            </a:gs>
-            <a:gs pos="100000">
-              <a:schemeClr val="phClr">
-                <a:shade val="20000"/>
-                <a:satMod val="255000"/>
-              </a:schemeClr>
-            </a:gs>
-          </a:gsLst>
-          <a:path path="circle">
-            <a:fillToRect l="50000" t="-80000" r="50000" b="180000"/>
-          </a:path>
-        </a:gradFill>
-        <a:gradFill rotWithShape="1">
-          <a:gsLst>
-            <a:gs pos="0">
-              <a:schemeClr val="phClr">
-                <a:tint val="80000"/>
-                <a:satMod val="300000"/>
-              </a:schemeClr>
-            </a:gs>
-            <a:gs pos="100000">
-              <a:schemeClr val="phClr">
-                <a:shade val="30000"/>
-                <a:satMod val="200000"/>
-              </a:schemeClr>
-            </a:gs>
-          </a:gsLst>
-          <a:path path="circle">
-            <a:fillToRect l="50000" t="50000" r="50000" b="50000"/>
-          </a:path>
-        </a:gradFill>
-      </a:bgFillStyleLst>
-    </a:fmtScheme>
-  </a:themeElements>
-  <a:objectDefaults/>
-  <a:extraClrSchemeLst/>
-</a:theme>
-</file>
-
-<file path=ppt/theme/theme3.xml><?xml version="1.0" encoding="utf-8"?>
-<a:theme xmlns:a="http://schemas.openxmlformats.org/drawingml/2006/main" name="Office 主题">
-  <a:themeElements>
-    <a:clrScheme name="Office">
-      <a:dk1>
-        <a:sysClr val="windowText" lastClr="000000"/>
-      </a:dk1>
-      <a:lt1>
-        <a:sysClr val="window" lastClr="FFFFFF"/>
-      </a:lt1>
-      <a:dk2>
         <a:srgbClr val="44546A"/>
       </a:dk2>
       <a:lt2>
